--- a/presentaties/technische_ricky.pptx
+++ b/presentaties/technische_ricky.pptx
@@ -5,39 +5,48 @@
     <p:sldMasterId id="2147483657" r:id="rId1"/>
   </p:sldMasterIdLst>
   <p:notesMasterIdLst>
-    <p:notesMasterId r:id="rId11"/>
+    <p:notesMasterId r:id="rId20"/>
   </p:notesMasterIdLst>
   <p:sldIdLst>
     <p:sldId id="256" r:id="rId2"/>
     <p:sldId id="258" r:id="rId3"/>
     <p:sldId id="261" r:id="rId4"/>
-    <p:sldId id="259" r:id="rId5"/>
-    <p:sldId id="288" r:id="rId6"/>
-    <p:sldId id="291" r:id="rId7"/>
-    <p:sldId id="285" r:id="rId8"/>
-    <p:sldId id="289" r:id="rId9"/>
-    <p:sldId id="280" r:id="rId10"/>
+    <p:sldId id="292" r:id="rId5"/>
+    <p:sldId id="293" r:id="rId6"/>
+    <p:sldId id="294" r:id="rId7"/>
+    <p:sldId id="290" r:id="rId8"/>
+    <p:sldId id="295" r:id="rId9"/>
+    <p:sldId id="296" r:id="rId10"/>
+    <p:sldId id="297" r:id="rId11"/>
+    <p:sldId id="298" r:id="rId12"/>
+    <p:sldId id="299" r:id="rId13"/>
+    <p:sldId id="259" r:id="rId14"/>
+    <p:sldId id="288" r:id="rId15"/>
+    <p:sldId id="291" r:id="rId16"/>
+    <p:sldId id="285" r:id="rId17"/>
+    <p:sldId id="289" r:id="rId18"/>
+    <p:sldId id="280" r:id="rId19"/>
   </p:sldIdLst>
   <p:sldSz cx="9144000" cy="5143500" type="screen16x9"/>
   <p:notesSz cx="6858000" cy="9144000"/>
   <p:embeddedFontLst>
     <p:embeddedFont>
       <p:font typeface="Helvetica Neue" panose="020B0604020202020204" charset="0"/>
-      <p:regular r:id="rId12"/>
-      <p:bold r:id="rId13"/>
-      <p:italic r:id="rId14"/>
-      <p:boldItalic r:id="rId15"/>
+      <p:regular r:id="rId21"/>
+      <p:bold r:id="rId22"/>
+      <p:italic r:id="rId23"/>
+      <p:boldItalic r:id="rId24"/>
     </p:embeddedFont>
     <p:embeddedFont>
       <p:font typeface="Muli" panose="020B0604020202020204" charset="0"/>
-      <p:regular r:id="rId16"/>
-      <p:bold r:id="rId17"/>
-      <p:italic r:id="rId18"/>
-      <p:boldItalic r:id="rId19"/>
+      <p:regular r:id="rId25"/>
+      <p:bold r:id="rId26"/>
+      <p:italic r:id="rId27"/>
+      <p:boldItalic r:id="rId28"/>
     </p:embeddedFont>
     <p:embeddedFont>
       <p:font typeface="Nixie One" panose="020B0604020202020204" charset="0"/>
-      <p:regular r:id="rId20"/>
+      <p:regular r:id="rId29"/>
     </p:embeddedFont>
   </p:embeddedFontLst>
   <p:defaultTextStyle>
@@ -820,6 +829,764 @@
 </p:notes>
 </file>
 
+<file path=ppt/notesSlides/notesSlide10.xml><?xml version="1.0" encoding="utf-8"?>
+<p:notes xmlns:a="http://schemas.openxmlformats.org/drawingml/2006/main" xmlns:r="http://schemas.openxmlformats.org/officeDocument/2006/relationships" xmlns:p="http://schemas.openxmlformats.org/presentationml/2006/main" showMasterSp="0" showMasterPhAnim="0">
+  <p:cSld>
+    <p:spTree>
+      <p:nvGrpSpPr>
+        <p:cNvPr id="1" name="Shape 357"/>
+        <p:cNvGrpSpPr/>
+        <p:nvPr/>
+      </p:nvGrpSpPr>
+      <p:grpSpPr>
+        <a:xfrm>
+          <a:off x="0" y="0"/>
+          <a:ext cx="0" cy="0"/>
+          <a:chOff x="0" y="0"/>
+          <a:chExt cx="0" cy="0"/>
+        </a:xfrm>
+      </p:grpSpPr>
+      <p:sp>
+        <p:nvSpPr>
+          <p:cNvPr id="358" name="Shape 358"/>
+          <p:cNvSpPr>
+            <a:spLocks noGrp="1" noRot="1" noChangeAspect="1"/>
+          </p:cNvSpPr>
+          <p:nvPr>
+            <p:ph type="sldImg" idx="2"/>
+          </p:nvPr>
+        </p:nvSpPr>
+        <p:spPr>
+          <a:xfrm>
+            <a:off x="381000" y="685800"/>
+            <a:ext cx="6096000" cy="3429000"/>
+          </a:xfrm>
+          <a:custGeom>
+            <a:avLst/>
+            <a:gdLst/>
+            <a:ahLst/>
+            <a:cxnLst/>
+            <a:rect l="0" t="0" r="0" b="0"/>
+            <a:pathLst>
+              <a:path w="120000" h="120000" extrusionOk="0">
+                <a:moveTo>
+                  <a:pt x="0" y="0"/>
+                </a:moveTo>
+                <a:lnTo>
+                  <a:pt x="120000" y="0"/>
+                </a:lnTo>
+                <a:lnTo>
+                  <a:pt x="120000" y="120000"/>
+                </a:lnTo>
+                <a:lnTo>
+                  <a:pt x="0" y="120000"/>
+                </a:lnTo>
+                <a:close/>
+              </a:path>
+            </a:pathLst>
+          </a:custGeom>
+        </p:spPr>
+      </p:sp>
+      <p:sp>
+        <p:nvSpPr>
+          <p:cNvPr id="359" name="Shape 359"/>
+          <p:cNvSpPr txBox="1">
+            <a:spLocks noGrp="1"/>
+          </p:cNvSpPr>
+          <p:nvPr>
+            <p:ph type="body" idx="1"/>
+          </p:nvPr>
+        </p:nvSpPr>
+        <p:spPr>
+          <a:xfrm>
+            <a:off x="685800" y="4343400"/>
+            <a:ext cx="5486400" cy="4114800"/>
+          </a:xfrm>
+          <a:prstGeom prst="rect">
+            <a:avLst/>
+          </a:prstGeom>
+        </p:spPr>
+        <p:txBody>
+          <a:bodyPr spcFirstLastPara="1" wrap="square" lIns="91425" tIns="91425" rIns="91425" bIns="91425" anchor="t" anchorCtr="0">
+            <a:noAutofit/>
+          </a:bodyPr>
+          <a:lstStyle/>
+          <a:p>
+            <a:pPr marL="0" lvl="0" indent="0">
+              <a:spcBef>
+                <a:spcPts val="0"/>
+              </a:spcBef>
+              <a:spcAft>
+                <a:spcPts val="0"/>
+              </a:spcAft>
+              <a:buNone/>
+            </a:pPr>
+            <a:endParaRPr/>
+          </a:p>
+        </p:txBody>
+      </p:sp>
+    </p:spTree>
+    <p:extLst>
+      <p:ext uri="{BB962C8B-B14F-4D97-AF65-F5344CB8AC3E}">
+        <p14:creationId xmlns:p14="http://schemas.microsoft.com/office/powerpoint/2010/main" val="1847024083"/>
+      </p:ext>
+    </p:extLst>
+  </p:cSld>
+  <p:clrMapOvr>
+    <a:masterClrMapping/>
+  </p:clrMapOvr>
+</p:notes>
+</file>
+
+<file path=ppt/notesSlides/notesSlide11.xml><?xml version="1.0" encoding="utf-8"?>
+<p:notes xmlns:a="http://schemas.openxmlformats.org/drawingml/2006/main" xmlns:r="http://schemas.openxmlformats.org/officeDocument/2006/relationships" xmlns:p="http://schemas.openxmlformats.org/presentationml/2006/main" showMasterSp="0" showMasterPhAnim="0">
+  <p:cSld>
+    <p:spTree>
+      <p:nvGrpSpPr>
+        <p:cNvPr id="1" name="Shape 345"/>
+        <p:cNvGrpSpPr/>
+        <p:nvPr/>
+      </p:nvGrpSpPr>
+      <p:grpSpPr>
+        <a:xfrm>
+          <a:off x="0" y="0"/>
+          <a:ext cx="0" cy="0"/>
+          <a:chOff x="0" y="0"/>
+          <a:chExt cx="0" cy="0"/>
+        </a:xfrm>
+      </p:grpSpPr>
+      <p:sp>
+        <p:nvSpPr>
+          <p:cNvPr id="346" name="Shape 346"/>
+          <p:cNvSpPr>
+            <a:spLocks noGrp="1" noRot="1" noChangeAspect="1"/>
+          </p:cNvSpPr>
+          <p:nvPr>
+            <p:ph type="sldImg" idx="2"/>
+          </p:nvPr>
+        </p:nvSpPr>
+        <p:spPr>
+          <a:xfrm>
+            <a:off x="381000" y="685800"/>
+            <a:ext cx="6096000" cy="3429000"/>
+          </a:xfrm>
+          <a:custGeom>
+            <a:avLst/>
+            <a:gdLst/>
+            <a:ahLst/>
+            <a:cxnLst/>
+            <a:rect l="0" t="0" r="0" b="0"/>
+            <a:pathLst>
+              <a:path w="120000" h="120000" extrusionOk="0">
+                <a:moveTo>
+                  <a:pt x="0" y="0"/>
+                </a:moveTo>
+                <a:lnTo>
+                  <a:pt x="120000" y="0"/>
+                </a:lnTo>
+                <a:lnTo>
+                  <a:pt x="120000" y="120000"/>
+                </a:lnTo>
+                <a:lnTo>
+                  <a:pt x="0" y="120000"/>
+                </a:lnTo>
+                <a:close/>
+              </a:path>
+            </a:pathLst>
+          </a:custGeom>
+        </p:spPr>
+      </p:sp>
+      <p:sp>
+        <p:nvSpPr>
+          <p:cNvPr id="347" name="Shape 347"/>
+          <p:cNvSpPr txBox="1">
+            <a:spLocks noGrp="1"/>
+          </p:cNvSpPr>
+          <p:nvPr>
+            <p:ph type="body" idx="1"/>
+          </p:nvPr>
+        </p:nvSpPr>
+        <p:spPr>
+          <a:xfrm>
+            <a:off x="685800" y="4343400"/>
+            <a:ext cx="5486400" cy="4114800"/>
+          </a:xfrm>
+          <a:prstGeom prst="rect">
+            <a:avLst/>
+          </a:prstGeom>
+        </p:spPr>
+        <p:txBody>
+          <a:bodyPr spcFirstLastPara="1" wrap="square" lIns="91425" tIns="91425" rIns="91425" bIns="91425" anchor="t" anchorCtr="0">
+            <a:noAutofit/>
+          </a:bodyPr>
+          <a:lstStyle/>
+          <a:p>
+            <a:pPr marL="0" lvl="0" indent="0">
+              <a:spcBef>
+                <a:spcPts val="0"/>
+              </a:spcBef>
+              <a:spcAft>
+                <a:spcPts val="0"/>
+              </a:spcAft>
+              <a:buNone/>
+            </a:pPr>
+            <a:endParaRPr/>
+          </a:p>
+        </p:txBody>
+      </p:sp>
+    </p:spTree>
+  </p:cSld>
+  <p:clrMapOvr>
+    <a:masterClrMapping/>
+  </p:clrMapOvr>
+</p:notes>
+</file>
+
+<file path=ppt/notesSlides/notesSlide12.xml><?xml version="1.0" encoding="utf-8"?>
+<p:notes xmlns:a="http://schemas.openxmlformats.org/drawingml/2006/main" xmlns:r="http://schemas.openxmlformats.org/officeDocument/2006/relationships" xmlns:p="http://schemas.openxmlformats.org/presentationml/2006/main" showMasterSp="0" showMasterPhAnim="0">
+  <p:cSld>
+    <p:spTree>
+      <p:nvGrpSpPr>
+        <p:cNvPr id="1" name="Shape 528"/>
+        <p:cNvGrpSpPr/>
+        <p:nvPr/>
+      </p:nvGrpSpPr>
+      <p:grpSpPr>
+        <a:xfrm>
+          <a:off x="0" y="0"/>
+          <a:ext cx="0" cy="0"/>
+          <a:chOff x="0" y="0"/>
+          <a:chExt cx="0" cy="0"/>
+        </a:xfrm>
+      </p:grpSpPr>
+      <p:sp>
+        <p:nvSpPr>
+          <p:cNvPr id="529" name="Shape 529"/>
+          <p:cNvSpPr>
+            <a:spLocks noGrp="1" noRot="1" noChangeAspect="1"/>
+          </p:cNvSpPr>
+          <p:nvPr>
+            <p:ph type="sldImg" idx="2"/>
+          </p:nvPr>
+        </p:nvSpPr>
+        <p:spPr>
+          <a:xfrm>
+            <a:off x="381000" y="685800"/>
+            <a:ext cx="6096000" cy="3429000"/>
+          </a:xfrm>
+          <a:custGeom>
+            <a:avLst/>
+            <a:gdLst/>
+            <a:ahLst/>
+            <a:cxnLst/>
+            <a:rect l="0" t="0" r="0" b="0"/>
+            <a:pathLst>
+              <a:path w="120000" h="120000" extrusionOk="0">
+                <a:moveTo>
+                  <a:pt x="0" y="0"/>
+                </a:moveTo>
+                <a:lnTo>
+                  <a:pt x="120000" y="0"/>
+                </a:lnTo>
+                <a:lnTo>
+                  <a:pt x="120000" y="120000"/>
+                </a:lnTo>
+                <a:lnTo>
+                  <a:pt x="0" y="120000"/>
+                </a:lnTo>
+                <a:close/>
+              </a:path>
+            </a:pathLst>
+          </a:custGeom>
+        </p:spPr>
+      </p:sp>
+      <p:sp>
+        <p:nvSpPr>
+          <p:cNvPr id="530" name="Shape 530"/>
+          <p:cNvSpPr txBox="1">
+            <a:spLocks noGrp="1"/>
+          </p:cNvSpPr>
+          <p:nvPr>
+            <p:ph type="body" idx="1"/>
+          </p:nvPr>
+        </p:nvSpPr>
+        <p:spPr>
+          <a:xfrm>
+            <a:off x="685800" y="4343400"/>
+            <a:ext cx="5486400" cy="4114800"/>
+          </a:xfrm>
+          <a:prstGeom prst="rect">
+            <a:avLst/>
+          </a:prstGeom>
+        </p:spPr>
+        <p:txBody>
+          <a:bodyPr spcFirstLastPara="1" wrap="square" lIns="91425" tIns="91425" rIns="91425" bIns="91425" anchor="t" anchorCtr="0">
+            <a:noAutofit/>
+          </a:bodyPr>
+          <a:lstStyle/>
+          <a:p>
+            <a:pPr marL="0" lvl="0" indent="0" rtl="0">
+              <a:spcBef>
+                <a:spcPts val="0"/>
+              </a:spcBef>
+              <a:spcAft>
+                <a:spcPts val="0"/>
+              </a:spcAft>
+              <a:buNone/>
+            </a:pPr>
+            <a:endParaRPr/>
+          </a:p>
+        </p:txBody>
+      </p:sp>
+    </p:spTree>
+    <p:extLst>
+      <p:ext uri="{BB962C8B-B14F-4D97-AF65-F5344CB8AC3E}">
+        <p14:creationId xmlns:p14="http://schemas.microsoft.com/office/powerpoint/2010/main" val="4276595902"/>
+      </p:ext>
+    </p:extLst>
+  </p:cSld>
+  <p:clrMapOvr>
+    <a:masterClrMapping/>
+  </p:clrMapOvr>
+</p:notes>
+</file>
+
+<file path=ppt/notesSlides/notesSlide13.xml><?xml version="1.0" encoding="utf-8"?>
+<p:notes xmlns:a="http://schemas.openxmlformats.org/drawingml/2006/main" xmlns:r="http://schemas.openxmlformats.org/officeDocument/2006/relationships" xmlns:p="http://schemas.openxmlformats.org/presentationml/2006/main" showMasterSp="0" showMasterPhAnim="0">
+  <p:cSld>
+    <p:spTree>
+      <p:nvGrpSpPr>
+        <p:cNvPr id="1" name="Shape 357"/>
+        <p:cNvGrpSpPr/>
+        <p:nvPr/>
+      </p:nvGrpSpPr>
+      <p:grpSpPr>
+        <a:xfrm>
+          <a:off x="0" y="0"/>
+          <a:ext cx="0" cy="0"/>
+          <a:chOff x="0" y="0"/>
+          <a:chExt cx="0" cy="0"/>
+        </a:xfrm>
+      </p:grpSpPr>
+      <p:sp>
+        <p:nvSpPr>
+          <p:cNvPr id="358" name="Shape 358"/>
+          <p:cNvSpPr>
+            <a:spLocks noGrp="1" noRot="1" noChangeAspect="1"/>
+          </p:cNvSpPr>
+          <p:nvPr>
+            <p:ph type="sldImg" idx="2"/>
+          </p:nvPr>
+        </p:nvSpPr>
+        <p:spPr>
+          <a:xfrm>
+            <a:off x="381000" y="685800"/>
+            <a:ext cx="6096000" cy="3429000"/>
+          </a:xfrm>
+          <a:custGeom>
+            <a:avLst/>
+            <a:gdLst/>
+            <a:ahLst/>
+            <a:cxnLst/>
+            <a:rect l="0" t="0" r="0" b="0"/>
+            <a:pathLst>
+              <a:path w="120000" h="120000" extrusionOk="0">
+                <a:moveTo>
+                  <a:pt x="0" y="0"/>
+                </a:moveTo>
+                <a:lnTo>
+                  <a:pt x="120000" y="0"/>
+                </a:lnTo>
+                <a:lnTo>
+                  <a:pt x="120000" y="120000"/>
+                </a:lnTo>
+                <a:lnTo>
+                  <a:pt x="0" y="120000"/>
+                </a:lnTo>
+                <a:close/>
+              </a:path>
+            </a:pathLst>
+          </a:custGeom>
+        </p:spPr>
+      </p:sp>
+      <p:sp>
+        <p:nvSpPr>
+          <p:cNvPr id="359" name="Shape 359"/>
+          <p:cNvSpPr txBox="1">
+            <a:spLocks noGrp="1"/>
+          </p:cNvSpPr>
+          <p:nvPr>
+            <p:ph type="body" idx="1"/>
+          </p:nvPr>
+        </p:nvSpPr>
+        <p:spPr>
+          <a:xfrm>
+            <a:off x="685800" y="4343400"/>
+            <a:ext cx="5486400" cy="4114800"/>
+          </a:xfrm>
+          <a:prstGeom prst="rect">
+            <a:avLst/>
+          </a:prstGeom>
+        </p:spPr>
+        <p:txBody>
+          <a:bodyPr spcFirstLastPara="1" wrap="square" lIns="91425" tIns="91425" rIns="91425" bIns="91425" anchor="t" anchorCtr="0">
+            <a:noAutofit/>
+          </a:bodyPr>
+          <a:lstStyle/>
+          <a:p>
+            <a:pPr marL="0" lvl="0" indent="0">
+              <a:spcBef>
+                <a:spcPts val="0"/>
+              </a:spcBef>
+              <a:spcAft>
+                <a:spcPts val="0"/>
+              </a:spcAft>
+              <a:buNone/>
+            </a:pPr>
+            <a:endParaRPr/>
+          </a:p>
+        </p:txBody>
+      </p:sp>
+    </p:spTree>
+    <p:extLst>
+      <p:ext uri="{BB962C8B-B14F-4D97-AF65-F5344CB8AC3E}">
+        <p14:creationId xmlns:p14="http://schemas.microsoft.com/office/powerpoint/2010/main" val="3571441674"/>
+      </p:ext>
+    </p:extLst>
+  </p:cSld>
+  <p:clrMapOvr>
+    <a:masterClrMapping/>
+  </p:clrMapOvr>
+</p:notes>
+</file>
+
+<file path=ppt/notesSlides/notesSlide14.xml><?xml version="1.0" encoding="utf-8"?>
+<p:notes xmlns:a="http://schemas.openxmlformats.org/drawingml/2006/main" xmlns:r="http://schemas.openxmlformats.org/officeDocument/2006/relationships" xmlns:p="http://schemas.openxmlformats.org/presentationml/2006/main" showMasterSp="0" showMasterPhAnim="0">
+  <p:cSld>
+    <p:spTree>
+      <p:nvGrpSpPr>
+        <p:cNvPr id="1" name="Shape 357"/>
+        <p:cNvGrpSpPr/>
+        <p:nvPr/>
+      </p:nvGrpSpPr>
+      <p:grpSpPr>
+        <a:xfrm>
+          <a:off x="0" y="0"/>
+          <a:ext cx="0" cy="0"/>
+          <a:chOff x="0" y="0"/>
+          <a:chExt cx="0" cy="0"/>
+        </a:xfrm>
+      </p:grpSpPr>
+      <p:sp>
+        <p:nvSpPr>
+          <p:cNvPr id="358" name="Shape 358"/>
+          <p:cNvSpPr>
+            <a:spLocks noGrp="1" noRot="1" noChangeAspect="1"/>
+          </p:cNvSpPr>
+          <p:nvPr>
+            <p:ph type="sldImg" idx="2"/>
+          </p:nvPr>
+        </p:nvSpPr>
+        <p:spPr>
+          <a:xfrm>
+            <a:off x="381000" y="685800"/>
+            <a:ext cx="6096000" cy="3429000"/>
+          </a:xfrm>
+          <a:custGeom>
+            <a:avLst/>
+            <a:gdLst/>
+            <a:ahLst/>
+            <a:cxnLst/>
+            <a:rect l="0" t="0" r="0" b="0"/>
+            <a:pathLst>
+              <a:path w="120000" h="120000" extrusionOk="0">
+                <a:moveTo>
+                  <a:pt x="0" y="0"/>
+                </a:moveTo>
+                <a:lnTo>
+                  <a:pt x="120000" y="0"/>
+                </a:lnTo>
+                <a:lnTo>
+                  <a:pt x="120000" y="120000"/>
+                </a:lnTo>
+                <a:lnTo>
+                  <a:pt x="0" y="120000"/>
+                </a:lnTo>
+                <a:close/>
+              </a:path>
+            </a:pathLst>
+          </a:custGeom>
+        </p:spPr>
+      </p:sp>
+      <p:sp>
+        <p:nvSpPr>
+          <p:cNvPr id="359" name="Shape 359"/>
+          <p:cNvSpPr txBox="1">
+            <a:spLocks noGrp="1"/>
+          </p:cNvSpPr>
+          <p:nvPr>
+            <p:ph type="body" idx="1"/>
+          </p:nvPr>
+        </p:nvSpPr>
+        <p:spPr>
+          <a:xfrm>
+            <a:off x="685800" y="4343400"/>
+            <a:ext cx="5486400" cy="4114800"/>
+          </a:xfrm>
+          <a:prstGeom prst="rect">
+            <a:avLst/>
+          </a:prstGeom>
+        </p:spPr>
+        <p:txBody>
+          <a:bodyPr spcFirstLastPara="1" wrap="square" lIns="91425" tIns="91425" rIns="91425" bIns="91425" anchor="t" anchorCtr="0">
+            <a:noAutofit/>
+          </a:bodyPr>
+          <a:lstStyle/>
+          <a:p>
+            <a:pPr marL="0" lvl="0" indent="0">
+              <a:spcBef>
+                <a:spcPts val="0"/>
+              </a:spcBef>
+              <a:spcAft>
+                <a:spcPts val="0"/>
+              </a:spcAft>
+              <a:buNone/>
+            </a:pPr>
+            <a:endParaRPr/>
+          </a:p>
+        </p:txBody>
+      </p:sp>
+    </p:spTree>
+    <p:extLst>
+      <p:ext uri="{BB962C8B-B14F-4D97-AF65-F5344CB8AC3E}">
+        <p14:creationId xmlns:p14="http://schemas.microsoft.com/office/powerpoint/2010/main" val="386311167"/>
+      </p:ext>
+    </p:extLst>
+  </p:cSld>
+  <p:clrMapOvr>
+    <a:masterClrMapping/>
+  </p:clrMapOvr>
+</p:notes>
+</file>
+
+<file path=ppt/notesSlides/notesSlide15.xml><?xml version="1.0" encoding="utf-8"?>
+<p:notes xmlns:a="http://schemas.openxmlformats.org/drawingml/2006/main" xmlns:r="http://schemas.openxmlformats.org/officeDocument/2006/relationships" xmlns:p="http://schemas.openxmlformats.org/presentationml/2006/main" showMasterSp="0" showMasterPhAnim="0">
+  <p:cSld>
+    <p:spTree>
+      <p:nvGrpSpPr>
+        <p:cNvPr id="1" name="Shape 357"/>
+        <p:cNvGrpSpPr/>
+        <p:nvPr/>
+      </p:nvGrpSpPr>
+      <p:grpSpPr>
+        <a:xfrm>
+          <a:off x="0" y="0"/>
+          <a:ext cx="0" cy="0"/>
+          <a:chOff x="0" y="0"/>
+          <a:chExt cx="0" cy="0"/>
+        </a:xfrm>
+      </p:grpSpPr>
+      <p:sp>
+        <p:nvSpPr>
+          <p:cNvPr id="358" name="Shape 358"/>
+          <p:cNvSpPr>
+            <a:spLocks noGrp="1" noRot="1" noChangeAspect="1"/>
+          </p:cNvSpPr>
+          <p:nvPr>
+            <p:ph type="sldImg" idx="2"/>
+          </p:nvPr>
+        </p:nvSpPr>
+        <p:spPr>
+          <a:xfrm>
+            <a:off x="381000" y="685800"/>
+            <a:ext cx="6096000" cy="3429000"/>
+          </a:xfrm>
+          <a:custGeom>
+            <a:avLst/>
+            <a:gdLst/>
+            <a:ahLst/>
+            <a:cxnLst/>
+            <a:rect l="0" t="0" r="0" b="0"/>
+            <a:pathLst>
+              <a:path w="120000" h="120000" extrusionOk="0">
+                <a:moveTo>
+                  <a:pt x="0" y="0"/>
+                </a:moveTo>
+                <a:lnTo>
+                  <a:pt x="120000" y="0"/>
+                </a:lnTo>
+                <a:lnTo>
+                  <a:pt x="120000" y="120000"/>
+                </a:lnTo>
+                <a:lnTo>
+                  <a:pt x="0" y="120000"/>
+                </a:lnTo>
+                <a:close/>
+              </a:path>
+            </a:pathLst>
+          </a:custGeom>
+        </p:spPr>
+      </p:sp>
+      <p:sp>
+        <p:nvSpPr>
+          <p:cNvPr id="359" name="Shape 359"/>
+          <p:cNvSpPr txBox="1">
+            <a:spLocks noGrp="1"/>
+          </p:cNvSpPr>
+          <p:nvPr>
+            <p:ph type="body" idx="1"/>
+          </p:nvPr>
+        </p:nvSpPr>
+        <p:spPr>
+          <a:xfrm>
+            <a:off x="685800" y="4343400"/>
+            <a:ext cx="5486400" cy="4114800"/>
+          </a:xfrm>
+          <a:prstGeom prst="rect">
+            <a:avLst/>
+          </a:prstGeom>
+        </p:spPr>
+        <p:txBody>
+          <a:bodyPr spcFirstLastPara="1" wrap="square" lIns="91425" tIns="91425" rIns="91425" bIns="91425" anchor="t" anchorCtr="0">
+            <a:noAutofit/>
+          </a:bodyPr>
+          <a:lstStyle/>
+          <a:p>
+            <a:pPr marL="0" lvl="0" indent="0">
+              <a:spcBef>
+                <a:spcPts val="0"/>
+              </a:spcBef>
+              <a:spcAft>
+                <a:spcPts val="0"/>
+              </a:spcAft>
+              <a:buNone/>
+            </a:pPr>
+            <a:endParaRPr/>
+          </a:p>
+        </p:txBody>
+      </p:sp>
+    </p:spTree>
+    <p:extLst>
+      <p:ext uri="{BB962C8B-B14F-4D97-AF65-F5344CB8AC3E}">
+        <p14:creationId xmlns:p14="http://schemas.microsoft.com/office/powerpoint/2010/main" val="661174252"/>
+      </p:ext>
+    </p:extLst>
+  </p:cSld>
+  <p:clrMapOvr>
+    <a:masterClrMapping/>
+  </p:clrMapOvr>
+</p:notes>
+</file>
+
+<file path=ppt/notesSlides/notesSlide16.xml><?xml version="1.0" encoding="utf-8"?>
+<p:notes xmlns:a="http://schemas.openxmlformats.org/drawingml/2006/main" xmlns:r="http://schemas.openxmlformats.org/officeDocument/2006/relationships" xmlns:p="http://schemas.openxmlformats.org/presentationml/2006/main" showMasterSp="0" showMasterPhAnim="0">
+  <p:cSld>
+    <p:spTree>
+      <p:nvGrpSpPr>
+        <p:cNvPr id="1" name="Shape 538"/>
+        <p:cNvGrpSpPr/>
+        <p:nvPr/>
+      </p:nvGrpSpPr>
+      <p:grpSpPr>
+        <a:xfrm>
+          <a:off x="0" y="0"/>
+          <a:ext cx="0" cy="0"/>
+          <a:chOff x="0" y="0"/>
+          <a:chExt cx="0" cy="0"/>
+        </a:xfrm>
+      </p:grpSpPr>
+      <p:sp>
+        <p:nvSpPr>
+          <p:cNvPr id="539" name="Shape 539"/>
+          <p:cNvSpPr>
+            <a:spLocks noGrp="1" noRot="1" noChangeAspect="1"/>
+          </p:cNvSpPr>
+          <p:nvPr>
+            <p:ph type="sldImg" idx="2"/>
+          </p:nvPr>
+        </p:nvSpPr>
+        <p:spPr>
+          <a:xfrm>
+            <a:off x="381000" y="685800"/>
+            <a:ext cx="6096000" cy="3429000"/>
+          </a:xfrm>
+          <a:custGeom>
+            <a:avLst/>
+            <a:gdLst/>
+            <a:ahLst/>
+            <a:cxnLst/>
+            <a:rect l="0" t="0" r="0" b="0"/>
+            <a:pathLst>
+              <a:path w="120000" h="120000" extrusionOk="0">
+                <a:moveTo>
+                  <a:pt x="0" y="0"/>
+                </a:moveTo>
+                <a:lnTo>
+                  <a:pt x="120000" y="0"/>
+                </a:lnTo>
+                <a:lnTo>
+                  <a:pt x="120000" y="120000"/>
+                </a:lnTo>
+                <a:lnTo>
+                  <a:pt x="0" y="120000"/>
+                </a:lnTo>
+                <a:close/>
+              </a:path>
+            </a:pathLst>
+          </a:custGeom>
+        </p:spPr>
+      </p:sp>
+      <p:sp>
+        <p:nvSpPr>
+          <p:cNvPr id="540" name="Shape 540"/>
+          <p:cNvSpPr txBox="1">
+            <a:spLocks noGrp="1"/>
+          </p:cNvSpPr>
+          <p:nvPr>
+            <p:ph type="body" idx="1"/>
+          </p:nvPr>
+        </p:nvSpPr>
+        <p:spPr>
+          <a:xfrm>
+            <a:off x="685800" y="4343400"/>
+            <a:ext cx="5486400" cy="4114800"/>
+          </a:xfrm>
+          <a:prstGeom prst="rect">
+            <a:avLst/>
+          </a:prstGeom>
+        </p:spPr>
+        <p:txBody>
+          <a:bodyPr spcFirstLastPara="1" wrap="square" lIns="91425" tIns="91425" rIns="91425" bIns="91425" anchor="t" anchorCtr="0">
+            <a:noAutofit/>
+          </a:bodyPr>
+          <a:lstStyle/>
+          <a:p>
+            <a:pPr marL="0" lvl="0" indent="0">
+              <a:spcBef>
+                <a:spcPts val="0"/>
+              </a:spcBef>
+              <a:spcAft>
+                <a:spcPts val="0"/>
+              </a:spcAft>
+              <a:buNone/>
+            </a:pPr>
+            <a:endParaRPr dirty="0"/>
+          </a:p>
+        </p:txBody>
+      </p:sp>
+    </p:spTree>
+    <p:extLst>
+      <p:ext uri="{BB962C8B-B14F-4D97-AF65-F5344CB8AC3E}">
+        <p14:creationId xmlns:p14="http://schemas.microsoft.com/office/powerpoint/2010/main" val="3719166107"/>
+      </p:ext>
+    </p:extLst>
+  </p:cSld>
+  <p:clrMapOvr>
+    <a:masterClrMapping/>
+  </p:clrMapOvr>
+</p:notes>
+</file>
+
 <file path=ppt/notesSlides/notesSlide2.xml><?xml version="1.0" encoding="utf-8"?>
 <p:notes xmlns:a="http://schemas.openxmlformats.org/drawingml/2006/main" xmlns:r="http://schemas.openxmlformats.org/officeDocument/2006/relationships" xmlns:p="http://schemas.openxmlformats.org/presentationml/2006/main" showMasterSp="0" showMasterPhAnim="0">
   <p:cSld>
@@ -1125,6 +1892,11 @@
         </p:txBody>
       </p:sp>
     </p:spTree>
+    <p:extLst>
+      <p:ext uri="{BB962C8B-B14F-4D97-AF65-F5344CB8AC3E}">
+        <p14:creationId xmlns:p14="http://schemas.microsoft.com/office/powerpoint/2010/main" val="616462856"/>
+      </p:ext>
+    </p:extLst>
   </p:cSld>
   <p:clrMapOvr>
     <a:masterClrMapping/>
@@ -1137,7 +1909,7 @@
   <p:cSld>
     <p:spTree>
       <p:nvGrpSpPr>
-        <p:cNvPr id="1" name="Shape 528"/>
+        <p:cNvPr id="1" name="Shape 357"/>
         <p:cNvGrpSpPr/>
         <p:nvPr/>
       </p:nvGrpSpPr>
@@ -1151,7 +1923,7 @@
       </p:grpSpPr>
       <p:sp>
         <p:nvSpPr>
-          <p:cNvPr id="529" name="Shape 529"/>
+          <p:cNvPr id="358" name="Shape 358"/>
           <p:cNvSpPr>
             <a:spLocks noGrp="1" noRot="1" noChangeAspect="1"/>
           </p:cNvSpPr>
@@ -1192,7 +1964,7 @@
       </p:sp>
       <p:sp>
         <p:nvSpPr>
-          <p:cNvPr id="530" name="Shape 530"/>
+          <p:cNvPr id="359" name="Shape 359"/>
           <p:cNvSpPr txBox="1">
             <a:spLocks noGrp="1"/>
           </p:cNvSpPr>
@@ -1215,7 +1987,7 @@
           </a:bodyPr>
           <a:lstStyle/>
           <a:p>
-            <a:pPr marL="0" lvl="0" indent="0" rtl="0">
+            <a:pPr marL="0" lvl="0" indent="0">
               <a:spcBef>
                 <a:spcPts val="0"/>
               </a:spcBef>
@@ -1231,7 +2003,7 @@
     </p:spTree>
     <p:extLst>
       <p:ext uri="{BB962C8B-B14F-4D97-AF65-F5344CB8AC3E}">
-        <p14:creationId xmlns:p14="http://schemas.microsoft.com/office/powerpoint/2010/main" val="4276595902"/>
+        <p14:creationId xmlns:p14="http://schemas.microsoft.com/office/powerpoint/2010/main" val="2976422180"/>
       </p:ext>
     </p:extLst>
   </p:cSld>
@@ -1340,7 +2112,7 @@
     </p:spTree>
     <p:extLst>
       <p:ext uri="{BB962C8B-B14F-4D97-AF65-F5344CB8AC3E}">
-        <p14:creationId xmlns:p14="http://schemas.microsoft.com/office/powerpoint/2010/main" val="3571441674"/>
+        <p14:creationId xmlns:p14="http://schemas.microsoft.com/office/powerpoint/2010/main" val="610142316"/>
       </p:ext>
     </p:extLst>
   </p:cSld>
@@ -1449,7 +2221,7 @@
     </p:spTree>
     <p:extLst>
       <p:ext uri="{BB962C8B-B14F-4D97-AF65-F5344CB8AC3E}">
-        <p14:creationId xmlns:p14="http://schemas.microsoft.com/office/powerpoint/2010/main" val="386311167"/>
+        <p14:creationId xmlns:p14="http://schemas.microsoft.com/office/powerpoint/2010/main" val="3647485049"/>
       </p:ext>
     </p:extLst>
   </p:cSld>
@@ -1558,7 +2330,7 @@
     </p:spTree>
     <p:extLst>
       <p:ext uri="{BB962C8B-B14F-4D97-AF65-F5344CB8AC3E}">
-        <p14:creationId xmlns:p14="http://schemas.microsoft.com/office/powerpoint/2010/main" val="661174252"/>
+        <p14:creationId xmlns:p14="http://schemas.microsoft.com/office/powerpoint/2010/main" val="3300594414"/>
       </p:ext>
     </p:extLst>
   </p:cSld>
@@ -1573,7 +2345,7 @@
   <p:cSld>
     <p:spTree>
       <p:nvGrpSpPr>
-        <p:cNvPr id="1" name="Shape 538"/>
+        <p:cNvPr id="1" name="Shape 345"/>
         <p:cNvGrpSpPr/>
         <p:nvPr/>
       </p:nvGrpSpPr>
@@ -1587,7 +2359,7 @@
       </p:grpSpPr>
       <p:sp>
         <p:nvSpPr>
-          <p:cNvPr id="539" name="Shape 539"/>
+          <p:cNvPr id="346" name="Shape 346"/>
           <p:cNvSpPr>
             <a:spLocks noGrp="1" noRot="1" noChangeAspect="1"/>
           </p:cNvSpPr>
@@ -1628,7 +2400,7 @@
       </p:sp>
       <p:sp>
         <p:nvSpPr>
-          <p:cNvPr id="540" name="Shape 540"/>
+          <p:cNvPr id="347" name="Shape 347"/>
           <p:cNvSpPr txBox="1">
             <a:spLocks noGrp="1"/>
           </p:cNvSpPr>
@@ -1660,14 +2432,14 @@
               </a:spcAft>
               <a:buNone/>
             </a:pPr>
-            <a:endParaRPr dirty="0"/>
+            <a:endParaRPr/>
           </a:p>
         </p:txBody>
       </p:sp>
     </p:spTree>
     <p:extLst>
       <p:ext uri="{BB962C8B-B14F-4D97-AF65-F5344CB8AC3E}">
-        <p14:creationId xmlns:p14="http://schemas.microsoft.com/office/powerpoint/2010/main" val="3719166107"/>
+        <p14:creationId xmlns:p14="http://schemas.microsoft.com/office/powerpoint/2010/main" val="3171462471"/>
       </p:ext>
     </p:extLst>
   </p:cSld>
@@ -28163,6 +28935,3506 @@
 </p:sld>
 </file>
 
+<file path=ppt/slides/slide10.xml><?xml version="1.0" encoding="utf-8"?>
+<p:sld xmlns:a="http://schemas.openxmlformats.org/drawingml/2006/main" xmlns:r="http://schemas.openxmlformats.org/officeDocument/2006/relationships" xmlns:p="http://schemas.openxmlformats.org/presentationml/2006/main">
+  <p:cSld>
+    <p:spTree>
+      <p:nvGrpSpPr>
+        <p:cNvPr id="1" name="Shape 360"/>
+        <p:cNvGrpSpPr/>
+        <p:nvPr/>
+      </p:nvGrpSpPr>
+      <p:grpSpPr>
+        <a:xfrm>
+          <a:off x="0" y="0"/>
+          <a:ext cx="0" cy="0"/>
+          <a:chOff x="0" y="0"/>
+          <a:chExt cx="0" cy="0"/>
+        </a:xfrm>
+      </p:grpSpPr>
+      <p:sp>
+        <p:nvSpPr>
+          <p:cNvPr id="361" name="Shape 361"/>
+          <p:cNvSpPr txBox="1">
+            <a:spLocks noGrp="1"/>
+          </p:cNvSpPr>
+          <p:nvPr>
+            <p:ph type="title"/>
+          </p:nvPr>
+        </p:nvSpPr>
+        <p:spPr>
+          <a:xfrm>
+            <a:off x="1732700" y="1735600"/>
+            <a:ext cx="4944300" cy="645300"/>
+          </a:xfrm>
+          <a:prstGeom prst="rect">
+            <a:avLst/>
+          </a:prstGeom>
+        </p:spPr>
+        <p:txBody>
+          <a:bodyPr spcFirstLastPara="1" wrap="square" lIns="91425" tIns="91425" rIns="91425" bIns="91425" anchor="b" anchorCtr="0">
+            <a:noAutofit/>
+          </a:bodyPr>
+          <a:lstStyle/>
+          <a:p>
+            <a:pPr marL="0" lvl="0" indent="0">
+              <a:spcBef>
+                <a:spcPts val="0"/>
+              </a:spcBef>
+              <a:spcAft>
+                <a:spcPts val="0"/>
+              </a:spcAft>
+              <a:buNone/>
+            </a:pPr>
+            <a:r>
+              <a:rPr lang="en-US" dirty="0" err="1"/>
+              <a:t>Datastructuur</a:t>
+            </a:r>
+            <a:endParaRPr dirty="0"/>
+          </a:p>
+        </p:txBody>
+      </p:sp>
+      <p:sp>
+        <p:nvSpPr>
+          <p:cNvPr id="362" name="Shape 362"/>
+          <p:cNvSpPr txBox="1">
+            <a:spLocks noGrp="1"/>
+          </p:cNvSpPr>
+          <p:nvPr>
+            <p:ph type="body" idx="1"/>
+          </p:nvPr>
+        </p:nvSpPr>
+        <p:spPr>
+          <a:xfrm>
+            <a:off x="1732700" y="2255125"/>
+            <a:ext cx="4944300" cy="1659900"/>
+          </a:xfrm>
+          <a:prstGeom prst="rect">
+            <a:avLst/>
+          </a:prstGeom>
+        </p:spPr>
+        <p:txBody>
+          <a:bodyPr spcFirstLastPara="1" wrap="square" lIns="91425" tIns="91425" rIns="91425" bIns="91425" anchor="t" anchorCtr="0">
+            <a:noAutofit/>
+          </a:bodyPr>
+          <a:lstStyle/>
+          <a:p>
+            <a:pPr marL="457200" lvl="0" indent="-317500" rtl="0">
+              <a:spcBef>
+                <a:spcPts val="600"/>
+              </a:spcBef>
+              <a:spcAft>
+                <a:spcPts val="0"/>
+              </a:spcAft>
+              <a:buSzPts val="1400"/>
+              <a:buChar char="◇"/>
+            </a:pPr>
+            <a:r>
+              <a:rPr lang="en-US" dirty="0"/>
+              <a:t>Server.js</a:t>
+            </a:r>
+            <a:endParaRPr dirty="0"/>
+          </a:p>
+          <a:p>
+            <a:pPr marL="457200" lvl="0" indent="-317500" rtl="0">
+              <a:spcBef>
+                <a:spcPts val="0"/>
+              </a:spcBef>
+              <a:spcAft>
+                <a:spcPts val="0"/>
+              </a:spcAft>
+              <a:buSzPts val="1400"/>
+              <a:buChar char="◇"/>
+            </a:pPr>
+            <a:r>
+              <a:rPr lang="en-US" dirty="0"/>
+              <a:t>Routes</a:t>
+            </a:r>
+            <a:endParaRPr dirty="0"/>
+          </a:p>
+          <a:p>
+            <a:pPr marL="457200" lvl="0" indent="-317500" rtl="0">
+              <a:spcBef>
+                <a:spcPts val="0"/>
+              </a:spcBef>
+              <a:spcAft>
+                <a:spcPts val="0"/>
+              </a:spcAft>
+              <a:buSzPts val="1400"/>
+              <a:buChar char="◇"/>
+            </a:pPr>
+            <a:r>
+              <a:rPr lang="en-US" dirty="0"/>
+              <a:t>Actions</a:t>
+            </a:r>
+          </a:p>
+          <a:p>
+            <a:pPr marL="457200" lvl="0" indent="-317500" rtl="0">
+              <a:spcBef>
+                <a:spcPts val="0"/>
+              </a:spcBef>
+              <a:spcAft>
+                <a:spcPts val="0"/>
+              </a:spcAft>
+              <a:buSzPts val="1400"/>
+              <a:buChar char="◇"/>
+            </a:pPr>
+            <a:r>
+              <a:rPr lang="en-US" dirty="0"/>
+              <a:t>Flows</a:t>
+            </a:r>
+          </a:p>
+          <a:p>
+            <a:pPr marL="139700" lvl="0" indent="0" rtl="0">
+              <a:spcBef>
+                <a:spcPts val="0"/>
+              </a:spcBef>
+              <a:spcAft>
+                <a:spcPts val="0"/>
+              </a:spcAft>
+              <a:buSzPts val="1400"/>
+              <a:buNone/>
+            </a:pPr>
+            <a:endParaRPr dirty="0"/>
+          </a:p>
+          <a:p>
+            <a:pPr marL="0" lvl="0" indent="0" rtl="0">
+              <a:spcBef>
+                <a:spcPts val="600"/>
+              </a:spcBef>
+              <a:spcAft>
+                <a:spcPts val="0"/>
+              </a:spcAft>
+              <a:buNone/>
+            </a:pPr>
+            <a:endParaRPr dirty="0"/>
+          </a:p>
+        </p:txBody>
+      </p:sp>
+      <p:pic>
+        <p:nvPicPr>
+          <p:cNvPr id="3" name="Afbeelding 2">
+            <a:extLst>
+              <a:ext uri="{FF2B5EF4-FFF2-40B4-BE49-F238E27FC236}">
+                <a16:creationId xmlns:a16="http://schemas.microsoft.com/office/drawing/2014/main" id="{7C8F67CB-EA45-445B-8655-A14725F175EB}"/>
+              </a:ext>
+            </a:extLst>
+          </p:cNvPr>
+          <p:cNvPicPr>
+            <a:picLocks noChangeAspect="1"/>
+          </p:cNvPicPr>
+          <p:nvPr/>
+        </p:nvPicPr>
+        <p:blipFill>
+          <a:blip r:embed="rId3"/>
+          <a:stretch>
+            <a:fillRect/>
+          </a:stretch>
+        </p:blipFill>
+        <p:spPr>
+          <a:xfrm>
+            <a:off x="3417122" y="2495761"/>
+            <a:ext cx="3259878" cy="2087709"/>
+          </a:xfrm>
+          <a:prstGeom prst="rect">
+            <a:avLst/>
+          </a:prstGeom>
+        </p:spPr>
+      </p:pic>
+    </p:spTree>
+    <p:extLst>
+      <p:ext uri="{BB962C8B-B14F-4D97-AF65-F5344CB8AC3E}">
+        <p14:creationId xmlns:p14="http://schemas.microsoft.com/office/powerpoint/2010/main" val="162500197"/>
+      </p:ext>
+    </p:extLst>
+  </p:cSld>
+  <p:clrMapOvr>
+    <a:masterClrMapping/>
+  </p:clrMapOvr>
+</p:sld>
+</file>
+
+<file path=ppt/slides/slide11.xml><?xml version="1.0" encoding="utf-8"?>
+<p:sld xmlns:a="http://schemas.openxmlformats.org/drawingml/2006/main" xmlns:r="http://schemas.openxmlformats.org/officeDocument/2006/relationships" xmlns:p="http://schemas.openxmlformats.org/presentationml/2006/main">
+  <p:cSld>
+    <p:spTree>
+      <p:nvGrpSpPr>
+        <p:cNvPr id="1" name=""/>
+        <p:cNvGrpSpPr/>
+        <p:nvPr/>
+      </p:nvGrpSpPr>
+      <p:grpSpPr>
+        <a:xfrm>
+          <a:off x="0" y="0"/>
+          <a:ext cx="0" cy="0"/>
+          <a:chOff x="0" y="0"/>
+          <a:chExt cx="0" cy="0"/>
+        </a:xfrm>
+      </p:grpSpPr>
+      <p:sp>
+        <p:nvSpPr>
+          <p:cNvPr id="2" name="Titel 1">
+            <a:extLst>
+              <a:ext uri="{FF2B5EF4-FFF2-40B4-BE49-F238E27FC236}">
+                <a16:creationId xmlns:a16="http://schemas.microsoft.com/office/drawing/2014/main" id="{1D557FF9-307E-4754-903C-39574B409BC2}"/>
+              </a:ext>
+            </a:extLst>
+          </p:cNvPr>
+          <p:cNvSpPr>
+            <a:spLocks noGrp="1"/>
+          </p:cNvSpPr>
+          <p:nvPr>
+            <p:ph type="title"/>
+          </p:nvPr>
+        </p:nvSpPr>
+        <p:spPr/>
+        <p:txBody>
+          <a:bodyPr/>
+          <a:lstStyle/>
+          <a:p>
+            <a:r>
+              <a:rPr lang="en-US" dirty="0"/>
+              <a:t>Actions</a:t>
+            </a:r>
+            <a:endParaRPr lang="LID4096" dirty="0"/>
+          </a:p>
+        </p:txBody>
+      </p:sp>
+      <p:sp>
+        <p:nvSpPr>
+          <p:cNvPr id="3" name="Tijdelijke aanduiding voor tekst 2">
+            <a:extLst>
+              <a:ext uri="{FF2B5EF4-FFF2-40B4-BE49-F238E27FC236}">
+                <a16:creationId xmlns:a16="http://schemas.microsoft.com/office/drawing/2014/main" id="{6A76BFD1-DCEB-4353-B85B-CEA5815ABE29}"/>
+              </a:ext>
+            </a:extLst>
+          </p:cNvPr>
+          <p:cNvSpPr>
+            <a:spLocks noGrp="1"/>
+          </p:cNvSpPr>
+          <p:nvPr>
+            <p:ph type="body" idx="1"/>
+          </p:nvPr>
+        </p:nvSpPr>
+        <p:spPr>
+          <a:xfrm>
+            <a:off x="1732700" y="2255124"/>
+            <a:ext cx="4944300" cy="1936431"/>
+          </a:xfrm>
+        </p:spPr>
+        <p:txBody>
+          <a:bodyPr/>
+          <a:lstStyle/>
+          <a:p>
+            <a:r>
+              <a:rPr lang="en-US" dirty="0"/>
+              <a:t>Payment token</a:t>
+            </a:r>
+          </a:p>
+          <a:p>
+            <a:r>
+              <a:rPr lang="en-US" dirty="0"/>
+              <a:t>Payment link</a:t>
+            </a:r>
+          </a:p>
+          <a:p>
+            <a:r>
+              <a:rPr lang="en-US" dirty="0" err="1"/>
+              <a:t>Domein</a:t>
+            </a:r>
+            <a:r>
+              <a:rPr lang="en-US" dirty="0"/>
+              <a:t> request</a:t>
+            </a:r>
+          </a:p>
+          <a:p>
+            <a:r>
+              <a:rPr lang="en-US" dirty="0" err="1"/>
+              <a:t>Nummervalidatie</a:t>
+            </a:r>
+            <a:endParaRPr lang="en-US" dirty="0"/>
+          </a:p>
+          <a:p>
+            <a:r>
+              <a:rPr lang="en-US" dirty="0" err="1"/>
+              <a:t>Sms</a:t>
+            </a:r>
+            <a:r>
+              <a:rPr lang="en-US" dirty="0"/>
+              <a:t> </a:t>
+            </a:r>
+            <a:r>
+              <a:rPr lang="en-US" dirty="0" err="1"/>
+              <a:t>versturen</a:t>
+            </a:r>
+            <a:endParaRPr lang="en-US" dirty="0"/>
+          </a:p>
+          <a:p>
+            <a:r>
+              <a:rPr lang="en-US" dirty="0"/>
+              <a:t>Voice </a:t>
+            </a:r>
+            <a:r>
+              <a:rPr lang="en-US" dirty="0" err="1"/>
+              <a:t>bericht</a:t>
+            </a:r>
+            <a:r>
+              <a:rPr lang="en-US" dirty="0"/>
+              <a:t> </a:t>
+            </a:r>
+            <a:r>
+              <a:rPr lang="en-US" dirty="0" err="1"/>
+              <a:t>versturen</a:t>
+            </a:r>
+            <a:endParaRPr lang="LID4096" dirty="0"/>
+          </a:p>
+        </p:txBody>
+      </p:sp>
+      <p:pic>
+        <p:nvPicPr>
+          <p:cNvPr id="4" name="Afbeelding 3">
+            <a:extLst>
+              <a:ext uri="{FF2B5EF4-FFF2-40B4-BE49-F238E27FC236}">
+                <a16:creationId xmlns:a16="http://schemas.microsoft.com/office/drawing/2014/main" id="{3E1938D2-0168-4B60-AD06-8D74164FE9A2}"/>
+              </a:ext>
+            </a:extLst>
+          </p:cNvPr>
+          <p:cNvPicPr>
+            <a:picLocks noChangeAspect="1"/>
+          </p:cNvPicPr>
+          <p:nvPr/>
+        </p:nvPicPr>
+        <p:blipFill>
+          <a:blip r:embed="rId2"/>
+          <a:stretch>
+            <a:fillRect/>
+          </a:stretch>
+        </p:blipFill>
+        <p:spPr>
+          <a:xfrm>
+            <a:off x="5099838" y="595187"/>
+            <a:ext cx="2895600" cy="1400175"/>
+          </a:xfrm>
+          <a:prstGeom prst="rect">
+            <a:avLst/>
+          </a:prstGeom>
+        </p:spPr>
+      </p:pic>
+    </p:spTree>
+    <p:extLst>
+      <p:ext uri="{BB962C8B-B14F-4D97-AF65-F5344CB8AC3E}">
+        <p14:creationId xmlns:p14="http://schemas.microsoft.com/office/powerpoint/2010/main" val="3578111047"/>
+      </p:ext>
+    </p:extLst>
+  </p:cSld>
+  <p:clrMapOvr>
+    <a:masterClrMapping/>
+  </p:clrMapOvr>
+</p:sld>
+</file>
+
+<file path=ppt/slides/slide12.xml><?xml version="1.0" encoding="utf-8"?>
+<p:sld xmlns:a="http://schemas.openxmlformats.org/drawingml/2006/main" xmlns:r="http://schemas.openxmlformats.org/officeDocument/2006/relationships" xmlns:p="http://schemas.openxmlformats.org/presentationml/2006/main">
+  <p:cSld>
+    <p:spTree>
+      <p:nvGrpSpPr>
+        <p:cNvPr id="1" name=""/>
+        <p:cNvGrpSpPr/>
+        <p:nvPr/>
+      </p:nvGrpSpPr>
+      <p:grpSpPr>
+        <a:xfrm>
+          <a:off x="0" y="0"/>
+          <a:ext cx="0" cy="0"/>
+          <a:chOff x="0" y="0"/>
+          <a:chExt cx="0" cy="0"/>
+        </a:xfrm>
+      </p:grpSpPr>
+      <p:sp>
+        <p:nvSpPr>
+          <p:cNvPr id="2" name="Titel 1">
+            <a:extLst>
+              <a:ext uri="{FF2B5EF4-FFF2-40B4-BE49-F238E27FC236}">
+                <a16:creationId xmlns:a16="http://schemas.microsoft.com/office/drawing/2014/main" id="{E8D34671-FDD8-4A5B-B703-88F156B0A7FC}"/>
+              </a:ext>
+            </a:extLst>
+          </p:cNvPr>
+          <p:cNvSpPr>
+            <a:spLocks noGrp="1"/>
+          </p:cNvSpPr>
+          <p:nvPr>
+            <p:ph type="title"/>
+          </p:nvPr>
+        </p:nvSpPr>
+        <p:spPr/>
+        <p:txBody>
+          <a:bodyPr/>
+          <a:lstStyle/>
+          <a:p>
+            <a:r>
+              <a:rPr lang="en-US" dirty="0"/>
+              <a:t>Flows</a:t>
+            </a:r>
+            <a:endParaRPr lang="LID4096" dirty="0"/>
+          </a:p>
+        </p:txBody>
+      </p:sp>
+      <p:sp>
+        <p:nvSpPr>
+          <p:cNvPr id="3" name="Tijdelijke aanduiding voor tekst 2">
+            <a:extLst>
+              <a:ext uri="{FF2B5EF4-FFF2-40B4-BE49-F238E27FC236}">
+                <a16:creationId xmlns:a16="http://schemas.microsoft.com/office/drawing/2014/main" id="{E9533E72-D3C9-4339-B837-94494DFDF1E4}"/>
+              </a:ext>
+            </a:extLst>
+          </p:cNvPr>
+          <p:cNvSpPr>
+            <a:spLocks noGrp="1"/>
+          </p:cNvSpPr>
+          <p:nvPr>
+            <p:ph type="body" idx="1"/>
+          </p:nvPr>
+        </p:nvSpPr>
+        <p:spPr/>
+        <p:txBody>
+          <a:bodyPr/>
+          <a:lstStyle/>
+          <a:p>
+            <a:r>
+              <a:rPr lang="en-US" dirty="0"/>
+              <a:t>Domain Checker</a:t>
+            </a:r>
+          </a:p>
+          <a:p>
+            <a:r>
+              <a:rPr lang="en-US" dirty="0"/>
+              <a:t>Payment</a:t>
+            </a:r>
+          </a:p>
+          <a:p>
+            <a:r>
+              <a:rPr lang="en-US" dirty="0" err="1"/>
+              <a:t>Sms</a:t>
+            </a:r>
+            <a:endParaRPr lang="en-US" dirty="0"/>
+          </a:p>
+          <a:p>
+            <a:r>
+              <a:rPr lang="en-US" dirty="0"/>
+              <a:t>Voice</a:t>
+            </a:r>
+            <a:endParaRPr lang="LID4096" dirty="0"/>
+          </a:p>
+        </p:txBody>
+      </p:sp>
+      <p:pic>
+        <p:nvPicPr>
+          <p:cNvPr id="4" name="Afbeelding 3">
+            <a:extLst>
+              <a:ext uri="{FF2B5EF4-FFF2-40B4-BE49-F238E27FC236}">
+                <a16:creationId xmlns:a16="http://schemas.microsoft.com/office/drawing/2014/main" id="{2BCF5DBD-DA5E-48DC-BF97-534ACA273702}"/>
+              </a:ext>
+            </a:extLst>
+          </p:cNvPr>
+          <p:cNvPicPr>
+            <a:picLocks noChangeAspect="1"/>
+          </p:cNvPicPr>
+          <p:nvPr/>
+        </p:nvPicPr>
+        <p:blipFill>
+          <a:blip r:embed="rId2"/>
+          <a:stretch>
+            <a:fillRect/>
+          </a:stretch>
+        </p:blipFill>
+        <p:spPr>
+          <a:xfrm>
+            <a:off x="5143475" y="735475"/>
+            <a:ext cx="3067050" cy="1000125"/>
+          </a:xfrm>
+          <a:prstGeom prst="rect">
+            <a:avLst/>
+          </a:prstGeom>
+        </p:spPr>
+      </p:pic>
+    </p:spTree>
+    <p:extLst>
+      <p:ext uri="{BB962C8B-B14F-4D97-AF65-F5344CB8AC3E}">
+        <p14:creationId xmlns:p14="http://schemas.microsoft.com/office/powerpoint/2010/main" val="623820669"/>
+      </p:ext>
+    </p:extLst>
+  </p:cSld>
+  <p:clrMapOvr>
+    <a:masterClrMapping/>
+  </p:clrMapOvr>
+</p:sld>
+</file>
+
+<file path=ppt/slides/slide13.xml><?xml version="1.0" encoding="utf-8"?>
+<p:sld xmlns:a="http://schemas.openxmlformats.org/drawingml/2006/main" xmlns:r="http://schemas.openxmlformats.org/officeDocument/2006/relationships" xmlns:p="http://schemas.openxmlformats.org/presentationml/2006/main">
+  <p:cSld>
+    <p:spTree>
+      <p:nvGrpSpPr>
+        <p:cNvPr id="1" name="Shape 348"/>
+        <p:cNvGrpSpPr/>
+        <p:nvPr/>
+      </p:nvGrpSpPr>
+      <p:grpSpPr>
+        <a:xfrm>
+          <a:off x="0" y="0"/>
+          <a:ext cx="0" cy="0"/>
+          <a:chOff x="0" y="0"/>
+          <a:chExt cx="0" cy="0"/>
+        </a:xfrm>
+      </p:grpSpPr>
+      <p:sp>
+        <p:nvSpPr>
+          <p:cNvPr id="349" name="Shape 349"/>
+          <p:cNvSpPr txBox="1">
+            <a:spLocks noGrp="1"/>
+          </p:cNvSpPr>
+          <p:nvPr>
+            <p:ph type="ctrTitle"/>
+          </p:nvPr>
+        </p:nvSpPr>
+        <p:spPr>
+          <a:xfrm>
+            <a:off x="2743200" y="1735750"/>
+            <a:ext cx="5638800" cy="1159800"/>
+          </a:xfrm>
+          <a:prstGeom prst="rect">
+            <a:avLst/>
+          </a:prstGeom>
+        </p:spPr>
+        <p:txBody>
+          <a:bodyPr spcFirstLastPara="1" wrap="square" lIns="91425" tIns="91425" rIns="91425" bIns="91425" anchor="b" anchorCtr="0">
+            <a:noAutofit/>
+          </a:bodyPr>
+          <a:lstStyle/>
+          <a:p>
+            <a:pPr marL="0" lvl="0" indent="0" rtl="0">
+              <a:spcBef>
+                <a:spcPts val="0"/>
+              </a:spcBef>
+              <a:spcAft>
+                <a:spcPts val="0"/>
+              </a:spcAft>
+              <a:buNone/>
+            </a:pPr>
+            <a:r>
+              <a:rPr lang="nl-NL" dirty="0"/>
+              <a:t>Node-Red</a:t>
+            </a:r>
+            <a:endParaRPr dirty="0"/>
+          </a:p>
+        </p:txBody>
+      </p:sp>
+      <p:sp>
+        <p:nvSpPr>
+          <p:cNvPr id="350" name="Shape 350"/>
+          <p:cNvSpPr txBox="1">
+            <a:spLocks noGrp="1"/>
+          </p:cNvSpPr>
+          <p:nvPr>
+            <p:ph type="subTitle" idx="1"/>
+          </p:nvPr>
+        </p:nvSpPr>
+        <p:spPr>
+          <a:xfrm>
+            <a:off x="2743200" y="2821004"/>
+            <a:ext cx="5696100" cy="784800"/>
+          </a:xfrm>
+          <a:prstGeom prst="rect">
+            <a:avLst/>
+          </a:prstGeom>
+        </p:spPr>
+        <p:txBody>
+          <a:bodyPr spcFirstLastPara="1" wrap="square" lIns="91425" tIns="91425" rIns="91425" bIns="91425" anchor="t" anchorCtr="0">
+            <a:noAutofit/>
+          </a:bodyPr>
+          <a:lstStyle/>
+          <a:p>
+            <a:pPr marL="0" lvl="0" indent="0" rtl="0">
+              <a:spcBef>
+                <a:spcPts val="0"/>
+              </a:spcBef>
+              <a:spcAft>
+                <a:spcPts val="0"/>
+              </a:spcAft>
+              <a:buNone/>
+            </a:pPr>
+            <a:r>
+              <a:rPr lang="nl-NL" dirty="0" err="1"/>
+              <a:t>Proof</a:t>
+            </a:r>
+            <a:r>
+              <a:rPr lang="nl-NL" dirty="0"/>
+              <a:t> of concept bieden voor </a:t>
+            </a:r>
+            <a:r>
+              <a:rPr lang="nl-NL" dirty="0" err="1"/>
+              <a:t>CMStudio</a:t>
+            </a:r>
+            <a:endParaRPr dirty="0"/>
+          </a:p>
+        </p:txBody>
+      </p:sp>
+      <p:sp>
+        <p:nvSpPr>
+          <p:cNvPr id="351" name="Shape 351"/>
+          <p:cNvSpPr txBox="1"/>
+          <p:nvPr/>
+        </p:nvSpPr>
+        <p:spPr>
+          <a:xfrm>
+            <a:off x="409575" y="1676400"/>
+            <a:ext cx="2067000" cy="1771800"/>
+          </a:xfrm>
+          <a:prstGeom prst="rect">
+            <a:avLst/>
+          </a:prstGeom>
+          <a:noFill/>
+          <a:ln>
+            <a:noFill/>
+          </a:ln>
+        </p:spPr>
+        <p:txBody>
+          <a:bodyPr spcFirstLastPara="1" wrap="square" lIns="91425" tIns="91425" rIns="91425" bIns="91425" anchor="ctr" anchorCtr="0">
+            <a:noAutofit/>
+          </a:bodyPr>
+          <a:lstStyle/>
+          <a:p>
+            <a:pPr marL="0" lvl="0" indent="0" algn="ctr">
+              <a:spcBef>
+                <a:spcPts val="0"/>
+              </a:spcBef>
+              <a:spcAft>
+                <a:spcPts val="0"/>
+              </a:spcAft>
+              <a:buNone/>
+            </a:pPr>
+            <a:r>
+              <a:rPr lang="en" sz="4800" b="1" dirty="0">
+                <a:solidFill>
+                  <a:srgbClr val="FFFFFF"/>
+                </a:solidFill>
+                <a:latin typeface="Nixie One"/>
+                <a:sym typeface="Nixie One"/>
+              </a:rPr>
+              <a:t>3</a:t>
+            </a:r>
+            <a:endParaRPr b="1" dirty="0">
+              <a:solidFill>
+                <a:srgbClr val="FFFFFF"/>
+              </a:solidFill>
+            </a:endParaRPr>
+          </a:p>
+        </p:txBody>
+      </p:sp>
+    </p:spTree>
+  </p:cSld>
+  <p:clrMapOvr>
+    <a:masterClrMapping/>
+  </p:clrMapOvr>
+</p:sld>
+</file>
+
+<file path=ppt/slides/slide14.xml><?xml version="1.0" encoding="utf-8"?>
+<p:sld xmlns:a="http://schemas.openxmlformats.org/drawingml/2006/main" xmlns:r="http://schemas.openxmlformats.org/officeDocument/2006/relationships" xmlns:p="http://schemas.openxmlformats.org/presentationml/2006/main">
+  <p:cSld>
+    <p:spTree>
+      <p:nvGrpSpPr>
+        <p:cNvPr id="1" name="Shape 531"/>
+        <p:cNvGrpSpPr/>
+        <p:nvPr/>
+      </p:nvGrpSpPr>
+      <p:grpSpPr>
+        <a:xfrm>
+          <a:off x="0" y="0"/>
+          <a:ext cx="0" cy="0"/>
+          <a:chOff x="0" y="0"/>
+          <a:chExt cx="0" cy="0"/>
+        </a:xfrm>
+      </p:grpSpPr>
+      <p:sp>
+        <p:nvSpPr>
+          <p:cNvPr id="532" name="Shape 532"/>
+          <p:cNvSpPr/>
+          <p:nvPr/>
+        </p:nvSpPr>
+        <p:spPr>
+          <a:xfrm>
+            <a:off x="3619500" y="358925"/>
+            <a:ext cx="4927316" cy="3835972"/>
+          </a:xfrm>
+          <a:custGeom>
+            <a:avLst/>
+            <a:gdLst/>
+            <a:ahLst/>
+            <a:cxnLst/>
+            <a:rect l="0" t="0" r="0" b="0"/>
+            <a:pathLst>
+              <a:path w="143434" h="111665" extrusionOk="0">
+                <a:moveTo>
+                  <a:pt x="71751" y="2308"/>
+                </a:moveTo>
+                <a:lnTo>
+                  <a:pt x="71887" y="2376"/>
+                </a:lnTo>
+                <a:lnTo>
+                  <a:pt x="72091" y="2444"/>
+                </a:lnTo>
+                <a:lnTo>
+                  <a:pt x="72159" y="2647"/>
+                </a:lnTo>
+                <a:lnTo>
+                  <a:pt x="72226" y="2783"/>
+                </a:lnTo>
+                <a:lnTo>
+                  <a:pt x="72159" y="2987"/>
+                </a:lnTo>
+                <a:lnTo>
+                  <a:pt x="72091" y="3190"/>
+                </a:lnTo>
+                <a:lnTo>
+                  <a:pt x="71887" y="3258"/>
+                </a:lnTo>
+                <a:lnTo>
+                  <a:pt x="71751" y="3326"/>
+                </a:lnTo>
+                <a:lnTo>
+                  <a:pt x="71548" y="3258"/>
+                </a:lnTo>
+                <a:lnTo>
+                  <a:pt x="71344" y="3190"/>
+                </a:lnTo>
+                <a:lnTo>
+                  <a:pt x="71276" y="2987"/>
+                </a:lnTo>
+                <a:lnTo>
+                  <a:pt x="71208" y="2783"/>
+                </a:lnTo>
+                <a:lnTo>
+                  <a:pt x="71276" y="2647"/>
+                </a:lnTo>
+                <a:lnTo>
+                  <a:pt x="71344" y="2444"/>
+                </a:lnTo>
+                <a:lnTo>
+                  <a:pt x="71548" y="2376"/>
+                </a:lnTo>
+                <a:lnTo>
+                  <a:pt x="71751" y="2308"/>
+                </a:lnTo>
+                <a:close/>
+                <a:moveTo>
+                  <a:pt x="137528" y="5906"/>
+                </a:moveTo>
+                <a:lnTo>
+                  <a:pt x="137596" y="5974"/>
+                </a:lnTo>
+                <a:lnTo>
+                  <a:pt x="137596" y="89604"/>
+                </a:lnTo>
+                <a:lnTo>
+                  <a:pt x="5906" y="89604"/>
+                </a:lnTo>
+                <a:lnTo>
+                  <a:pt x="5906" y="5974"/>
+                </a:lnTo>
+                <a:lnTo>
+                  <a:pt x="5906" y="5906"/>
+                </a:lnTo>
+                <a:close/>
+                <a:moveTo>
+                  <a:pt x="3530" y="0"/>
+                </a:moveTo>
+                <a:lnTo>
+                  <a:pt x="3191" y="68"/>
+                </a:lnTo>
+                <a:lnTo>
+                  <a:pt x="2444" y="339"/>
+                </a:lnTo>
+                <a:lnTo>
+                  <a:pt x="1766" y="679"/>
+                </a:lnTo>
+                <a:lnTo>
+                  <a:pt x="1155" y="1154"/>
+                </a:lnTo>
+                <a:lnTo>
+                  <a:pt x="679" y="1765"/>
+                </a:lnTo>
+                <a:lnTo>
+                  <a:pt x="272" y="2444"/>
+                </a:lnTo>
+                <a:lnTo>
+                  <a:pt x="69" y="3190"/>
+                </a:lnTo>
+                <a:lnTo>
+                  <a:pt x="1" y="3598"/>
+                </a:lnTo>
+                <a:lnTo>
+                  <a:pt x="1" y="4005"/>
+                </a:lnTo>
+                <a:lnTo>
+                  <a:pt x="1" y="91572"/>
+                </a:lnTo>
+                <a:lnTo>
+                  <a:pt x="1" y="91979"/>
+                </a:lnTo>
+                <a:lnTo>
+                  <a:pt x="69" y="92319"/>
+                </a:lnTo>
+                <a:lnTo>
+                  <a:pt x="272" y="93065"/>
+                </a:lnTo>
+                <a:lnTo>
+                  <a:pt x="679" y="93744"/>
+                </a:lnTo>
+                <a:lnTo>
+                  <a:pt x="1155" y="94355"/>
+                </a:lnTo>
+                <a:lnTo>
+                  <a:pt x="1766" y="94830"/>
+                </a:lnTo>
+                <a:lnTo>
+                  <a:pt x="2444" y="95238"/>
+                </a:lnTo>
+                <a:lnTo>
+                  <a:pt x="3191" y="95441"/>
+                </a:lnTo>
+                <a:lnTo>
+                  <a:pt x="3530" y="95509"/>
+                </a:lnTo>
+                <a:lnTo>
+                  <a:pt x="139904" y="95509"/>
+                </a:lnTo>
+                <a:lnTo>
+                  <a:pt x="140311" y="95441"/>
+                </a:lnTo>
+                <a:lnTo>
+                  <a:pt x="141058" y="95238"/>
+                </a:lnTo>
+                <a:lnTo>
+                  <a:pt x="141737" y="94830"/>
+                </a:lnTo>
+                <a:lnTo>
+                  <a:pt x="142280" y="94355"/>
+                </a:lnTo>
+                <a:lnTo>
+                  <a:pt x="142755" y="93744"/>
+                </a:lnTo>
+                <a:lnTo>
+                  <a:pt x="143162" y="93065"/>
+                </a:lnTo>
+                <a:lnTo>
+                  <a:pt x="143366" y="92319"/>
+                </a:lnTo>
+                <a:lnTo>
+                  <a:pt x="143434" y="91979"/>
+                </a:lnTo>
+                <a:lnTo>
+                  <a:pt x="143434" y="91572"/>
+                </a:lnTo>
+                <a:lnTo>
+                  <a:pt x="143434" y="4005"/>
+                </a:lnTo>
+                <a:lnTo>
+                  <a:pt x="143434" y="3598"/>
+                </a:lnTo>
+                <a:lnTo>
+                  <a:pt x="143366" y="3190"/>
+                </a:lnTo>
+                <a:lnTo>
+                  <a:pt x="143162" y="2444"/>
+                </a:lnTo>
+                <a:lnTo>
+                  <a:pt x="142755" y="1765"/>
+                </a:lnTo>
+                <a:lnTo>
+                  <a:pt x="142280" y="1154"/>
+                </a:lnTo>
+                <a:lnTo>
+                  <a:pt x="141737" y="679"/>
+                </a:lnTo>
+                <a:lnTo>
+                  <a:pt x="141058" y="339"/>
+                </a:lnTo>
+                <a:lnTo>
+                  <a:pt x="140311" y="68"/>
+                </a:lnTo>
+                <a:lnTo>
+                  <a:pt x="139904" y="0"/>
+                </a:lnTo>
+                <a:close/>
+                <a:moveTo>
+                  <a:pt x="55324" y="95713"/>
+                </a:moveTo>
+                <a:lnTo>
+                  <a:pt x="55052" y="98971"/>
+                </a:lnTo>
+                <a:lnTo>
+                  <a:pt x="54713" y="102297"/>
+                </a:lnTo>
+                <a:lnTo>
+                  <a:pt x="54374" y="105284"/>
+                </a:lnTo>
+                <a:lnTo>
+                  <a:pt x="53966" y="107388"/>
+                </a:lnTo>
+                <a:lnTo>
+                  <a:pt x="53763" y="108203"/>
+                </a:lnTo>
+                <a:lnTo>
+                  <a:pt x="53627" y="108746"/>
+                </a:lnTo>
+                <a:lnTo>
+                  <a:pt x="53423" y="109153"/>
+                </a:lnTo>
+                <a:lnTo>
+                  <a:pt x="53220" y="109357"/>
+                </a:lnTo>
+                <a:lnTo>
+                  <a:pt x="52677" y="109493"/>
+                </a:lnTo>
+                <a:lnTo>
+                  <a:pt x="51794" y="109696"/>
+                </a:lnTo>
+                <a:lnTo>
+                  <a:pt x="49690" y="110036"/>
+                </a:lnTo>
+                <a:lnTo>
+                  <a:pt x="48061" y="110307"/>
+                </a:lnTo>
+                <a:lnTo>
+                  <a:pt x="47450" y="110443"/>
+                </a:lnTo>
+                <a:lnTo>
+                  <a:pt x="47110" y="110511"/>
+                </a:lnTo>
+                <a:lnTo>
+                  <a:pt x="47042" y="110579"/>
+                </a:lnTo>
+                <a:lnTo>
+                  <a:pt x="47042" y="110783"/>
+                </a:lnTo>
+                <a:lnTo>
+                  <a:pt x="47110" y="110850"/>
+                </a:lnTo>
+                <a:lnTo>
+                  <a:pt x="47585" y="110918"/>
+                </a:lnTo>
+                <a:lnTo>
+                  <a:pt x="48400" y="110986"/>
+                </a:lnTo>
+                <a:lnTo>
+                  <a:pt x="51387" y="111054"/>
+                </a:lnTo>
+                <a:lnTo>
+                  <a:pt x="56071" y="111122"/>
+                </a:lnTo>
+                <a:lnTo>
+                  <a:pt x="87092" y="111122"/>
+                </a:lnTo>
+                <a:lnTo>
+                  <a:pt x="91708" y="111054"/>
+                </a:lnTo>
+                <a:lnTo>
+                  <a:pt x="94695" y="110986"/>
+                </a:lnTo>
+                <a:lnTo>
+                  <a:pt x="95578" y="110918"/>
+                </a:lnTo>
+                <a:lnTo>
+                  <a:pt x="96053" y="110850"/>
+                </a:lnTo>
+                <a:lnTo>
+                  <a:pt x="96121" y="110783"/>
+                </a:lnTo>
+                <a:lnTo>
+                  <a:pt x="96121" y="110579"/>
+                </a:lnTo>
+                <a:lnTo>
+                  <a:pt x="96053" y="110511"/>
+                </a:lnTo>
+                <a:lnTo>
+                  <a:pt x="95713" y="110443"/>
+                </a:lnTo>
+                <a:lnTo>
+                  <a:pt x="95102" y="110307"/>
+                </a:lnTo>
+                <a:lnTo>
+                  <a:pt x="93473" y="110036"/>
+                </a:lnTo>
+                <a:lnTo>
+                  <a:pt x="91369" y="109696"/>
+                </a:lnTo>
+                <a:lnTo>
+                  <a:pt x="90487" y="109493"/>
+                </a:lnTo>
+                <a:lnTo>
+                  <a:pt x="89943" y="109357"/>
+                </a:lnTo>
+                <a:lnTo>
+                  <a:pt x="89740" y="109153"/>
+                </a:lnTo>
+                <a:lnTo>
+                  <a:pt x="89536" y="108746"/>
+                </a:lnTo>
+                <a:lnTo>
+                  <a:pt x="89333" y="108203"/>
+                </a:lnTo>
+                <a:lnTo>
+                  <a:pt x="89197" y="107388"/>
+                </a:lnTo>
+                <a:lnTo>
+                  <a:pt x="88789" y="105284"/>
+                </a:lnTo>
+                <a:lnTo>
+                  <a:pt x="88382" y="102297"/>
+                </a:lnTo>
+                <a:lnTo>
+                  <a:pt x="88043" y="98971"/>
+                </a:lnTo>
+                <a:lnTo>
+                  <a:pt x="87839" y="95713"/>
+                </a:lnTo>
+                <a:close/>
+                <a:moveTo>
+                  <a:pt x="47450" y="111054"/>
+                </a:moveTo>
+                <a:lnTo>
+                  <a:pt x="47450" y="111122"/>
+                </a:lnTo>
+                <a:lnTo>
+                  <a:pt x="47450" y="111393"/>
+                </a:lnTo>
+                <a:lnTo>
+                  <a:pt x="47518" y="111461"/>
+                </a:lnTo>
+                <a:lnTo>
+                  <a:pt x="48807" y="111529"/>
+                </a:lnTo>
+                <a:lnTo>
+                  <a:pt x="52473" y="111597"/>
+                </a:lnTo>
+                <a:lnTo>
+                  <a:pt x="62384" y="111665"/>
+                </a:lnTo>
+                <a:lnTo>
+                  <a:pt x="80779" y="111665"/>
+                </a:lnTo>
+                <a:lnTo>
+                  <a:pt x="90622" y="111597"/>
+                </a:lnTo>
+                <a:lnTo>
+                  <a:pt x="94356" y="111529"/>
+                </a:lnTo>
+                <a:lnTo>
+                  <a:pt x="95646" y="111461"/>
+                </a:lnTo>
+                <a:lnTo>
+                  <a:pt x="95713" y="111393"/>
+                </a:lnTo>
+                <a:lnTo>
+                  <a:pt x="95713" y="111122"/>
+                </a:lnTo>
+                <a:lnTo>
+                  <a:pt x="95646" y="111054"/>
+                </a:lnTo>
+                <a:lnTo>
+                  <a:pt x="94084" y="111122"/>
+                </a:lnTo>
+                <a:lnTo>
+                  <a:pt x="91233" y="111190"/>
+                </a:lnTo>
+                <a:lnTo>
+                  <a:pt x="80847" y="111258"/>
+                </a:lnTo>
+                <a:lnTo>
+                  <a:pt x="62316" y="111258"/>
+                </a:lnTo>
+                <a:lnTo>
+                  <a:pt x="51930" y="111190"/>
+                </a:lnTo>
+                <a:lnTo>
+                  <a:pt x="49079" y="111122"/>
+                </a:lnTo>
+                <a:lnTo>
+                  <a:pt x="47518" y="111054"/>
+                </a:lnTo>
+                <a:close/>
+              </a:path>
+            </a:pathLst>
+          </a:custGeom>
+          <a:solidFill>
+            <a:srgbClr val="184769"/>
+          </a:solidFill>
+          <a:ln w="19050" cap="flat" cmpd="sng">
+            <a:solidFill>
+              <a:srgbClr val="19BBD5"/>
+            </a:solidFill>
+            <a:prstDash val="solid"/>
+            <a:round/>
+            <a:headEnd type="none" w="sm" len="sm"/>
+            <a:tailEnd type="none" w="sm" len="sm"/>
+          </a:ln>
+        </p:spPr>
+        <p:txBody>
+          <a:bodyPr spcFirstLastPara="1" wrap="square" lIns="91425" tIns="91425" rIns="91425" bIns="91425" anchor="ctr" anchorCtr="0">
+            <a:noAutofit/>
+          </a:bodyPr>
+          <a:lstStyle/>
+          <a:p>
+            <a:pPr marL="0" lvl="0" indent="0">
+              <a:spcBef>
+                <a:spcPts val="0"/>
+              </a:spcBef>
+              <a:spcAft>
+                <a:spcPts val="0"/>
+              </a:spcAft>
+              <a:buNone/>
+            </a:pPr>
+            <a:endParaRPr/>
+          </a:p>
+        </p:txBody>
+      </p:sp>
+      <p:sp>
+        <p:nvSpPr>
+          <p:cNvPr id="533" name="Shape 533"/>
+          <p:cNvSpPr/>
+          <p:nvPr/>
+        </p:nvSpPr>
+        <p:spPr>
+          <a:xfrm>
+            <a:off x="3825689" y="562629"/>
+            <a:ext cx="4515000" cy="2883300"/>
+          </a:xfrm>
+          <a:prstGeom prst="rect">
+            <a:avLst/>
+          </a:prstGeom>
+          <a:noFill/>
+          <a:ln>
+            <a:noFill/>
+          </a:ln>
+        </p:spPr>
+        <p:txBody>
+          <a:bodyPr spcFirstLastPara="1" wrap="square" lIns="91425" tIns="91425" rIns="91425" bIns="91425" anchor="ctr" anchorCtr="0">
+            <a:noAutofit/>
+          </a:bodyPr>
+          <a:lstStyle/>
+          <a:p>
+            <a:pPr marL="0" lvl="0" indent="0" algn="ctr" rtl="0">
+              <a:spcBef>
+                <a:spcPts val="0"/>
+              </a:spcBef>
+              <a:spcAft>
+                <a:spcPts val="0"/>
+              </a:spcAft>
+              <a:buNone/>
+            </a:pPr>
+            <a:r>
+              <a:rPr lang="en" sz="1000">
+                <a:solidFill>
+                  <a:srgbClr val="C6DAEC"/>
+                </a:solidFill>
+                <a:latin typeface="Muli"/>
+                <a:ea typeface="Muli"/>
+                <a:cs typeface="Muli"/>
+                <a:sym typeface="Muli"/>
+              </a:rPr>
+              <a:t>Place your screenshot here</a:t>
+            </a:r>
+            <a:endParaRPr sz="1000">
+              <a:solidFill>
+                <a:srgbClr val="C6DAEC"/>
+              </a:solidFill>
+              <a:latin typeface="Muli"/>
+              <a:ea typeface="Muli"/>
+              <a:cs typeface="Muli"/>
+              <a:sym typeface="Muli"/>
+            </a:endParaRPr>
+          </a:p>
+        </p:txBody>
+      </p:sp>
+      <p:sp>
+        <p:nvSpPr>
+          <p:cNvPr id="534" name="Shape 534"/>
+          <p:cNvSpPr txBox="1">
+            <a:spLocks noGrp="1"/>
+          </p:cNvSpPr>
+          <p:nvPr>
+            <p:ph type="body" idx="4294967295"/>
+          </p:nvPr>
+        </p:nvSpPr>
+        <p:spPr>
+          <a:xfrm>
+            <a:off x="457200" y="1476375"/>
+            <a:ext cx="2838300" cy="2718600"/>
+          </a:xfrm>
+          <a:prstGeom prst="rect">
+            <a:avLst/>
+          </a:prstGeom>
+        </p:spPr>
+        <p:txBody>
+          <a:bodyPr spcFirstLastPara="1" wrap="square" lIns="91425" tIns="91425" rIns="91425" bIns="91425" anchor="b" anchorCtr="0">
+            <a:noAutofit/>
+          </a:bodyPr>
+          <a:lstStyle/>
+          <a:p>
+            <a:pPr marL="0" lvl="0" indent="0" rtl="0">
+              <a:spcBef>
+                <a:spcPts val="600"/>
+              </a:spcBef>
+              <a:spcAft>
+                <a:spcPts val="0"/>
+              </a:spcAft>
+              <a:buNone/>
+            </a:pPr>
+            <a:r>
+              <a:rPr lang="en-GB" b="1" dirty="0">
+                <a:solidFill>
+                  <a:srgbClr val="19BBD5"/>
+                </a:solidFill>
+              </a:rPr>
+              <a:t>Node-Red</a:t>
+            </a:r>
+            <a:endParaRPr b="1" dirty="0">
+              <a:solidFill>
+                <a:srgbClr val="19BBD5"/>
+              </a:solidFill>
+            </a:endParaRPr>
+          </a:p>
+          <a:p>
+            <a:pPr marL="0" lvl="0" indent="0" rtl="0">
+              <a:spcBef>
+                <a:spcPts val="600"/>
+              </a:spcBef>
+              <a:spcAft>
+                <a:spcPts val="0"/>
+              </a:spcAft>
+              <a:buNone/>
+            </a:pPr>
+            <a:r>
+              <a:rPr lang="nl-NL" sz="1800" dirty="0"/>
+              <a:t>Node-red is een flow builder waarin je acties achterelkaar kan hangen om een flow op te bouwen</a:t>
+            </a:r>
+            <a:endParaRPr sz="1800" dirty="0"/>
+          </a:p>
+        </p:txBody>
+      </p:sp>
+      <p:grpSp>
+        <p:nvGrpSpPr>
+          <p:cNvPr id="535" name="Shape 535"/>
+          <p:cNvGrpSpPr/>
+          <p:nvPr/>
+        </p:nvGrpSpPr>
+        <p:grpSpPr>
+          <a:xfrm>
+            <a:off x="707161" y="503826"/>
+            <a:ext cx="318996" cy="307211"/>
+            <a:chOff x="2583325" y="2972875"/>
+            <a:chExt cx="462850" cy="445750"/>
+          </a:xfrm>
+        </p:grpSpPr>
+        <p:sp>
+          <p:nvSpPr>
+            <p:cNvPr id="536" name="Shape 536"/>
+            <p:cNvSpPr/>
+            <p:nvPr/>
+          </p:nvSpPr>
+          <p:spPr>
+            <a:xfrm>
+              <a:off x="2701775" y="3323350"/>
+              <a:ext cx="225950" cy="95275"/>
+            </a:xfrm>
+            <a:custGeom>
+              <a:avLst/>
+              <a:gdLst/>
+              <a:ahLst/>
+              <a:cxnLst/>
+              <a:rect l="0" t="0" r="0" b="0"/>
+              <a:pathLst>
+                <a:path w="9038" h="3811" extrusionOk="0">
+                  <a:moveTo>
+                    <a:pt x="2956" y="1"/>
+                  </a:moveTo>
+                  <a:lnTo>
+                    <a:pt x="2956" y="2956"/>
+                  </a:lnTo>
+                  <a:lnTo>
+                    <a:pt x="685" y="2956"/>
+                  </a:lnTo>
+                  <a:lnTo>
+                    <a:pt x="514" y="3005"/>
+                  </a:lnTo>
+                  <a:lnTo>
+                    <a:pt x="367" y="3103"/>
+                  </a:lnTo>
+                  <a:lnTo>
+                    <a:pt x="245" y="3200"/>
+                  </a:lnTo>
+                  <a:lnTo>
+                    <a:pt x="147" y="3322"/>
+                  </a:lnTo>
+                  <a:lnTo>
+                    <a:pt x="50" y="3469"/>
+                  </a:lnTo>
+                  <a:lnTo>
+                    <a:pt x="1" y="3640"/>
+                  </a:lnTo>
+                  <a:lnTo>
+                    <a:pt x="1" y="3811"/>
+                  </a:lnTo>
+                  <a:lnTo>
+                    <a:pt x="9037" y="3811"/>
+                  </a:lnTo>
+                  <a:lnTo>
+                    <a:pt x="9037" y="3640"/>
+                  </a:lnTo>
+                  <a:lnTo>
+                    <a:pt x="8988" y="3469"/>
+                  </a:lnTo>
+                  <a:lnTo>
+                    <a:pt x="8891" y="3322"/>
+                  </a:lnTo>
+                  <a:lnTo>
+                    <a:pt x="8793" y="3200"/>
+                  </a:lnTo>
+                  <a:lnTo>
+                    <a:pt x="8671" y="3103"/>
+                  </a:lnTo>
+                  <a:lnTo>
+                    <a:pt x="8524" y="3005"/>
+                  </a:lnTo>
+                  <a:lnTo>
+                    <a:pt x="8353" y="2956"/>
+                  </a:lnTo>
+                  <a:lnTo>
+                    <a:pt x="6082" y="2956"/>
+                  </a:lnTo>
+                  <a:lnTo>
+                    <a:pt x="6082" y="1"/>
+                  </a:lnTo>
+                  <a:close/>
+                </a:path>
+              </a:pathLst>
+            </a:custGeom>
+            <a:solidFill>
+              <a:srgbClr val="FFFFFF"/>
+            </a:solidFill>
+            <a:ln>
+              <a:noFill/>
+            </a:ln>
+          </p:spPr>
+          <p:txBody>
+            <a:bodyPr spcFirstLastPara="1" wrap="square" lIns="91425" tIns="91425" rIns="91425" bIns="91425" anchor="ctr" anchorCtr="0">
+              <a:noAutofit/>
+            </a:bodyPr>
+            <a:lstStyle/>
+            <a:p>
+              <a:pPr marL="0" lvl="0" indent="0">
+                <a:spcBef>
+                  <a:spcPts val="0"/>
+                </a:spcBef>
+                <a:spcAft>
+                  <a:spcPts val="0"/>
+                </a:spcAft>
+                <a:buNone/>
+              </a:pPr>
+              <a:endParaRPr/>
+            </a:p>
+          </p:txBody>
+        </p:sp>
+        <p:sp>
+          <p:nvSpPr>
+            <p:cNvPr id="537" name="Shape 537"/>
+            <p:cNvSpPr/>
+            <p:nvPr/>
+          </p:nvSpPr>
+          <p:spPr>
+            <a:xfrm>
+              <a:off x="2583325" y="2972875"/>
+              <a:ext cx="462850" cy="337075"/>
+            </a:xfrm>
+            <a:custGeom>
+              <a:avLst/>
+              <a:gdLst/>
+              <a:ahLst/>
+              <a:cxnLst/>
+              <a:rect l="0" t="0" r="0" b="0"/>
+              <a:pathLst>
+                <a:path w="18514" h="13483" extrusionOk="0">
+                  <a:moveTo>
+                    <a:pt x="17048" y="1466"/>
+                  </a:moveTo>
+                  <a:lnTo>
+                    <a:pt x="17048" y="12017"/>
+                  </a:lnTo>
+                  <a:lnTo>
+                    <a:pt x="1466" y="12017"/>
+                  </a:lnTo>
+                  <a:lnTo>
+                    <a:pt x="1466" y="1466"/>
+                  </a:lnTo>
+                  <a:close/>
+                  <a:moveTo>
+                    <a:pt x="391" y="1"/>
+                  </a:moveTo>
+                  <a:lnTo>
+                    <a:pt x="318" y="50"/>
+                  </a:lnTo>
+                  <a:lnTo>
+                    <a:pt x="220" y="74"/>
+                  </a:lnTo>
+                  <a:lnTo>
+                    <a:pt x="147" y="148"/>
+                  </a:lnTo>
+                  <a:lnTo>
+                    <a:pt x="98" y="221"/>
+                  </a:lnTo>
+                  <a:lnTo>
+                    <a:pt x="49" y="294"/>
+                  </a:lnTo>
+                  <a:lnTo>
+                    <a:pt x="25" y="392"/>
+                  </a:lnTo>
+                  <a:lnTo>
+                    <a:pt x="1" y="489"/>
+                  </a:lnTo>
+                  <a:lnTo>
+                    <a:pt x="1" y="12994"/>
+                  </a:lnTo>
+                  <a:lnTo>
+                    <a:pt x="25" y="13092"/>
+                  </a:lnTo>
+                  <a:lnTo>
+                    <a:pt x="49" y="13189"/>
+                  </a:lnTo>
+                  <a:lnTo>
+                    <a:pt x="98" y="13263"/>
+                  </a:lnTo>
+                  <a:lnTo>
+                    <a:pt x="147" y="13336"/>
+                  </a:lnTo>
+                  <a:lnTo>
+                    <a:pt x="220" y="13409"/>
+                  </a:lnTo>
+                  <a:lnTo>
+                    <a:pt x="318" y="13434"/>
+                  </a:lnTo>
+                  <a:lnTo>
+                    <a:pt x="391" y="13483"/>
+                  </a:lnTo>
+                  <a:lnTo>
+                    <a:pt x="18123" y="13483"/>
+                  </a:lnTo>
+                  <a:lnTo>
+                    <a:pt x="18196" y="13434"/>
+                  </a:lnTo>
+                  <a:lnTo>
+                    <a:pt x="18293" y="13409"/>
+                  </a:lnTo>
+                  <a:lnTo>
+                    <a:pt x="18367" y="13336"/>
+                  </a:lnTo>
+                  <a:lnTo>
+                    <a:pt x="18416" y="13263"/>
+                  </a:lnTo>
+                  <a:lnTo>
+                    <a:pt x="18464" y="13189"/>
+                  </a:lnTo>
+                  <a:lnTo>
+                    <a:pt x="18489" y="13092"/>
+                  </a:lnTo>
+                  <a:lnTo>
+                    <a:pt x="18513" y="12994"/>
+                  </a:lnTo>
+                  <a:lnTo>
+                    <a:pt x="18513" y="489"/>
+                  </a:lnTo>
+                  <a:lnTo>
+                    <a:pt x="18489" y="392"/>
+                  </a:lnTo>
+                  <a:lnTo>
+                    <a:pt x="18464" y="294"/>
+                  </a:lnTo>
+                  <a:lnTo>
+                    <a:pt x="18416" y="221"/>
+                  </a:lnTo>
+                  <a:lnTo>
+                    <a:pt x="18367" y="148"/>
+                  </a:lnTo>
+                  <a:lnTo>
+                    <a:pt x="18293" y="74"/>
+                  </a:lnTo>
+                  <a:lnTo>
+                    <a:pt x="18196" y="50"/>
+                  </a:lnTo>
+                  <a:lnTo>
+                    <a:pt x="18123" y="1"/>
+                  </a:lnTo>
+                  <a:close/>
+                </a:path>
+              </a:pathLst>
+            </a:custGeom>
+            <a:solidFill>
+              <a:srgbClr val="FFFFFF"/>
+            </a:solidFill>
+            <a:ln>
+              <a:noFill/>
+            </a:ln>
+          </p:spPr>
+          <p:txBody>
+            <a:bodyPr spcFirstLastPara="1" wrap="square" lIns="91425" tIns="91425" rIns="91425" bIns="91425" anchor="ctr" anchorCtr="0">
+              <a:noAutofit/>
+            </a:bodyPr>
+            <a:lstStyle/>
+            <a:p>
+              <a:pPr marL="0" lvl="0" indent="0">
+                <a:spcBef>
+                  <a:spcPts val="0"/>
+                </a:spcBef>
+                <a:spcAft>
+                  <a:spcPts val="0"/>
+                </a:spcAft>
+                <a:buNone/>
+              </a:pPr>
+              <a:endParaRPr/>
+            </a:p>
+          </p:txBody>
+        </p:sp>
+      </p:grpSp>
+      <p:pic>
+        <p:nvPicPr>
+          <p:cNvPr id="2" name="Picture 1">
+            <a:extLst>
+              <a:ext uri="{FF2B5EF4-FFF2-40B4-BE49-F238E27FC236}">
+                <a16:creationId xmlns:a16="http://schemas.microsoft.com/office/drawing/2014/main" id="{5894FE0F-7BEF-494D-AF79-27A257309881}"/>
+              </a:ext>
+            </a:extLst>
+          </p:cNvPr>
+          <p:cNvPicPr>
+            <a:picLocks noChangeAspect="1"/>
+          </p:cNvPicPr>
+          <p:nvPr/>
+        </p:nvPicPr>
+        <p:blipFill>
+          <a:blip r:embed="rId3"/>
+          <a:stretch>
+            <a:fillRect/>
+          </a:stretch>
+        </p:blipFill>
+        <p:spPr>
+          <a:xfrm>
+            <a:off x="3822749" y="562629"/>
+            <a:ext cx="4515000" cy="2921084"/>
+          </a:xfrm>
+          <a:prstGeom prst="rect">
+            <a:avLst/>
+          </a:prstGeom>
+        </p:spPr>
+      </p:pic>
+    </p:spTree>
+    <p:extLst>
+      <p:ext uri="{BB962C8B-B14F-4D97-AF65-F5344CB8AC3E}">
+        <p14:creationId xmlns:p14="http://schemas.microsoft.com/office/powerpoint/2010/main" val="2721656667"/>
+      </p:ext>
+    </p:extLst>
+  </p:cSld>
+  <p:clrMapOvr>
+    <a:masterClrMapping/>
+  </p:clrMapOvr>
+</p:sld>
+</file>
+
+<file path=ppt/slides/slide15.xml><?xml version="1.0" encoding="utf-8"?>
+<p:sld xmlns:a="http://schemas.openxmlformats.org/drawingml/2006/main" xmlns:r="http://schemas.openxmlformats.org/officeDocument/2006/relationships" xmlns:p="http://schemas.openxmlformats.org/presentationml/2006/main">
+  <p:cSld>
+    <p:spTree>
+      <p:nvGrpSpPr>
+        <p:cNvPr id="1" name="Shape 360"/>
+        <p:cNvGrpSpPr/>
+        <p:nvPr/>
+      </p:nvGrpSpPr>
+      <p:grpSpPr>
+        <a:xfrm>
+          <a:off x="0" y="0"/>
+          <a:ext cx="0" cy="0"/>
+          <a:chOff x="0" y="0"/>
+          <a:chExt cx="0" cy="0"/>
+        </a:xfrm>
+      </p:grpSpPr>
+      <p:sp>
+        <p:nvSpPr>
+          <p:cNvPr id="361" name="Shape 361"/>
+          <p:cNvSpPr txBox="1">
+            <a:spLocks noGrp="1"/>
+          </p:cNvSpPr>
+          <p:nvPr>
+            <p:ph type="title"/>
+          </p:nvPr>
+        </p:nvSpPr>
+        <p:spPr>
+          <a:xfrm>
+            <a:off x="2099850" y="857500"/>
+            <a:ext cx="4944300" cy="645300"/>
+          </a:xfrm>
+          <a:prstGeom prst="rect">
+            <a:avLst/>
+          </a:prstGeom>
+        </p:spPr>
+        <p:txBody>
+          <a:bodyPr spcFirstLastPara="1" wrap="square" lIns="91425" tIns="91425" rIns="91425" bIns="91425" anchor="b" anchorCtr="0">
+            <a:noAutofit/>
+          </a:bodyPr>
+          <a:lstStyle/>
+          <a:p>
+            <a:pPr marL="0" lvl="0" indent="0">
+              <a:spcBef>
+                <a:spcPts val="0"/>
+              </a:spcBef>
+              <a:spcAft>
+                <a:spcPts val="0"/>
+              </a:spcAft>
+              <a:buNone/>
+            </a:pPr>
+            <a:r>
+              <a:rPr lang="nl-NL" dirty="0"/>
+              <a:t>Omgeving</a:t>
+            </a:r>
+            <a:endParaRPr dirty="0"/>
+          </a:p>
+        </p:txBody>
+      </p:sp>
+      <p:pic>
+        <p:nvPicPr>
+          <p:cNvPr id="12" name="Picture 11">
+            <a:extLst>
+              <a:ext uri="{FF2B5EF4-FFF2-40B4-BE49-F238E27FC236}">
+                <a16:creationId xmlns:a16="http://schemas.microsoft.com/office/drawing/2014/main" id="{5FF82C62-A6A1-4EDE-83B9-32496AE9D53B}"/>
+              </a:ext>
+            </a:extLst>
+          </p:cNvPr>
+          <p:cNvPicPr>
+            <a:picLocks noChangeAspect="1"/>
+          </p:cNvPicPr>
+          <p:nvPr/>
+        </p:nvPicPr>
+        <p:blipFill>
+          <a:blip r:embed="rId3"/>
+          <a:stretch>
+            <a:fillRect/>
+          </a:stretch>
+        </p:blipFill>
+        <p:spPr>
+          <a:xfrm>
+            <a:off x="2957149" y="1796155"/>
+            <a:ext cx="4152900" cy="3057525"/>
+          </a:xfrm>
+          <a:prstGeom prst="rect">
+            <a:avLst/>
+          </a:prstGeom>
+        </p:spPr>
+      </p:pic>
+      <p:sp>
+        <p:nvSpPr>
+          <p:cNvPr id="2" name="TextBox 1">
+            <a:extLst>
+              <a:ext uri="{FF2B5EF4-FFF2-40B4-BE49-F238E27FC236}">
+                <a16:creationId xmlns:a16="http://schemas.microsoft.com/office/drawing/2014/main" id="{0E267E03-B63C-4A82-90A1-D38BA74A03CD}"/>
+              </a:ext>
+            </a:extLst>
+          </p:cNvPr>
+          <p:cNvSpPr txBox="1"/>
+          <p:nvPr/>
+        </p:nvSpPr>
+        <p:spPr>
+          <a:xfrm>
+            <a:off x="2155488" y="1431561"/>
+            <a:ext cx="2878111" cy="307777"/>
+          </a:xfrm>
+          <a:prstGeom prst="rect">
+            <a:avLst/>
+          </a:prstGeom>
+          <a:noFill/>
+        </p:spPr>
+        <p:txBody>
+          <a:bodyPr wrap="square" rtlCol="0">
+            <a:spAutoFit/>
+          </a:bodyPr>
+          <a:lstStyle/>
+          <a:p>
+            <a:r>
+              <a:rPr lang="nl-NL" dirty="0">
+                <a:solidFill>
+                  <a:srgbClr val="D9D9D9"/>
+                </a:solidFill>
+              </a:rPr>
+              <a:t>Visualisatie Node-Red Omgeving</a:t>
+            </a:r>
+          </a:p>
+        </p:txBody>
+      </p:sp>
+    </p:spTree>
+    <p:extLst>
+      <p:ext uri="{BB962C8B-B14F-4D97-AF65-F5344CB8AC3E}">
+        <p14:creationId xmlns:p14="http://schemas.microsoft.com/office/powerpoint/2010/main" val="3132042510"/>
+      </p:ext>
+    </p:extLst>
+  </p:cSld>
+  <p:clrMapOvr>
+    <a:masterClrMapping/>
+  </p:clrMapOvr>
+</p:sld>
+</file>
+
+<file path=ppt/slides/slide16.xml><?xml version="1.0" encoding="utf-8"?>
+<p:sld xmlns:a="http://schemas.openxmlformats.org/drawingml/2006/main" xmlns:r="http://schemas.openxmlformats.org/officeDocument/2006/relationships" xmlns:p="http://schemas.openxmlformats.org/presentationml/2006/main">
+  <p:cSld>
+    <p:spTree>
+      <p:nvGrpSpPr>
+        <p:cNvPr id="1" name="Shape 360"/>
+        <p:cNvGrpSpPr/>
+        <p:nvPr/>
+      </p:nvGrpSpPr>
+      <p:grpSpPr>
+        <a:xfrm>
+          <a:off x="0" y="0"/>
+          <a:ext cx="0" cy="0"/>
+          <a:chOff x="0" y="0"/>
+          <a:chExt cx="0" cy="0"/>
+        </a:xfrm>
+      </p:grpSpPr>
+      <p:sp>
+        <p:nvSpPr>
+          <p:cNvPr id="361" name="Shape 361"/>
+          <p:cNvSpPr txBox="1">
+            <a:spLocks noGrp="1"/>
+          </p:cNvSpPr>
+          <p:nvPr>
+            <p:ph type="title"/>
+          </p:nvPr>
+        </p:nvSpPr>
+        <p:spPr>
+          <a:xfrm>
+            <a:off x="1732700" y="1735600"/>
+            <a:ext cx="4944300" cy="645300"/>
+          </a:xfrm>
+          <a:prstGeom prst="rect">
+            <a:avLst/>
+          </a:prstGeom>
+        </p:spPr>
+        <p:txBody>
+          <a:bodyPr spcFirstLastPara="1" wrap="square" lIns="91425" tIns="91425" rIns="91425" bIns="91425" anchor="b" anchorCtr="0">
+            <a:noAutofit/>
+          </a:bodyPr>
+          <a:lstStyle/>
+          <a:p>
+            <a:pPr marL="0" lvl="0" indent="0">
+              <a:spcBef>
+                <a:spcPts val="0"/>
+              </a:spcBef>
+              <a:spcAft>
+                <a:spcPts val="0"/>
+              </a:spcAft>
+              <a:buNone/>
+            </a:pPr>
+            <a:r>
+              <a:rPr lang="nl-NL" dirty="0"/>
+              <a:t>Stack</a:t>
+            </a:r>
+            <a:endParaRPr dirty="0"/>
+          </a:p>
+        </p:txBody>
+      </p:sp>
+      <p:sp>
+        <p:nvSpPr>
+          <p:cNvPr id="362" name="Shape 362"/>
+          <p:cNvSpPr txBox="1">
+            <a:spLocks noGrp="1"/>
+          </p:cNvSpPr>
+          <p:nvPr>
+            <p:ph type="body" idx="1"/>
+          </p:nvPr>
+        </p:nvSpPr>
+        <p:spPr>
+          <a:xfrm>
+            <a:off x="1732700" y="2255125"/>
+            <a:ext cx="4944300" cy="1659900"/>
+          </a:xfrm>
+          <a:prstGeom prst="rect">
+            <a:avLst/>
+          </a:prstGeom>
+        </p:spPr>
+        <p:txBody>
+          <a:bodyPr spcFirstLastPara="1" wrap="square" lIns="91425" tIns="91425" rIns="91425" bIns="91425" anchor="t" anchorCtr="0">
+            <a:noAutofit/>
+          </a:bodyPr>
+          <a:lstStyle/>
+          <a:p>
+            <a:pPr marL="457200" lvl="0" indent="-317500" rtl="0">
+              <a:spcBef>
+                <a:spcPts val="0"/>
+              </a:spcBef>
+              <a:spcAft>
+                <a:spcPts val="0"/>
+              </a:spcAft>
+              <a:buSzPts val="1400"/>
+              <a:buChar char="◇"/>
+            </a:pPr>
+            <a:r>
+              <a:rPr lang="en-GB" dirty="0"/>
+              <a:t>Back-end</a:t>
+            </a:r>
+          </a:p>
+          <a:p>
+            <a:pPr lvl="1">
+              <a:buChar char="◇"/>
+            </a:pPr>
+            <a:r>
+              <a:rPr lang="en-GB" dirty="0"/>
+              <a:t>NodeJS</a:t>
+            </a:r>
+          </a:p>
+          <a:p>
+            <a:pPr marL="457200" lvl="0" indent="-317500" rtl="0">
+              <a:spcBef>
+                <a:spcPts val="0"/>
+              </a:spcBef>
+              <a:spcAft>
+                <a:spcPts val="0"/>
+              </a:spcAft>
+              <a:buSzPts val="1400"/>
+              <a:buChar char="◇"/>
+            </a:pPr>
+            <a:r>
+              <a:rPr lang="en-GB" dirty="0"/>
+              <a:t>Front-end</a:t>
+            </a:r>
+          </a:p>
+          <a:p>
+            <a:pPr lvl="1">
+              <a:buChar char="◇"/>
+            </a:pPr>
+            <a:r>
+              <a:rPr lang="en-GB" dirty="0"/>
+              <a:t>HTML/CSS/JS</a:t>
+            </a:r>
+          </a:p>
+          <a:p>
+            <a:pPr lvl="1">
+              <a:buChar char="◇"/>
+            </a:pPr>
+            <a:endParaRPr dirty="0"/>
+          </a:p>
+          <a:p>
+            <a:pPr marL="0" lvl="0" indent="0" rtl="0">
+              <a:spcBef>
+                <a:spcPts val="600"/>
+              </a:spcBef>
+              <a:spcAft>
+                <a:spcPts val="0"/>
+              </a:spcAft>
+              <a:buNone/>
+            </a:pPr>
+            <a:endParaRPr dirty="0"/>
+          </a:p>
+        </p:txBody>
+      </p:sp>
+      <p:pic>
+        <p:nvPicPr>
+          <p:cNvPr id="5" name="Picture 4">
+            <a:extLst>
+              <a:ext uri="{FF2B5EF4-FFF2-40B4-BE49-F238E27FC236}">
+                <a16:creationId xmlns:a16="http://schemas.microsoft.com/office/drawing/2014/main" id="{9D422D6C-FA19-412B-9B2A-B36EBE46636D}"/>
+              </a:ext>
+            </a:extLst>
+          </p:cNvPr>
+          <p:cNvPicPr>
+            <a:picLocks noChangeAspect="1"/>
+          </p:cNvPicPr>
+          <p:nvPr/>
+        </p:nvPicPr>
+        <p:blipFill>
+          <a:blip r:embed="rId3"/>
+          <a:stretch>
+            <a:fillRect/>
+          </a:stretch>
+        </p:blipFill>
+        <p:spPr>
+          <a:xfrm>
+            <a:off x="803535" y="3775101"/>
+            <a:ext cx="5753100" cy="981075"/>
+          </a:xfrm>
+          <a:prstGeom prst="rect">
+            <a:avLst/>
+          </a:prstGeom>
+        </p:spPr>
+      </p:pic>
+    </p:spTree>
+    <p:extLst>
+      <p:ext uri="{BB962C8B-B14F-4D97-AF65-F5344CB8AC3E}">
+        <p14:creationId xmlns:p14="http://schemas.microsoft.com/office/powerpoint/2010/main" val="3065287128"/>
+      </p:ext>
+    </p:extLst>
+  </p:cSld>
+  <p:clrMapOvr>
+    <a:masterClrMapping/>
+  </p:clrMapOvr>
+</p:sld>
+</file>
+
+<file path=ppt/slides/slide17.xml><?xml version="1.0" encoding="utf-8"?>
+<p:sld xmlns:a="http://schemas.openxmlformats.org/drawingml/2006/main" xmlns:r="http://schemas.openxmlformats.org/officeDocument/2006/relationships" xmlns:p="http://schemas.openxmlformats.org/presentationml/2006/main">
+  <p:cSld>
+    <p:spTree>
+      <p:nvGrpSpPr>
+        <p:cNvPr id="1" name="Shape 360"/>
+        <p:cNvGrpSpPr/>
+        <p:nvPr/>
+      </p:nvGrpSpPr>
+      <p:grpSpPr>
+        <a:xfrm>
+          <a:off x="0" y="0"/>
+          <a:ext cx="0" cy="0"/>
+          <a:chOff x="0" y="0"/>
+          <a:chExt cx="0" cy="0"/>
+        </a:xfrm>
+      </p:grpSpPr>
+      <p:sp>
+        <p:nvSpPr>
+          <p:cNvPr id="361" name="Shape 361"/>
+          <p:cNvSpPr txBox="1">
+            <a:spLocks noGrp="1"/>
+          </p:cNvSpPr>
+          <p:nvPr>
+            <p:ph type="title"/>
+          </p:nvPr>
+        </p:nvSpPr>
+        <p:spPr>
+          <a:xfrm>
+            <a:off x="1732700" y="1735600"/>
+            <a:ext cx="4944300" cy="645300"/>
+          </a:xfrm>
+          <a:prstGeom prst="rect">
+            <a:avLst/>
+          </a:prstGeom>
+        </p:spPr>
+        <p:txBody>
+          <a:bodyPr spcFirstLastPara="1" wrap="square" lIns="91425" tIns="91425" rIns="91425" bIns="91425" anchor="b" anchorCtr="0">
+            <a:noAutofit/>
+          </a:bodyPr>
+          <a:lstStyle/>
+          <a:p>
+            <a:pPr marL="0" lvl="0" indent="0">
+              <a:spcBef>
+                <a:spcPts val="0"/>
+              </a:spcBef>
+              <a:spcAft>
+                <a:spcPts val="0"/>
+              </a:spcAft>
+              <a:buNone/>
+            </a:pPr>
+            <a:r>
+              <a:rPr lang="nl-NL" dirty="0"/>
+              <a:t>Deployment</a:t>
+            </a:r>
+            <a:endParaRPr dirty="0"/>
+          </a:p>
+        </p:txBody>
+      </p:sp>
+      <p:sp>
+        <p:nvSpPr>
+          <p:cNvPr id="362" name="Shape 362"/>
+          <p:cNvSpPr txBox="1">
+            <a:spLocks noGrp="1"/>
+          </p:cNvSpPr>
+          <p:nvPr>
+            <p:ph type="body" idx="1"/>
+          </p:nvPr>
+        </p:nvSpPr>
+        <p:spPr>
+          <a:xfrm>
+            <a:off x="1732700" y="2255125"/>
+            <a:ext cx="4944300" cy="1659900"/>
+          </a:xfrm>
+          <a:prstGeom prst="rect">
+            <a:avLst/>
+          </a:prstGeom>
+        </p:spPr>
+        <p:txBody>
+          <a:bodyPr spcFirstLastPara="1" wrap="square" lIns="91425" tIns="91425" rIns="91425" bIns="91425" anchor="t" anchorCtr="0">
+            <a:noAutofit/>
+          </a:bodyPr>
+          <a:lstStyle/>
+          <a:p>
+            <a:pPr marL="596900" lvl="1" indent="0">
+              <a:buNone/>
+            </a:pPr>
+            <a:r>
+              <a:rPr lang="nl-NL" dirty="0"/>
+              <a:t>Deployment instructies uitgebreid aanwezig op de website van node-red</a:t>
+            </a:r>
+          </a:p>
+          <a:p>
+            <a:pPr marL="596900" lvl="1" indent="0">
+              <a:buNone/>
+            </a:pPr>
+            <a:r>
+              <a:rPr lang="nl-NL" u="sng" dirty="0">
+                <a:hlinkClick r:id="rId3"/>
+              </a:rPr>
+              <a:t>https://nodered.org/docs/</a:t>
+            </a:r>
+            <a:endParaRPr lang="nl-NL" u="sng" dirty="0"/>
+          </a:p>
+          <a:p>
+            <a:pPr marL="596900" lvl="1" indent="0">
+              <a:buNone/>
+            </a:pPr>
+            <a:endParaRPr lang="nl-NL" u="sng" dirty="0"/>
+          </a:p>
+          <a:p>
+            <a:pPr marL="596900" lvl="1" indent="0">
+              <a:buNone/>
+            </a:pPr>
+            <a:r>
+              <a:rPr lang="en-GB" dirty="0"/>
+              <a:t>Supported </a:t>
+            </a:r>
+            <a:r>
+              <a:rPr lang="nl-NL" dirty="0"/>
+              <a:t>platvormen</a:t>
+            </a:r>
+            <a:r>
+              <a:rPr lang="en-GB" dirty="0"/>
+              <a:t>:</a:t>
+            </a:r>
+          </a:p>
+          <a:p>
+            <a:pPr lvl="1">
+              <a:buFont typeface="Arial" panose="020B0604020202020204" pitchFamily="34" charset="0"/>
+              <a:buChar char="•"/>
+            </a:pPr>
+            <a:r>
+              <a:rPr lang="en-GB" dirty="0"/>
+              <a:t>Windows</a:t>
+            </a:r>
+          </a:p>
+          <a:p>
+            <a:pPr lvl="1">
+              <a:buFont typeface="Arial" panose="020B0604020202020204" pitchFamily="34" charset="0"/>
+              <a:buChar char="•"/>
+            </a:pPr>
+            <a:r>
+              <a:rPr lang="en-GB" dirty="0"/>
+              <a:t>Linux</a:t>
+            </a:r>
+          </a:p>
+          <a:p>
+            <a:pPr lvl="1">
+              <a:buFont typeface="Arial" panose="020B0604020202020204" pitchFamily="34" charset="0"/>
+              <a:buChar char="•"/>
+            </a:pPr>
+            <a:r>
+              <a:rPr lang="en-GB" dirty="0"/>
+              <a:t>Mac</a:t>
+            </a:r>
+            <a:endParaRPr dirty="0"/>
+          </a:p>
+          <a:p>
+            <a:pPr marL="0" lvl="0" indent="0" rtl="0">
+              <a:spcBef>
+                <a:spcPts val="600"/>
+              </a:spcBef>
+              <a:spcAft>
+                <a:spcPts val="0"/>
+              </a:spcAft>
+              <a:buNone/>
+            </a:pPr>
+            <a:endParaRPr dirty="0"/>
+          </a:p>
+        </p:txBody>
+      </p:sp>
+    </p:spTree>
+    <p:extLst>
+      <p:ext uri="{BB962C8B-B14F-4D97-AF65-F5344CB8AC3E}">
+        <p14:creationId xmlns:p14="http://schemas.microsoft.com/office/powerpoint/2010/main" val="730817438"/>
+      </p:ext>
+    </p:extLst>
+  </p:cSld>
+  <p:clrMapOvr>
+    <a:masterClrMapping/>
+  </p:clrMapOvr>
+</p:sld>
+</file>
+
+<file path=ppt/slides/slide18.xml><?xml version="1.0" encoding="utf-8"?>
+<p:sld xmlns:a="http://schemas.openxmlformats.org/drawingml/2006/main" xmlns:r="http://schemas.openxmlformats.org/officeDocument/2006/relationships" xmlns:p="http://schemas.openxmlformats.org/presentationml/2006/main">
+  <p:cSld>
+    <p:spTree>
+      <p:nvGrpSpPr>
+        <p:cNvPr id="1" name="Shape 541"/>
+        <p:cNvGrpSpPr/>
+        <p:nvPr/>
+      </p:nvGrpSpPr>
+      <p:grpSpPr>
+        <a:xfrm>
+          <a:off x="0" y="0"/>
+          <a:ext cx="0" cy="0"/>
+          <a:chOff x="0" y="0"/>
+          <a:chExt cx="0" cy="0"/>
+        </a:xfrm>
+      </p:grpSpPr>
+      <p:pic>
+        <p:nvPicPr>
+          <p:cNvPr id="12" name="Afbeelding 16" descr="Afbeelding met persoon, kleding, vrouw, binnen&#10;&#10;Beschrijving is gegenereerd met zeer hoge betrouwbaarheid">
+            <a:extLst>
+              <a:ext uri="{FF2B5EF4-FFF2-40B4-BE49-F238E27FC236}">
+                <a16:creationId xmlns:a16="http://schemas.microsoft.com/office/drawing/2014/main" id="{F3668783-284D-43A5-8689-EA319718E25D}"/>
+              </a:ext>
+            </a:extLst>
+          </p:cNvPr>
+          <p:cNvPicPr>
+            <a:picLocks noChangeAspect="1"/>
+          </p:cNvPicPr>
+          <p:nvPr/>
+        </p:nvPicPr>
+        <p:blipFill rotWithShape="1">
+          <a:blip r:embed="rId3"/>
+          <a:srcRect l="-543" t="35" r="543" b="24082"/>
+          <a:stretch/>
+        </p:blipFill>
+        <p:spPr>
+          <a:xfrm>
+            <a:off x="6874452" y="3384882"/>
+            <a:ext cx="863662" cy="873838"/>
+          </a:xfrm>
+          <a:prstGeom prst="hexagon">
+            <a:avLst/>
+          </a:prstGeom>
+          <a:effectLst>
+            <a:softEdge rad="12700"/>
+          </a:effectLst>
+        </p:spPr>
+      </p:pic>
+      <p:sp>
+        <p:nvSpPr>
+          <p:cNvPr id="542" name="Shape 542"/>
+          <p:cNvSpPr/>
+          <p:nvPr/>
+        </p:nvSpPr>
+        <p:spPr>
+          <a:xfrm rot="-5400000">
+            <a:off x="1053600" y="533300"/>
+            <a:ext cx="1855800" cy="2142900"/>
+          </a:xfrm>
+          <a:custGeom>
+            <a:avLst/>
+            <a:gdLst/>
+            <a:ahLst/>
+            <a:cxnLst/>
+            <a:rect l="0" t="0" r="0" b="0"/>
+            <a:pathLst>
+              <a:path w="120000" h="120000" extrusionOk="0">
+                <a:moveTo>
+                  <a:pt x="60000" y="0"/>
+                </a:moveTo>
+                <a:lnTo>
+                  <a:pt x="120000" y="30000"/>
+                </a:lnTo>
+                <a:lnTo>
+                  <a:pt x="120000" y="90000"/>
+                </a:lnTo>
+                <a:lnTo>
+                  <a:pt x="60000" y="120000"/>
+                </a:lnTo>
+                <a:lnTo>
+                  <a:pt x="0" y="90000"/>
+                </a:lnTo>
+                <a:lnTo>
+                  <a:pt x="0" y="30000"/>
+                </a:lnTo>
+                <a:close/>
+              </a:path>
+            </a:pathLst>
+          </a:custGeom>
+          <a:gradFill>
+            <a:gsLst>
+              <a:gs pos="0">
+                <a:srgbClr val="3393E2"/>
+              </a:gs>
+              <a:gs pos="100000">
+                <a:srgbClr val="00E2C7"/>
+              </a:gs>
+            </a:gsLst>
+            <a:path path="circle">
+              <a:fillToRect l="100000" b="100000"/>
+            </a:path>
+            <a:tileRect t="-100000" r="-100000"/>
+          </a:gradFill>
+          <a:ln>
+            <a:noFill/>
+          </a:ln>
+        </p:spPr>
+        <p:txBody>
+          <a:bodyPr spcFirstLastPara="1" wrap="square" lIns="50800" tIns="50800" rIns="50800" bIns="50800" anchor="ctr" anchorCtr="0">
+            <a:noAutofit/>
+          </a:bodyPr>
+          <a:lstStyle/>
+          <a:p>
+            <a:pPr marL="0" marR="0" lvl="0" indent="0" algn="ctr" rtl="0">
+              <a:lnSpc>
+                <a:spcPct val="100000"/>
+              </a:lnSpc>
+              <a:spcBef>
+                <a:spcPts val="0"/>
+              </a:spcBef>
+              <a:spcAft>
+                <a:spcPts val="0"/>
+              </a:spcAft>
+              <a:buClr>
+                <a:srgbClr val="FFFFFF"/>
+              </a:buClr>
+              <a:buFont typeface="Helvetica Neue"/>
+              <a:buNone/>
+            </a:pPr>
+            <a:endParaRPr sz="3200" b="0" i="0" u="none" strike="noStrike" cap="none">
+              <a:solidFill>
+                <a:srgbClr val="FFFFFF"/>
+              </a:solidFill>
+              <a:latin typeface="Helvetica Neue"/>
+              <a:ea typeface="Helvetica Neue"/>
+              <a:cs typeface="Helvetica Neue"/>
+              <a:sym typeface="Helvetica Neue"/>
+            </a:endParaRPr>
+          </a:p>
+        </p:txBody>
+      </p:sp>
+      <p:sp>
+        <p:nvSpPr>
+          <p:cNvPr id="543" name="Shape 543"/>
+          <p:cNvSpPr txBox="1">
+            <a:spLocks noGrp="1"/>
+          </p:cNvSpPr>
+          <p:nvPr>
+            <p:ph type="ctrTitle" idx="4294967295"/>
+          </p:nvPr>
+        </p:nvSpPr>
+        <p:spPr>
+          <a:xfrm>
+            <a:off x="3152775" y="1354750"/>
+            <a:ext cx="4562100" cy="1159800"/>
+          </a:xfrm>
+          <a:prstGeom prst="rect">
+            <a:avLst/>
+          </a:prstGeom>
+        </p:spPr>
+        <p:txBody>
+          <a:bodyPr spcFirstLastPara="1" wrap="square" lIns="91425" tIns="91425" rIns="91425" bIns="91425" anchor="b" anchorCtr="0">
+            <a:noAutofit/>
+          </a:bodyPr>
+          <a:lstStyle/>
+          <a:p>
+            <a:pPr marL="0" lvl="0" indent="0" rtl="0">
+              <a:spcBef>
+                <a:spcPts val="0"/>
+              </a:spcBef>
+              <a:spcAft>
+                <a:spcPts val="0"/>
+              </a:spcAft>
+              <a:buNone/>
+            </a:pPr>
+            <a:r>
+              <a:rPr lang="nl-NL" sz="5000" dirty="0"/>
+              <a:t>Bedankt voor jullie tijd</a:t>
+            </a:r>
+            <a:endParaRPr sz="5000" dirty="0"/>
+          </a:p>
+        </p:txBody>
+      </p:sp>
+      <p:sp>
+        <p:nvSpPr>
+          <p:cNvPr id="544" name="Shape 544"/>
+          <p:cNvSpPr txBox="1">
+            <a:spLocks noGrp="1"/>
+          </p:cNvSpPr>
+          <p:nvPr>
+            <p:ph type="body" idx="4294967295"/>
+          </p:nvPr>
+        </p:nvSpPr>
+        <p:spPr>
+          <a:xfrm>
+            <a:off x="3286468" y="2400250"/>
+            <a:ext cx="4562100" cy="2461500"/>
+          </a:xfrm>
+          <a:prstGeom prst="rect">
+            <a:avLst/>
+          </a:prstGeom>
+        </p:spPr>
+        <p:txBody>
+          <a:bodyPr spcFirstLastPara="1" wrap="square" lIns="91425" tIns="91425" rIns="91425" bIns="91425" anchor="t" anchorCtr="0">
+            <a:noAutofit/>
+          </a:bodyPr>
+          <a:lstStyle/>
+          <a:p>
+            <a:pPr marL="0" lvl="0" indent="0" rtl="0">
+              <a:spcBef>
+                <a:spcPts val="600"/>
+              </a:spcBef>
+              <a:spcAft>
+                <a:spcPts val="0"/>
+              </a:spcAft>
+              <a:buNone/>
+            </a:pPr>
+            <a:r>
+              <a:rPr lang="nl-NL" sz="3600" b="1" dirty="0"/>
+              <a:t>Vragen?</a:t>
+            </a:r>
+            <a:endParaRPr dirty="0"/>
+          </a:p>
+          <a:p>
+            <a:pPr marL="0" lvl="0" indent="0" rtl="0">
+              <a:spcBef>
+                <a:spcPts val="600"/>
+              </a:spcBef>
+              <a:spcAft>
+                <a:spcPts val="0"/>
+              </a:spcAft>
+              <a:buClr>
+                <a:schemeClr val="dk1"/>
+              </a:buClr>
+              <a:buSzPts val="1100"/>
+              <a:buFont typeface="Arial"/>
+              <a:buNone/>
+            </a:pPr>
+            <a:r>
+              <a:rPr lang="nl-NL" dirty="0"/>
+              <a:t>   Contact informatie</a:t>
+            </a:r>
+            <a:r>
+              <a:rPr lang="en" dirty="0"/>
+              <a:t>:</a:t>
+            </a:r>
+          </a:p>
+          <a:p>
+            <a:pPr lvl="0"/>
+            <a:r>
+              <a:rPr lang="nl-NL" dirty="0">
+                <a:hlinkClick r:id="rId4"/>
+              </a:rPr>
+              <a:t>t.aarts1@student.avans.nl</a:t>
+            </a:r>
+            <a:endParaRPr lang="nl-NL" dirty="0"/>
+          </a:p>
+          <a:p>
+            <a:pPr lvl="0"/>
+            <a:r>
+              <a:rPr lang="nl-NL" dirty="0">
+                <a:hlinkClick r:id="rId5"/>
+              </a:rPr>
+              <a:t>raberg1@avans.nl</a:t>
+            </a:r>
+            <a:endParaRPr lang="nl-NL" dirty="0"/>
+          </a:p>
+          <a:p>
+            <a:pPr marL="139700" lvl="0" indent="0">
+              <a:buNone/>
+            </a:pPr>
+            <a:endParaRPr lang="nl-NL" dirty="0"/>
+          </a:p>
+          <a:p>
+            <a:pPr marL="139700" lvl="0" indent="0">
+              <a:buNone/>
+            </a:pPr>
+            <a:r>
+              <a:rPr lang="nl-NL" dirty="0" err="1"/>
+              <a:t>Github</a:t>
+            </a:r>
+            <a:r>
+              <a:rPr lang="nl-NL" dirty="0"/>
+              <a:t>:</a:t>
+            </a:r>
+          </a:p>
+          <a:p>
+            <a:pPr marL="139700" lvl="0" indent="0">
+              <a:buNone/>
+            </a:pPr>
+            <a:r>
+              <a:rPr lang="nl-NL" dirty="0">
+                <a:hlinkClick r:id="rId6"/>
+              </a:rPr>
+              <a:t>https://github.com/Teunimli/cm_project</a:t>
+            </a:r>
+            <a:endParaRPr lang="nl-NL" dirty="0"/>
+          </a:p>
+          <a:p>
+            <a:pPr marL="139700" lvl="0" indent="0">
+              <a:buNone/>
+            </a:pPr>
+            <a:endParaRPr lang="nl-NL" dirty="0"/>
+          </a:p>
+        </p:txBody>
+      </p:sp>
+      <p:sp>
+        <p:nvSpPr>
+          <p:cNvPr id="545" name="Shape 545"/>
+          <p:cNvSpPr/>
+          <p:nvPr/>
+        </p:nvSpPr>
+        <p:spPr>
+          <a:xfrm>
+            <a:off x="1591719" y="1212580"/>
+            <a:ext cx="779561" cy="779561"/>
+          </a:xfrm>
+          <a:custGeom>
+            <a:avLst/>
+            <a:gdLst/>
+            <a:ahLst/>
+            <a:cxnLst/>
+            <a:rect l="0" t="0" r="0" b="0"/>
+            <a:pathLst>
+              <a:path w="15290" h="15290" extrusionOk="0">
+                <a:moveTo>
+                  <a:pt x="4519" y="6815"/>
+                </a:moveTo>
+                <a:lnTo>
+                  <a:pt x="4690" y="6839"/>
+                </a:lnTo>
+                <a:lnTo>
+                  <a:pt x="4861" y="6888"/>
+                </a:lnTo>
+                <a:lnTo>
+                  <a:pt x="5007" y="6986"/>
+                </a:lnTo>
+                <a:lnTo>
+                  <a:pt x="5154" y="7084"/>
+                </a:lnTo>
+                <a:lnTo>
+                  <a:pt x="5251" y="7230"/>
+                </a:lnTo>
+                <a:lnTo>
+                  <a:pt x="5325" y="7401"/>
+                </a:lnTo>
+                <a:lnTo>
+                  <a:pt x="5374" y="7572"/>
+                </a:lnTo>
+                <a:lnTo>
+                  <a:pt x="5398" y="7767"/>
+                </a:lnTo>
+                <a:lnTo>
+                  <a:pt x="5374" y="7963"/>
+                </a:lnTo>
+                <a:lnTo>
+                  <a:pt x="5325" y="8134"/>
+                </a:lnTo>
+                <a:lnTo>
+                  <a:pt x="5251" y="8305"/>
+                </a:lnTo>
+                <a:lnTo>
+                  <a:pt x="5154" y="8451"/>
+                </a:lnTo>
+                <a:lnTo>
+                  <a:pt x="5007" y="8549"/>
+                </a:lnTo>
+                <a:lnTo>
+                  <a:pt x="4861" y="8647"/>
+                </a:lnTo>
+                <a:lnTo>
+                  <a:pt x="4690" y="8696"/>
+                </a:lnTo>
+                <a:lnTo>
+                  <a:pt x="4519" y="8720"/>
+                </a:lnTo>
+                <a:lnTo>
+                  <a:pt x="4348" y="8696"/>
+                </a:lnTo>
+                <a:lnTo>
+                  <a:pt x="4177" y="8647"/>
+                </a:lnTo>
+                <a:lnTo>
+                  <a:pt x="4030" y="8549"/>
+                </a:lnTo>
+                <a:lnTo>
+                  <a:pt x="3884" y="8451"/>
+                </a:lnTo>
+                <a:lnTo>
+                  <a:pt x="3786" y="8305"/>
+                </a:lnTo>
+                <a:lnTo>
+                  <a:pt x="3713" y="8134"/>
+                </a:lnTo>
+                <a:lnTo>
+                  <a:pt x="3664" y="7963"/>
+                </a:lnTo>
+                <a:lnTo>
+                  <a:pt x="3640" y="7767"/>
+                </a:lnTo>
+                <a:lnTo>
+                  <a:pt x="3664" y="7572"/>
+                </a:lnTo>
+                <a:lnTo>
+                  <a:pt x="3713" y="7401"/>
+                </a:lnTo>
+                <a:lnTo>
+                  <a:pt x="3786" y="7230"/>
+                </a:lnTo>
+                <a:lnTo>
+                  <a:pt x="3884" y="7084"/>
+                </a:lnTo>
+                <a:lnTo>
+                  <a:pt x="4030" y="6986"/>
+                </a:lnTo>
+                <a:lnTo>
+                  <a:pt x="4177" y="6888"/>
+                </a:lnTo>
+                <a:lnTo>
+                  <a:pt x="4348" y="6839"/>
+                </a:lnTo>
+                <a:lnTo>
+                  <a:pt x="4519" y="6815"/>
+                </a:lnTo>
+                <a:close/>
+                <a:moveTo>
+                  <a:pt x="10771" y="6815"/>
+                </a:moveTo>
+                <a:lnTo>
+                  <a:pt x="10942" y="6839"/>
+                </a:lnTo>
+                <a:lnTo>
+                  <a:pt x="11113" y="6888"/>
+                </a:lnTo>
+                <a:lnTo>
+                  <a:pt x="11260" y="6986"/>
+                </a:lnTo>
+                <a:lnTo>
+                  <a:pt x="11406" y="7084"/>
+                </a:lnTo>
+                <a:lnTo>
+                  <a:pt x="11504" y="7230"/>
+                </a:lnTo>
+                <a:lnTo>
+                  <a:pt x="11577" y="7401"/>
+                </a:lnTo>
+                <a:lnTo>
+                  <a:pt x="11626" y="7572"/>
+                </a:lnTo>
+                <a:lnTo>
+                  <a:pt x="11650" y="7767"/>
+                </a:lnTo>
+                <a:lnTo>
+                  <a:pt x="11626" y="7963"/>
+                </a:lnTo>
+                <a:lnTo>
+                  <a:pt x="11577" y="8134"/>
+                </a:lnTo>
+                <a:lnTo>
+                  <a:pt x="11504" y="8305"/>
+                </a:lnTo>
+                <a:lnTo>
+                  <a:pt x="11406" y="8451"/>
+                </a:lnTo>
+                <a:lnTo>
+                  <a:pt x="11260" y="8549"/>
+                </a:lnTo>
+                <a:lnTo>
+                  <a:pt x="11113" y="8647"/>
+                </a:lnTo>
+                <a:lnTo>
+                  <a:pt x="10942" y="8696"/>
+                </a:lnTo>
+                <a:lnTo>
+                  <a:pt x="10771" y="8720"/>
+                </a:lnTo>
+                <a:lnTo>
+                  <a:pt x="10600" y="8696"/>
+                </a:lnTo>
+                <a:lnTo>
+                  <a:pt x="10429" y="8647"/>
+                </a:lnTo>
+                <a:lnTo>
+                  <a:pt x="10283" y="8549"/>
+                </a:lnTo>
+                <a:lnTo>
+                  <a:pt x="10136" y="8451"/>
+                </a:lnTo>
+                <a:lnTo>
+                  <a:pt x="10038" y="8305"/>
+                </a:lnTo>
+                <a:lnTo>
+                  <a:pt x="9965" y="8134"/>
+                </a:lnTo>
+                <a:lnTo>
+                  <a:pt x="9916" y="7963"/>
+                </a:lnTo>
+                <a:lnTo>
+                  <a:pt x="9892" y="7767"/>
+                </a:lnTo>
+                <a:lnTo>
+                  <a:pt x="9916" y="7572"/>
+                </a:lnTo>
+                <a:lnTo>
+                  <a:pt x="9965" y="7401"/>
+                </a:lnTo>
+                <a:lnTo>
+                  <a:pt x="10038" y="7230"/>
+                </a:lnTo>
+                <a:lnTo>
+                  <a:pt x="10136" y="7084"/>
+                </a:lnTo>
+                <a:lnTo>
+                  <a:pt x="10283" y="6986"/>
+                </a:lnTo>
+                <a:lnTo>
+                  <a:pt x="10429" y="6888"/>
+                </a:lnTo>
+                <a:lnTo>
+                  <a:pt x="10600" y="6839"/>
+                </a:lnTo>
+                <a:lnTo>
+                  <a:pt x="10771" y="6815"/>
+                </a:lnTo>
+                <a:close/>
+                <a:moveTo>
+                  <a:pt x="11308" y="10210"/>
+                </a:moveTo>
+                <a:lnTo>
+                  <a:pt x="11406" y="10234"/>
+                </a:lnTo>
+                <a:lnTo>
+                  <a:pt x="11479" y="10259"/>
+                </a:lnTo>
+                <a:lnTo>
+                  <a:pt x="11577" y="10307"/>
+                </a:lnTo>
+                <a:lnTo>
+                  <a:pt x="11650" y="10356"/>
+                </a:lnTo>
+                <a:lnTo>
+                  <a:pt x="11699" y="10430"/>
+                </a:lnTo>
+                <a:lnTo>
+                  <a:pt x="11748" y="10527"/>
+                </a:lnTo>
+                <a:lnTo>
+                  <a:pt x="11772" y="10625"/>
+                </a:lnTo>
+                <a:lnTo>
+                  <a:pt x="11797" y="10698"/>
+                </a:lnTo>
+                <a:lnTo>
+                  <a:pt x="11772" y="10796"/>
+                </a:lnTo>
+                <a:lnTo>
+                  <a:pt x="11748" y="10894"/>
+                </a:lnTo>
+                <a:lnTo>
+                  <a:pt x="11699" y="10967"/>
+                </a:lnTo>
+                <a:lnTo>
+                  <a:pt x="11650" y="11065"/>
+                </a:lnTo>
+                <a:lnTo>
+                  <a:pt x="11235" y="11431"/>
+                </a:lnTo>
+                <a:lnTo>
+                  <a:pt x="10795" y="11773"/>
+                </a:lnTo>
+                <a:lnTo>
+                  <a:pt x="10307" y="12041"/>
+                </a:lnTo>
+                <a:lnTo>
+                  <a:pt x="9819" y="12286"/>
+                </a:lnTo>
+                <a:lnTo>
+                  <a:pt x="9281" y="12457"/>
+                </a:lnTo>
+                <a:lnTo>
+                  <a:pt x="8768" y="12603"/>
+                </a:lnTo>
+                <a:lnTo>
+                  <a:pt x="8207" y="12676"/>
+                </a:lnTo>
+                <a:lnTo>
+                  <a:pt x="7645" y="12701"/>
+                </a:lnTo>
+                <a:lnTo>
+                  <a:pt x="7083" y="12676"/>
+                </a:lnTo>
+                <a:lnTo>
+                  <a:pt x="6521" y="12603"/>
+                </a:lnTo>
+                <a:lnTo>
+                  <a:pt x="6009" y="12457"/>
+                </a:lnTo>
+                <a:lnTo>
+                  <a:pt x="5471" y="12286"/>
+                </a:lnTo>
+                <a:lnTo>
+                  <a:pt x="4983" y="12041"/>
+                </a:lnTo>
+                <a:lnTo>
+                  <a:pt x="4494" y="11773"/>
+                </a:lnTo>
+                <a:lnTo>
+                  <a:pt x="4055" y="11431"/>
+                </a:lnTo>
+                <a:lnTo>
+                  <a:pt x="3640" y="11065"/>
+                </a:lnTo>
+                <a:lnTo>
+                  <a:pt x="3591" y="10967"/>
+                </a:lnTo>
+                <a:lnTo>
+                  <a:pt x="3542" y="10894"/>
+                </a:lnTo>
+                <a:lnTo>
+                  <a:pt x="3517" y="10796"/>
+                </a:lnTo>
+                <a:lnTo>
+                  <a:pt x="3493" y="10698"/>
+                </a:lnTo>
+                <a:lnTo>
+                  <a:pt x="3517" y="10625"/>
+                </a:lnTo>
+                <a:lnTo>
+                  <a:pt x="3542" y="10527"/>
+                </a:lnTo>
+                <a:lnTo>
+                  <a:pt x="3591" y="10430"/>
+                </a:lnTo>
+                <a:lnTo>
+                  <a:pt x="3640" y="10356"/>
+                </a:lnTo>
+                <a:lnTo>
+                  <a:pt x="3713" y="10307"/>
+                </a:lnTo>
+                <a:lnTo>
+                  <a:pt x="3811" y="10259"/>
+                </a:lnTo>
+                <a:lnTo>
+                  <a:pt x="3884" y="10234"/>
+                </a:lnTo>
+                <a:lnTo>
+                  <a:pt x="3981" y="10210"/>
+                </a:lnTo>
+                <a:lnTo>
+                  <a:pt x="4079" y="10234"/>
+                </a:lnTo>
+                <a:lnTo>
+                  <a:pt x="4177" y="10259"/>
+                </a:lnTo>
+                <a:lnTo>
+                  <a:pt x="4250" y="10307"/>
+                </a:lnTo>
+                <a:lnTo>
+                  <a:pt x="4323" y="10356"/>
+                </a:lnTo>
+                <a:lnTo>
+                  <a:pt x="4690" y="10674"/>
+                </a:lnTo>
+                <a:lnTo>
+                  <a:pt x="5056" y="10942"/>
+                </a:lnTo>
+                <a:lnTo>
+                  <a:pt x="5447" y="11187"/>
+                </a:lnTo>
+                <a:lnTo>
+                  <a:pt x="5862" y="11382"/>
+                </a:lnTo>
+                <a:lnTo>
+                  <a:pt x="6277" y="11529"/>
+                </a:lnTo>
+                <a:lnTo>
+                  <a:pt x="6717" y="11651"/>
+                </a:lnTo>
+                <a:lnTo>
+                  <a:pt x="7181" y="11700"/>
+                </a:lnTo>
+                <a:lnTo>
+                  <a:pt x="7645" y="11724"/>
+                </a:lnTo>
+                <a:lnTo>
+                  <a:pt x="8109" y="11700"/>
+                </a:lnTo>
+                <a:lnTo>
+                  <a:pt x="8573" y="11651"/>
+                </a:lnTo>
+                <a:lnTo>
+                  <a:pt x="9013" y="11529"/>
+                </a:lnTo>
+                <a:lnTo>
+                  <a:pt x="9428" y="11382"/>
+                </a:lnTo>
+                <a:lnTo>
+                  <a:pt x="9843" y="11187"/>
+                </a:lnTo>
+                <a:lnTo>
+                  <a:pt x="10234" y="10942"/>
+                </a:lnTo>
+                <a:lnTo>
+                  <a:pt x="10600" y="10674"/>
+                </a:lnTo>
+                <a:lnTo>
+                  <a:pt x="10966" y="10356"/>
+                </a:lnTo>
+                <a:lnTo>
+                  <a:pt x="11040" y="10307"/>
+                </a:lnTo>
+                <a:lnTo>
+                  <a:pt x="11113" y="10259"/>
+                </a:lnTo>
+                <a:lnTo>
+                  <a:pt x="11211" y="10234"/>
+                </a:lnTo>
+                <a:lnTo>
+                  <a:pt x="11308" y="10210"/>
+                </a:lnTo>
+                <a:close/>
+                <a:moveTo>
+                  <a:pt x="7254" y="1"/>
+                </a:moveTo>
+                <a:lnTo>
+                  <a:pt x="6863" y="50"/>
+                </a:lnTo>
+                <a:lnTo>
+                  <a:pt x="6473" y="99"/>
+                </a:lnTo>
+                <a:lnTo>
+                  <a:pt x="6106" y="147"/>
+                </a:lnTo>
+                <a:lnTo>
+                  <a:pt x="5740" y="245"/>
+                </a:lnTo>
+                <a:lnTo>
+                  <a:pt x="5374" y="343"/>
+                </a:lnTo>
+                <a:lnTo>
+                  <a:pt x="5007" y="465"/>
+                </a:lnTo>
+                <a:lnTo>
+                  <a:pt x="4665" y="611"/>
+                </a:lnTo>
+                <a:lnTo>
+                  <a:pt x="4323" y="758"/>
+                </a:lnTo>
+                <a:lnTo>
+                  <a:pt x="4006" y="929"/>
+                </a:lnTo>
+                <a:lnTo>
+                  <a:pt x="3688" y="1100"/>
+                </a:lnTo>
+                <a:lnTo>
+                  <a:pt x="3371" y="1295"/>
+                </a:lnTo>
+                <a:lnTo>
+                  <a:pt x="3078" y="1515"/>
+                </a:lnTo>
+                <a:lnTo>
+                  <a:pt x="2785" y="1735"/>
+                </a:lnTo>
+                <a:lnTo>
+                  <a:pt x="2516" y="1979"/>
+                </a:lnTo>
+                <a:lnTo>
+                  <a:pt x="2247" y="2248"/>
+                </a:lnTo>
+                <a:lnTo>
+                  <a:pt x="1979" y="2516"/>
+                </a:lnTo>
+                <a:lnTo>
+                  <a:pt x="1735" y="2785"/>
+                </a:lnTo>
+                <a:lnTo>
+                  <a:pt x="1515" y="3078"/>
+                </a:lnTo>
+                <a:lnTo>
+                  <a:pt x="1295" y="3371"/>
+                </a:lnTo>
+                <a:lnTo>
+                  <a:pt x="1100" y="3689"/>
+                </a:lnTo>
+                <a:lnTo>
+                  <a:pt x="929" y="4006"/>
+                </a:lnTo>
+                <a:lnTo>
+                  <a:pt x="758" y="4324"/>
+                </a:lnTo>
+                <a:lnTo>
+                  <a:pt x="611" y="4666"/>
+                </a:lnTo>
+                <a:lnTo>
+                  <a:pt x="465" y="5008"/>
+                </a:lnTo>
+                <a:lnTo>
+                  <a:pt x="342" y="5374"/>
+                </a:lnTo>
+                <a:lnTo>
+                  <a:pt x="245" y="5740"/>
+                </a:lnTo>
+                <a:lnTo>
+                  <a:pt x="147" y="6107"/>
+                </a:lnTo>
+                <a:lnTo>
+                  <a:pt x="98" y="6473"/>
+                </a:lnTo>
+                <a:lnTo>
+                  <a:pt x="49" y="6864"/>
+                </a:lnTo>
+                <a:lnTo>
+                  <a:pt x="1" y="7255"/>
+                </a:lnTo>
+                <a:lnTo>
+                  <a:pt x="1" y="7645"/>
+                </a:lnTo>
+                <a:lnTo>
+                  <a:pt x="1" y="8036"/>
+                </a:lnTo>
+                <a:lnTo>
+                  <a:pt x="49" y="8427"/>
+                </a:lnTo>
+                <a:lnTo>
+                  <a:pt x="98" y="8818"/>
+                </a:lnTo>
+                <a:lnTo>
+                  <a:pt x="147" y="9184"/>
+                </a:lnTo>
+                <a:lnTo>
+                  <a:pt x="245" y="9550"/>
+                </a:lnTo>
+                <a:lnTo>
+                  <a:pt x="342" y="9917"/>
+                </a:lnTo>
+                <a:lnTo>
+                  <a:pt x="465" y="10283"/>
+                </a:lnTo>
+                <a:lnTo>
+                  <a:pt x="611" y="10625"/>
+                </a:lnTo>
+                <a:lnTo>
+                  <a:pt x="758" y="10967"/>
+                </a:lnTo>
+                <a:lnTo>
+                  <a:pt x="929" y="11284"/>
+                </a:lnTo>
+                <a:lnTo>
+                  <a:pt x="1100" y="11602"/>
+                </a:lnTo>
+                <a:lnTo>
+                  <a:pt x="1295" y="11919"/>
+                </a:lnTo>
+                <a:lnTo>
+                  <a:pt x="1515" y="12212"/>
+                </a:lnTo>
+                <a:lnTo>
+                  <a:pt x="1735" y="12506"/>
+                </a:lnTo>
+                <a:lnTo>
+                  <a:pt x="1979" y="12774"/>
+                </a:lnTo>
+                <a:lnTo>
+                  <a:pt x="2247" y="13043"/>
+                </a:lnTo>
+                <a:lnTo>
+                  <a:pt x="2516" y="13311"/>
+                </a:lnTo>
+                <a:lnTo>
+                  <a:pt x="2785" y="13556"/>
+                </a:lnTo>
+                <a:lnTo>
+                  <a:pt x="3078" y="13776"/>
+                </a:lnTo>
+                <a:lnTo>
+                  <a:pt x="3371" y="13995"/>
+                </a:lnTo>
+                <a:lnTo>
+                  <a:pt x="3688" y="14191"/>
+                </a:lnTo>
+                <a:lnTo>
+                  <a:pt x="4006" y="14362"/>
+                </a:lnTo>
+                <a:lnTo>
+                  <a:pt x="4323" y="14533"/>
+                </a:lnTo>
+                <a:lnTo>
+                  <a:pt x="4665" y="14679"/>
+                </a:lnTo>
+                <a:lnTo>
+                  <a:pt x="5007" y="14826"/>
+                </a:lnTo>
+                <a:lnTo>
+                  <a:pt x="5374" y="14948"/>
+                </a:lnTo>
+                <a:lnTo>
+                  <a:pt x="5740" y="15046"/>
+                </a:lnTo>
+                <a:lnTo>
+                  <a:pt x="6106" y="15143"/>
+                </a:lnTo>
+                <a:lnTo>
+                  <a:pt x="6473" y="15192"/>
+                </a:lnTo>
+                <a:lnTo>
+                  <a:pt x="6863" y="15241"/>
+                </a:lnTo>
+                <a:lnTo>
+                  <a:pt x="7254" y="15290"/>
+                </a:lnTo>
+                <a:lnTo>
+                  <a:pt x="8036" y="15290"/>
+                </a:lnTo>
+                <a:lnTo>
+                  <a:pt x="8426" y="15241"/>
+                </a:lnTo>
+                <a:lnTo>
+                  <a:pt x="8817" y="15192"/>
+                </a:lnTo>
+                <a:lnTo>
+                  <a:pt x="9184" y="15143"/>
+                </a:lnTo>
+                <a:lnTo>
+                  <a:pt x="9550" y="15046"/>
+                </a:lnTo>
+                <a:lnTo>
+                  <a:pt x="9916" y="14948"/>
+                </a:lnTo>
+                <a:lnTo>
+                  <a:pt x="10283" y="14826"/>
+                </a:lnTo>
+                <a:lnTo>
+                  <a:pt x="10625" y="14679"/>
+                </a:lnTo>
+                <a:lnTo>
+                  <a:pt x="10966" y="14533"/>
+                </a:lnTo>
+                <a:lnTo>
+                  <a:pt x="11284" y="14362"/>
+                </a:lnTo>
+                <a:lnTo>
+                  <a:pt x="11601" y="14191"/>
+                </a:lnTo>
+                <a:lnTo>
+                  <a:pt x="11919" y="13995"/>
+                </a:lnTo>
+                <a:lnTo>
+                  <a:pt x="12212" y="13776"/>
+                </a:lnTo>
+                <a:lnTo>
+                  <a:pt x="12505" y="13556"/>
+                </a:lnTo>
+                <a:lnTo>
+                  <a:pt x="12774" y="13311"/>
+                </a:lnTo>
+                <a:lnTo>
+                  <a:pt x="13042" y="13043"/>
+                </a:lnTo>
+                <a:lnTo>
+                  <a:pt x="13311" y="12774"/>
+                </a:lnTo>
+                <a:lnTo>
+                  <a:pt x="13555" y="12506"/>
+                </a:lnTo>
+                <a:lnTo>
+                  <a:pt x="13775" y="12212"/>
+                </a:lnTo>
+                <a:lnTo>
+                  <a:pt x="13995" y="11919"/>
+                </a:lnTo>
+                <a:lnTo>
+                  <a:pt x="14190" y="11602"/>
+                </a:lnTo>
+                <a:lnTo>
+                  <a:pt x="14361" y="11284"/>
+                </a:lnTo>
+                <a:lnTo>
+                  <a:pt x="14532" y="10967"/>
+                </a:lnTo>
+                <a:lnTo>
+                  <a:pt x="14679" y="10625"/>
+                </a:lnTo>
+                <a:lnTo>
+                  <a:pt x="14825" y="10283"/>
+                </a:lnTo>
+                <a:lnTo>
+                  <a:pt x="14947" y="9917"/>
+                </a:lnTo>
+                <a:lnTo>
+                  <a:pt x="15045" y="9550"/>
+                </a:lnTo>
+                <a:lnTo>
+                  <a:pt x="15143" y="9184"/>
+                </a:lnTo>
+                <a:lnTo>
+                  <a:pt x="15192" y="8818"/>
+                </a:lnTo>
+                <a:lnTo>
+                  <a:pt x="15240" y="8427"/>
+                </a:lnTo>
+                <a:lnTo>
+                  <a:pt x="15289" y="8036"/>
+                </a:lnTo>
+                <a:lnTo>
+                  <a:pt x="15289" y="7645"/>
+                </a:lnTo>
+                <a:lnTo>
+                  <a:pt x="15289" y="7255"/>
+                </a:lnTo>
+                <a:lnTo>
+                  <a:pt x="15240" y="6864"/>
+                </a:lnTo>
+                <a:lnTo>
+                  <a:pt x="15192" y="6473"/>
+                </a:lnTo>
+                <a:lnTo>
+                  <a:pt x="15143" y="6107"/>
+                </a:lnTo>
+                <a:lnTo>
+                  <a:pt x="15045" y="5740"/>
+                </a:lnTo>
+                <a:lnTo>
+                  <a:pt x="14947" y="5374"/>
+                </a:lnTo>
+                <a:lnTo>
+                  <a:pt x="14825" y="5008"/>
+                </a:lnTo>
+                <a:lnTo>
+                  <a:pt x="14679" y="4666"/>
+                </a:lnTo>
+                <a:lnTo>
+                  <a:pt x="14532" y="4324"/>
+                </a:lnTo>
+                <a:lnTo>
+                  <a:pt x="14361" y="4006"/>
+                </a:lnTo>
+                <a:lnTo>
+                  <a:pt x="14190" y="3689"/>
+                </a:lnTo>
+                <a:lnTo>
+                  <a:pt x="13995" y="3371"/>
+                </a:lnTo>
+                <a:lnTo>
+                  <a:pt x="13775" y="3078"/>
+                </a:lnTo>
+                <a:lnTo>
+                  <a:pt x="13555" y="2785"/>
+                </a:lnTo>
+                <a:lnTo>
+                  <a:pt x="13311" y="2516"/>
+                </a:lnTo>
+                <a:lnTo>
+                  <a:pt x="13042" y="2248"/>
+                </a:lnTo>
+                <a:lnTo>
+                  <a:pt x="12774" y="1979"/>
+                </a:lnTo>
+                <a:lnTo>
+                  <a:pt x="12505" y="1735"/>
+                </a:lnTo>
+                <a:lnTo>
+                  <a:pt x="12212" y="1515"/>
+                </a:lnTo>
+                <a:lnTo>
+                  <a:pt x="11919" y="1295"/>
+                </a:lnTo>
+                <a:lnTo>
+                  <a:pt x="11601" y="1100"/>
+                </a:lnTo>
+                <a:lnTo>
+                  <a:pt x="11284" y="929"/>
+                </a:lnTo>
+                <a:lnTo>
+                  <a:pt x="10966" y="758"/>
+                </a:lnTo>
+                <a:lnTo>
+                  <a:pt x="10625" y="611"/>
+                </a:lnTo>
+                <a:lnTo>
+                  <a:pt x="10283" y="465"/>
+                </a:lnTo>
+                <a:lnTo>
+                  <a:pt x="9916" y="343"/>
+                </a:lnTo>
+                <a:lnTo>
+                  <a:pt x="9550" y="245"/>
+                </a:lnTo>
+                <a:lnTo>
+                  <a:pt x="9184" y="147"/>
+                </a:lnTo>
+                <a:lnTo>
+                  <a:pt x="8817" y="99"/>
+                </a:lnTo>
+                <a:lnTo>
+                  <a:pt x="8426" y="50"/>
+                </a:lnTo>
+                <a:lnTo>
+                  <a:pt x="8036" y="1"/>
+                </a:lnTo>
+                <a:close/>
+              </a:path>
+            </a:pathLst>
+          </a:custGeom>
+          <a:solidFill>
+            <a:srgbClr val="FFFFFF"/>
+          </a:solidFill>
+          <a:ln>
+            <a:noFill/>
+          </a:ln>
+        </p:spPr>
+        <p:txBody>
+          <a:bodyPr spcFirstLastPara="1" wrap="square" lIns="91425" tIns="91425" rIns="91425" bIns="91425" anchor="ctr" anchorCtr="0">
+            <a:noAutofit/>
+          </a:bodyPr>
+          <a:lstStyle/>
+          <a:p>
+            <a:pPr marL="0" lvl="0" indent="0">
+              <a:spcBef>
+                <a:spcPts val="0"/>
+              </a:spcBef>
+              <a:spcAft>
+                <a:spcPts val="0"/>
+              </a:spcAft>
+              <a:buNone/>
+            </a:pPr>
+            <a:endParaRPr/>
+          </a:p>
+        </p:txBody>
+      </p:sp>
+      <p:pic>
+        <p:nvPicPr>
+          <p:cNvPr id="6" name="Shape 402">
+            <a:extLst>
+              <a:ext uri="{FF2B5EF4-FFF2-40B4-BE49-F238E27FC236}">
+                <a16:creationId xmlns:a16="http://schemas.microsoft.com/office/drawing/2014/main" id="{B1DE4C56-DCC6-45DD-B503-0459463671AC}"/>
+              </a:ext>
+            </a:extLst>
+          </p:cNvPr>
+          <p:cNvPicPr preferRelativeResize="0"/>
+          <p:nvPr/>
+        </p:nvPicPr>
+        <p:blipFill>
+          <a:blip r:embed="rId7"/>
+          <a:stretch>
+            <a:fillRect/>
+          </a:stretch>
+        </p:blipFill>
+        <p:spPr>
+          <a:xfrm>
+            <a:off x="7479050" y="2930467"/>
+            <a:ext cx="902331" cy="902331"/>
+          </a:xfrm>
+          <a:prstGeom prst="hexagon">
+            <a:avLst>
+              <a:gd name="adj" fmla="val 28504"/>
+              <a:gd name="vf" fmla="val 115470"/>
+            </a:avLst>
+          </a:prstGeom>
+          <a:noFill/>
+          <a:ln>
+            <a:noFill/>
+          </a:ln>
+          <a:effectLst>
+            <a:outerShdw blurRad="57150" dist="19050" dir="5400000" algn="bl" rotWithShape="0">
+              <a:srgbClr val="000000">
+                <a:alpha val="50000"/>
+              </a:srgbClr>
+            </a:outerShdw>
+          </a:effectLst>
+        </p:spPr>
+      </p:pic>
+      <p:pic>
+        <p:nvPicPr>
+          <p:cNvPr id="7" name="Shape 402">
+            <a:extLst>
+              <a:ext uri="{FF2B5EF4-FFF2-40B4-BE49-F238E27FC236}">
+                <a16:creationId xmlns:a16="http://schemas.microsoft.com/office/drawing/2014/main" id="{A0845828-6F03-4AF6-B57C-A7FE6A9D455A}"/>
+              </a:ext>
+            </a:extLst>
+          </p:cNvPr>
+          <p:cNvPicPr preferRelativeResize="0"/>
+          <p:nvPr/>
+        </p:nvPicPr>
+        <p:blipFill>
+          <a:blip r:embed="rId8"/>
+          <a:stretch>
+            <a:fillRect/>
+          </a:stretch>
+        </p:blipFill>
+        <p:spPr>
+          <a:xfrm>
+            <a:off x="6244514" y="2925659"/>
+            <a:ext cx="902331" cy="902331"/>
+          </a:xfrm>
+          <a:prstGeom prst="hexagon">
+            <a:avLst>
+              <a:gd name="adj" fmla="val 28504"/>
+              <a:gd name="vf" fmla="val 115470"/>
+            </a:avLst>
+          </a:prstGeom>
+          <a:noFill/>
+          <a:ln>
+            <a:noFill/>
+          </a:ln>
+          <a:effectLst>
+            <a:outerShdw blurRad="57150" dist="19050" dir="5400000" algn="bl" rotWithShape="0">
+              <a:srgbClr val="000000">
+                <a:alpha val="50000"/>
+              </a:srgbClr>
+            </a:outerShdw>
+          </a:effectLst>
+        </p:spPr>
+      </p:pic>
+      <p:pic>
+        <p:nvPicPr>
+          <p:cNvPr id="8" name="Shape 402">
+            <a:extLst>
+              <a:ext uri="{FF2B5EF4-FFF2-40B4-BE49-F238E27FC236}">
+                <a16:creationId xmlns:a16="http://schemas.microsoft.com/office/drawing/2014/main" id="{724DD41D-BD2F-4BAD-9380-6E3900EA9F3E}"/>
+              </a:ext>
+            </a:extLst>
+          </p:cNvPr>
+          <p:cNvPicPr preferRelativeResize="0"/>
+          <p:nvPr/>
+        </p:nvPicPr>
+        <p:blipFill>
+          <a:blip r:embed="rId9"/>
+          <a:stretch>
+            <a:fillRect/>
+          </a:stretch>
+        </p:blipFill>
+        <p:spPr>
+          <a:xfrm>
+            <a:off x="6209297" y="2120584"/>
+            <a:ext cx="902331" cy="902331"/>
+          </a:xfrm>
+          <a:prstGeom prst="hexagon">
+            <a:avLst>
+              <a:gd name="adj" fmla="val 28504"/>
+              <a:gd name="vf" fmla="val 115470"/>
+            </a:avLst>
+          </a:prstGeom>
+          <a:noFill/>
+          <a:ln>
+            <a:noFill/>
+          </a:ln>
+          <a:effectLst>
+            <a:outerShdw blurRad="57150" dist="19050" dir="5400000" algn="bl" rotWithShape="0">
+              <a:srgbClr val="000000">
+                <a:alpha val="50000"/>
+              </a:srgbClr>
+            </a:outerShdw>
+          </a:effectLst>
+        </p:spPr>
+      </p:pic>
+      <p:pic>
+        <p:nvPicPr>
+          <p:cNvPr id="9" name="Afbeelding 10" descr="Afbeelding met persoon, binnen, muur&#10;&#10;Beschrijving is gegenereerd met zeer hoge betrouwbaarheid">
+            <a:extLst>
+              <a:ext uri="{FF2B5EF4-FFF2-40B4-BE49-F238E27FC236}">
+                <a16:creationId xmlns:a16="http://schemas.microsoft.com/office/drawing/2014/main" id="{FBBE6CE8-8A09-4C8E-ADF1-BB1670F1904C}"/>
+              </a:ext>
+            </a:extLst>
+          </p:cNvPr>
+          <p:cNvPicPr>
+            <a:picLocks noChangeAspect="1"/>
+          </p:cNvPicPr>
+          <p:nvPr/>
+        </p:nvPicPr>
+        <p:blipFill rotWithShape="1">
+          <a:blip r:embed="rId10"/>
+          <a:srcRect t="10633" b="17221"/>
+          <a:stretch/>
+        </p:blipFill>
+        <p:spPr>
+          <a:xfrm>
+            <a:off x="7479049" y="2181759"/>
+            <a:ext cx="972766" cy="935758"/>
+          </a:xfrm>
+          <a:prstGeom prst="hexagon">
+            <a:avLst/>
+          </a:prstGeom>
+          <a:effectLst>
+            <a:softEdge rad="12700"/>
+          </a:effectLst>
+        </p:spPr>
+      </p:pic>
+      <p:pic>
+        <p:nvPicPr>
+          <p:cNvPr id="10" name="Afbeelding 12" descr="Afbeelding met persoon, muur, man, binnen&#10;&#10;Beschrijving is gegenereerd met zeer hoge betrouwbaarheid">
+            <a:extLst>
+              <a:ext uri="{FF2B5EF4-FFF2-40B4-BE49-F238E27FC236}">
+                <a16:creationId xmlns:a16="http://schemas.microsoft.com/office/drawing/2014/main" id="{6856DEFF-4497-4671-A00B-FDF494A4C778}"/>
+              </a:ext>
+            </a:extLst>
+          </p:cNvPr>
+          <p:cNvPicPr>
+            <a:picLocks noChangeAspect="1"/>
+          </p:cNvPicPr>
+          <p:nvPr/>
+        </p:nvPicPr>
+        <p:blipFill rotWithShape="1">
+          <a:blip r:embed="rId11"/>
+          <a:srcRect t="5017" b="22836"/>
+          <a:stretch/>
+        </p:blipFill>
+        <p:spPr>
+          <a:xfrm>
+            <a:off x="6855117" y="2542690"/>
+            <a:ext cx="902332" cy="868002"/>
+          </a:xfrm>
+          <a:prstGeom prst="hexagon">
+            <a:avLst/>
+          </a:prstGeom>
+          <a:effectLst>
+            <a:softEdge rad="12700"/>
+          </a:effectLst>
+        </p:spPr>
+      </p:pic>
+      <p:pic>
+        <p:nvPicPr>
+          <p:cNvPr id="11" name="Afbeelding 14" descr="Afbeelding met persoon, muur, man, binnen&#10;&#10;Beschrijving is gegenereerd met zeer hoge betrouwbaarheid">
+            <a:extLst>
+              <a:ext uri="{FF2B5EF4-FFF2-40B4-BE49-F238E27FC236}">
+                <a16:creationId xmlns:a16="http://schemas.microsoft.com/office/drawing/2014/main" id="{2C19152B-8621-415D-9519-60DB2ECD4D0F}"/>
+              </a:ext>
+            </a:extLst>
+          </p:cNvPr>
+          <p:cNvPicPr>
+            <a:picLocks noChangeAspect="1"/>
+          </p:cNvPicPr>
+          <p:nvPr/>
+        </p:nvPicPr>
+        <p:blipFill rotWithShape="1">
+          <a:blip r:embed="rId12"/>
+          <a:srcRect t="9674" b="18179"/>
+          <a:stretch/>
+        </p:blipFill>
+        <p:spPr>
+          <a:xfrm>
+            <a:off x="6829019" y="1724230"/>
+            <a:ext cx="910780" cy="876130"/>
+          </a:xfrm>
+          <a:prstGeom prst="hexagon">
+            <a:avLst/>
+          </a:prstGeom>
+          <a:effectLst>
+            <a:softEdge rad="12700"/>
+          </a:effectLst>
+        </p:spPr>
+      </p:pic>
+    </p:spTree>
+    <p:extLst>
+      <p:ext uri="{BB962C8B-B14F-4D97-AF65-F5344CB8AC3E}">
+        <p14:creationId xmlns:p14="http://schemas.microsoft.com/office/powerpoint/2010/main" val="2374763266"/>
+      </p:ext>
+    </p:extLst>
+  </p:cSld>
+  <p:clrMapOvr>
+    <a:masterClrMapping/>
+  </p:clrMapOvr>
+</p:sld>
+</file>
+
 <file path=ppt/slides/slide2.xml><?xml version="1.0" encoding="utf-8"?>
 <p:sld xmlns:a="http://schemas.openxmlformats.org/drawingml/2006/main" xmlns:r="http://schemas.openxmlformats.org/officeDocument/2006/relationships" xmlns:p="http://schemas.openxmlformats.org/presentationml/2006/main">
   <p:cSld>
@@ -28553,6 +32825,45 @@
           </a:p>
         </p:txBody>
       </p:sp>
+      <p:sp>
+        <p:nvSpPr>
+          <p:cNvPr id="2" name="TextBox 1">
+            <a:extLst>
+              <a:ext uri="{FF2B5EF4-FFF2-40B4-BE49-F238E27FC236}">
+                <a16:creationId xmlns:a16="http://schemas.microsoft.com/office/drawing/2014/main" id="{867616B6-0FA1-4AAE-96C7-0504F72452C3}"/>
+              </a:ext>
+            </a:extLst>
+          </p:cNvPr>
+          <p:cNvSpPr txBox="1"/>
+          <p:nvPr/>
+        </p:nvSpPr>
+        <p:spPr>
+          <a:xfrm>
+            <a:off x="344774" y="4542020"/>
+            <a:ext cx="1918741" cy="307777"/>
+          </a:xfrm>
+          <a:prstGeom prst="rect">
+            <a:avLst/>
+          </a:prstGeom>
+          <a:noFill/>
+        </p:spPr>
+        <p:txBody>
+          <a:bodyPr wrap="square" rtlCol="0">
+            <a:spAutoFit/>
+          </a:bodyPr>
+          <a:lstStyle/>
+          <a:p>
+            <a:r>
+              <a:rPr lang="nl-NL" b="1" dirty="0">
+                <a:solidFill>
+                  <a:srgbClr val="D9D9D9"/>
+                </a:solidFill>
+              </a:rPr>
+              <a:t>Team Flow</a:t>
+            </a:r>
+          </a:p>
+        </p:txBody>
+      </p:sp>
     </p:spTree>
   </p:cSld>
   <p:clrMapOvr>
@@ -28676,6 +32987,14 @@
             </a:pPr>
             <a:r>
               <a:rPr lang="nl-NL" dirty="0" err="1"/>
+              <a:t>Custom</a:t>
+            </a:r>
+            <a:r>
+              <a:rPr lang="nl-NL" dirty="0"/>
+              <a:t> </a:t>
+            </a:r>
+            <a:r>
+              <a:rPr lang="nl-NL" dirty="0" err="1"/>
               <a:t>Connectors</a:t>
             </a:r>
             <a:endParaRPr lang="nl-NL" dirty="0"/>
@@ -28702,7 +33021,7 @@
             </a:pPr>
             <a:r>
               <a:rPr lang="nl-NL" dirty="0"/>
-              <a:t>datastructuur</a:t>
+              <a:t>Datastructuur</a:t>
             </a:r>
           </a:p>
           <a:p>
@@ -28745,6 +33064,16 @@
               <a:buChar char="◇"/>
             </a:pPr>
             <a:r>
+              <a:rPr lang="en-GB" dirty="0" err="1"/>
+              <a:t>Omgeving</a:t>
+            </a:r>
+            <a:endParaRPr lang="en-GB" dirty="0"/>
+          </a:p>
+          <a:p>
+            <a:pPr lvl="1">
+              <a:buChar char="◇"/>
+            </a:pPr>
+            <a:r>
               <a:rPr lang="en-GB" dirty="0"/>
               <a:t>Stack</a:t>
             </a:r>
@@ -28757,6 +33086,23 @@
               <a:rPr lang="en-GB" dirty="0"/>
               <a:t>Deployment</a:t>
             </a:r>
+          </a:p>
+          <a:p>
+            <a:pPr marL="457200" lvl="0" indent="-317500" rtl="0">
+              <a:spcBef>
+                <a:spcPts val="0"/>
+              </a:spcBef>
+              <a:spcAft>
+                <a:spcPts val="0"/>
+              </a:spcAft>
+              <a:buSzPts val="1400"/>
+              <a:buChar char="◇"/>
+            </a:pPr>
+            <a:r>
+              <a:rPr lang="en-GB" dirty="0" err="1"/>
+              <a:t>Afsluiting</a:t>
+            </a:r>
+            <a:endParaRPr lang="en-GB" dirty="0"/>
           </a:p>
         </p:txBody>
       </p:sp>
@@ -28821,7 +33167,7 @@
             </a:pPr>
             <a:r>
               <a:rPr lang="nl-NL" dirty="0"/>
-              <a:t>Node-Red</a:t>
+              <a:t>Microsoft Flow</a:t>
             </a:r>
             <a:endParaRPr dirty="0"/>
           </a:p>
@@ -28862,16 +33208,8 @@
               <a:buNone/>
             </a:pPr>
             <a:r>
-              <a:rPr lang="nl-NL" dirty="0" err="1"/>
-              <a:t>Proof</a:t>
-            </a:r>
-            <a:r>
               <a:rPr lang="nl-NL" dirty="0"/>
-              <a:t> of concept bieden voor </a:t>
-            </a:r>
-            <a:r>
-              <a:rPr lang="nl-NL" dirty="0" err="1"/>
-              <a:t>CMStudio</a:t>
+              <a:t>CM services integreren in het Microsoft Flow Platform</a:t>
             </a:r>
             <a:endParaRPr dirty="0"/>
           </a:p>
@@ -28917,9 +33255,11 @@
                   <a:srgbClr val="FFFFFF"/>
                 </a:solidFill>
                 <a:latin typeface="Nixie One"/>
+                <a:ea typeface="Nixie One"/>
+                <a:cs typeface="Nixie One"/>
                 <a:sym typeface="Nixie One"/>
               </a:rPr>
-              <a:t>3</a:t>
+              <a:t>1</a:t>
             </a:r>
             <a:endParaRPr b="1" dirty="0">
               <a:solidFill>
@@ -28930,6 +33270,11 @@
         </p:txBody>
       </p:sp>
     </p:spTree>
+    <p:extLst>
+      <p:ext uri="{BB962C8B-B14F-4D97-AF65-F5344CB8AC3E}">
+        <p14:creationId xmlns:p14="http://schemas.microsoft.com/office/powerpoint/2010/main" val="534716467"/>
+      </p:ext>
+    </p:extLst>
   </p:cSld>
   <p:clrMapOvr>
     <a:masterClrMapping/>
@@ -28942,7 +33287,7 @@
   <p:cSld>
     <p:spTree>
       <p:nvGrpSpPr>
-        <p:cNvPr id="1" name="Shape 531"/>
+        <p:cNvPr id="1" name="Shape 360"/>
         <p:cNvGrpSpPr/>
         <p:nvPr/>
       </p:nvGrpSpPr>
@@ -28956,519 +33301,18 @@
       </p:grpSpPr>
       <p:sp>
         <p:nvSpPr>
-          <p:cNvPr id="532" name="Shape 532"/>
-          <p:cNvSpPr/>
-          <p:nvPr/>
-        </p:nvSpPr>
-        <p:spPr>
-          <a:xfrm>
-            <a:off x="3619500" y="358925"/>
-            <a:ext cx="4927316" cy="3835972"/>
-          </a:xfrm>
-          <a:custGeom>
-            <a:avLst/>
-            <a:gdLst/>
-            <a:ahLst/>
-            <a:cxnLst/>
-            <a:rect l="0" t="0" r="0" b="0"/>
-            <a:pathLst>
-              <a:path w="143434" h="111665" extrusionOk="0">
-                <a:moveTo>
-                  <a:pt x="71751" y="2308"/>
-                </a:moveTo>
-                <a:lnTo>
-                  <a:pt x="71887" y="2376"/>
-                </a:lnTo>
-                <a:lnTo>
-                  <a:pt x="72091" y="2444"/>
-                </a:lnTo>
-                <a:lnTo>
-                  <a:pt x="72159" y="2647"/>
-                </a:lnTo>
-                <a:lnTo>
-                  <a:pt x="72226" y="2783"/>
-                </a:lnTo>
-                <a:lnTo>
-                  <a:pt x="72159" y="2987"/>
-                </a:lnTo>
-                <a:lnTo>
-                  <a:pt x="72091" y="3190"/>
-                </a:lnTo>
-                <a:lnTo>
-                  <a:pt x="71887" y="3258"/>
-                </a:lnTo>
-                <a:lnTo>
-                  <a:pt x="71751" y="3326"/>
-                </a:lnTo>
-                <a:lnTo>
-                  <a:pt x="71548" y="3258"/>
-                </a:lnTo>
-                <a:lnTo>
-                  <a:pt x="71344" y="3190"/>
-                </a:lnTo>
-                <a:lnTo>
-                  <a:pt x="71276" y="2987"/>
-                </a:lnTo>
-                <a:lnTo>
-                  <a:pt x="71208" y="2783"/>
-                </a:lnTo>
-                <a:lnTo>
-                  <a:pt x="71276" y="2647"/>
-                </a:lnTo>
-                <a:lnTo>
-                  <a:pt x="71344" y="2444"/>
-                </a:lnTo>
-                <a:lnTo>
-                  <a:pt x="71548" y="2376"/>
-                </a:lnTo>
-                <a:lnTo>
-                  <a:pt x="71751" y="2308"/>
-                </a:lnTo>
-                <a:close/>
-                <a:moveTo>
-                  <a:pt x="137528" y="5906"/>
-                </a:moveTo>
-                <a:lnTo>
-                  <a:pt x="137596" y="5974"/>
-                </a:lnTo>
-                <a:lnTo>
-                  <a:pt x="137596" y="89604"/>
-                </a:lnTo>
-                <a:lnTo>
-                  <a:pt x="5906" y="89604"/>
-                </a:lnTo>
-                <a:lnTo>
-                  <a:pt x="5906" y="5974"/>
-                </a:lnTo>
-                <a:lnTo>
-                  <a:pt x="5906" y="5906"/>
-                </a:lnTo>
-                <a:close/>
-                <a:moveTo>
-                  <a:pt x="3530" y="0"/>
-                </a:moveTo>
-                <a:lnTo>
-                  <a:pt x="3191" y="68"/>
-                </a:lnTo>
-                <a:lnTo>
-                  <a:pt x="2444" y="339"/>
-                </a:lnTo>
-                <a:lnTo>
-                  <a:pt x="1766" y="679"/>
-                </a:lnTo>
-                <a:lnTo>
-                  <a:pt x="1155" y="1154"/>
-                </a:lnTo>
-                <a:lnTo>
-                  <a:pt x="679" y="1765"/>
-                </a:lnTo>
-                <a:lnTo>
-                  <a:pt x="272" y="2444"/>
-                </a:lnTo>
-                <a:lnTo>
-                  <a:pt x="69" y="3190"/>
-                </a:lnTo>
-                <a:lnTo>
-                  <a:pt x="1" y="3598"/>
-                </a:lnTo>
-                <a:lnTo>
-                  <a:pt x="1" y="4005"/>
-                </a:lnTo>
-                <a:lnTo>
-                  <a:pt x="1" y="91572"/>
-                </a:lnTo>
-                <a:lnTo>
-                  <a:pt x="1" y="91979"/>
-                </a:lnTo>
-                <a:lnTo>
-                  <a:pt x="69" y="92319"/>
-                </a:lnTo>
-                <a:lnTo>
-                  <a:pt x="272" y="93065"/>
-                </a:lnTo>
-                <a:lnTo>
-                  <a:pt x="679" y="93744"/>
-                </a:lnTo>
-                <a:lnTo>
-                  <a:pt x="1155" y="94355"/>
-                </a:lnTo>
-                <a:lnTo>
-                  <a:pt x="1766" y="94830"/>
-                </a:lnTo>
-                <a:lnTo>
-                  <a:pt x="2444" y="95238"/>
-                </a:lnTo>
-                <a:lnTo>
-                  <a:pt x="3191" y="95441"/>
-                </a:lnTo>
-                <a:lnTo>
-                  <a:pt x="3530" y="95509"/>
-                </a:lnTo>
-                <a:lnTo>
-                  <a:pt x="139904" y="95509"/>
-                </a:lnTo>
-                <a:lnTo>
-                  <a:pt x="140311" y="95441"/>
-                </a:lnTo>
-                <a:lnTo>
-                  <a:pt x="141058" y="95238"/>
-                </a:lnTo>
-                <a:lnTo>
-                  <a:pt x="141737" y="94830"/>
-                </a:lnTo>
-                <a:lnTo>
-                  <a:pt x="142280" y="94355"/>
-                </a:lnTo>
-                <a:lnTo>
-                  <a:pt x="142755" y="93744"/>
-                </a:lnTo>
-                <a:lnTo>
-                  <a:pt x="143162" y="93065"/>
-                </a:lnTo>
-                <a:lnTo>
-                  <a:pt x="143366" y="92319"/>
-                </a:lnTo>
-                <a:lnTo>
-                  <a:pt x="143434" y="91979"/>
-                </a:lnTo>
-                <a:lnTo>
-                  <a:pt x="143434" y="91572"/>
-                </a:lnTo>
-                <a:lnTo>
-                  <a:pt x="143434" y="4005"/>
-                </a:lnTo>
-                <a:lnTo>
-                  <a:pt x="143434" y="3598"/>
-                </a:lnTo>
-                <a:lnTo>
-                  <a:pt x="143366" y="3190"/>
-                </a:lnTo>
-                <a:lnTo>
-                  <a:pt x="143162" y="2444"/>
-                </a:lnTo>
-                <a:lnTo>
-                  <a:pt x="142755" y="1765"/>
-                </a:lnTo>
-                <a:lnTo>
-                  <a:pt x="142280" y="1154"/>
-                </a:lnTo>
-                <a:lnTo>
-                  <a:pt x="141737" y="679"/>
-                </a:lnTo>
-                <a:lnTo>
-                  <a:pt x="141058" y="339"/>
-                </a:lnTo>
-                <a:lnTo>
-                  <a:pt x="140311" y="68"/>
-                </a:lnTo>
-                <a:lnTo>
-                  <a:pt x="139904" y="0"/>
-                </a:lnTo>
-                <a:close/>
-                <a:moveTo>
-                  <a:pt x="55324" y="95713"/>
-                </a:moveTo>
-                <a:lnTo>
-                  <a:pt x="55052" y="98971"/>
-                </a:lnTo>
-                <a:lnTo>
-                  <a:pt x="54713" y="102297"/>
-                </a:lnTo>
-                <a:lnTo>
-                  <a:pt x="54374" y="105284"/>
-                </a:lnTo>
-                <a:lnTo>
-                  <a:pt x="53966" y="107388"/>
-                </a:lnTo>
-                <a:lnTo>
-                  <a:pt x="53763" y="108203"/>
-                </a:lnTo>
-                <a:lnTo>
-                  <a:pt x="53627" y="108746"/>
-                </a:lnTo>
-                <a:lnTo>
-                  <a:pt x="53423" y="109153"/>
-                </a:lnTo>
-                <a:lnTo>
-                  <a:pt x="53220" y="109357"/>
-                </a:lnTo>
-                <a:lnTo>
-                  <a:pt x="52677" y="109493"/>
-                </a:lnTo>
-                <a:lnTo>
-                  <a:pt x="51794" y="109696"/>
-                </a:lnTo>
-                <a:lnTo>
-                  <a:pt x="49690" y="110036"/>
-                </a:lnTo>
-                <a:lnTo>
-                  <a:pt x="48061" y="110307"/>
-                </a:lnTo>
-                <a:lnTo>
-                  <a:pt x="47450" y="110443"/>
-                </a:lnTo>
-                <a:lnTo>
-                  <a:pt x="47110" y="110511"/>
-                </a:lnTo>
-                <a:lnTo>
-                  <a:pt x="47042" y="110579"/>
-                </a:lnTo>
-                <a:lnTo>
-                  <a:pt x="47042" y="110783"/>
-                </a:lnTo>
-                <a:lnTo>
-                  <a:pt x="47110" y="110850"/>
-                </a:lnTo>
-                <a:lnTo>
-                  <a:pt x="47585" y="110918"/>
-                </a:lnTo>
-                <a:lnTo>
-                  <a:pt x="48400" y="110986"/>
-                </a:lnTo>
-                <a:lnTo>
-                  <a:pt x="51387" y="111054"/>
-                </a:lnTo>
-                <a:lnTo>
-                  <a:pt x="56071" y="111122"/>
-                </a:lnTo>
-                <a:lnTo>
-                  <a:pt x="87092" y="111122"/>
-                </a:lnTo>
-                <a:lnTo>
-                  <a:pt x="91708" y="111054"/>
-                </a:lnTo>
-                <a:lnTo>
-                  <a:pt x="94695" y="110986"/>
-                </a:lnTo>
-                <a:lnTo>
-                  <a:pt x="95578" y="110918"/>
-                </a:lnTo>
-                <a:lnTo>
-                  <a:pt x="96053" y="110850"/>
-                </a:lnTo>
-                <a:lnTo>
-                  <a:pt x="96121" y="110783"/>
-                </a:lnTo>
-                <a:lnTo>
-                  <a:pt x="96121" y="110579"/>
-                </a:lnTo>
-                <a:lnTo>
-                  <a:pt x="96053" y="110511"/>
-                </a:lnTo>
-                <a:lnTo>
-                  <a:pt x="95713" y="110443"/>
-                </a:lnTo>
-                <a:lnTo>
-                  <a:pt x="95102" y="110307"/>
-                </a:lnTo>
-                <a:lnTo>
-                  <a:pt x="93473" y="110036"/>
-                </a:lnTo>
-                <a:lnTo>
-                  <a:pt x="91369" y="109696"/>
-                </a:lnTo>
-                <a:lnTo>
-                  <a:pt x="90487" y="109493"/>
-                </a:lnTo>
-                <a:lnTo>
-                  <a:pt x="89943" y="109357"/>
-                </a:lnTo>
-                <a:lnTo>
-                  <a:pt x="89740" y="109153"/>
-                </a:lnTo>
-                <a:lnTo>
-                  <a:pt x="89536" y="108746"/>
-                </a:lnTo>
-                <a:lnTo>
-                  <a:pt x="89333" y="108203"/>
-                </a:lnTo>
-                <a:lnTo>
-                  <a:pt x="89197" y="107388"/>
-                </a:lnTo>
-                <a:lnTo>
-                  <a:pt x="88789" y="105284"/>
-                </a:lnTo>
-                <a:lnTo>
-                  <a:pt x="88382" y="102297"/>
-                </a:lnTo>
-                <a:lnTo>
-                  <a:pt x="88043" y="98971"/>
-                </a:lnTo>
-                <a:lnTo>
-                  <a:pt x="87839" y="95713"/>
-                </a:lnTo>
-                <a:close/>
-                <a:moveTo>
-                  <a:pt x="47450" y="111054"/>
-                </a:moveTo>
-                <a:lnTo>
-                  <a:pt x="47450" y="111122"/>
-                </a:lnTo>
-                <a:lnTo>
-                  <a:pt x="47450" y="111393"/>
-                </a:lnTo>
-                <a:lnTo>
-                  <a:pt x="47518" y="111461"/>
-                </a:lnTo>
-                <a:lnTo>
-                  <a:pt x="48807" y="111529"/>
-                </a:lnTo>
-                <a:lnTo>
-                  <a:pt x="52473" y="111597"/>
-                </a:lnTo>
-                <a:lnTo>
-                  <a:pt x="62384" y="111665"/>
-                </a:lnTo>
-                <a:lnTo>
-                  <a:pt x="80779" y="111665"/>
-                </a:lnTo>
-                <a:lnTo>
-                  <a:pt x="90622" y="111597"/>
-                </a:lnTo>
-                <a:lnTo>
-                  <a:pt x="94356" y="111529"/>
-                </a:lnTo>
-                <a:lnTo>
-                  <a:pt x="95646" y="111461"/>
-                </a:lnTo>
-                <a:lnTo>
-                  <a:pt x="95713" y="111393"/>
-                </a:lnTo>
-                <a:lnTo>
-                  <a:pt x="95713" y="111122"/>
-                </a:lnTo>
-                <a:lnTo>
-                  <a:pt x="95646" y="111054"/>
-                </a:lnTo>
-                <a:lnTo>
-                  <a:pt x="94084" y="111122"/>
-                </a:lnTo>
-                <a:lnTo>
-                  <a:pt x="91233" y="111190"/>
-                </a:lnTo>
-                <a:lnTo>
-                  <a:pt x="80847" y="111258"/>
-                </a:lnTo>
-                <a:lnTo>
-                  <a:pt x="62316" y="111258"/>
-                </a:lnTo>
-                <a:lnTo>
-                  <a:pt x="51930" y="111190"/>
-                </a:lnTo>
-                <a:lnTo>
-                  <a:pt x="49079" y="111122"/>
-                </a:lnTo>
-                <a:lnTo>
-                  <a:pt x="47518" y="111054"/>
-                </a:lnTo>
-                <a:close/>
-              </a:path>
-            </a:pathLst>
-          </a:custGeom>
-          <a:solidFill>
-            <a:srgbClr val="184769"/>
-          </a:solidFill>
-          <a:ln w="19050" cap="flat" cmpd="sng">
-            <a:solidFill>
-              <a:srgbClr val="19BBD5"/>
-            </a:solidFill>
-            <a:prstDash val="solid"/>
-            <a:round/>
-            <a:headEnd type="none" w="sm" len="sm"/>
-            <a:tailEnd type="none" w="sm" len="sm"/>
-          </a:ln>
-        </p:spPr>
-        <p:txBody>
-          <a:bodyPr spcFirstLastPara="1" wrap="square" lIns="91425" tIns="91425" rIns="91425" bIns="91425" anchor="ctr" anchorCtr="0">
-            <a:noAutofit/>
-          </a:bodyPr>
-          <a:lstStyle/>
-          <a:p>
-            <a:pPr marL="0" lvl="0" indent="0">
-              <a:spcBef>
-                <a:spcPts val="0"/>
-              </a:spcBef>
-              <a:spcAft>
-                <a:spcPts val="0"/>
-              </a:spcAft>
-              <a:buNone/>
-            </a:pPr>
-            <a:endParaRPr/>
-          </a:p>
-        </p:txBody>
-      </p:sp>
-      <p:sp>
-        <p:nvSpPr>
-          <p:cNvPr id="533" name="Shape 533"/>
-          <p:cNvSpPr/>
-          <p:nvPr/>
-        </p:nvSpPr>
-        <p:spPr>
-          <a:xfrm>
-            <a:off x="3825689" y="562629"/>
-            <a:ext cx="4515000" cy="2883300"/>
-          </a:xfrm>
-          <a:prstGeom prst="rect">
-            <a:avLst/>
-          </a:prstGeom>
-          <a:noFill/>
-          <a:ln>
-            <a:noFill/>
-          </a:ln>
-        </p:spPr>
-        <p:txBody>
-          <a:bodyPr spcFirstLastPara="1" wrap="square" lIns="91425" tIns="91425" rIns="91425" bIns="91425" anchor="ctr" anchorCtr="0">
-            <a:noAutofit/>
-          </a:bodyPr>
-          <a:lstStyle/>
-          <a:p>
-            <a:pPr marL="0" lvl="0" indent="0" algn="ctr" rtl="0">
-              <a:spcBef>
-                <a:spcPts val="0"/>
-              </a:spcBef>
-              <a:spcAft>
-                <a:spcPts val="0"/>
-              </a:spcAft>
-              <a:buNone/>
-            </a:pPr>
-            <a:r>
-              <a:rPr lang="en" sz="1000">
-                <a:solidFill>
-                  <a:srgbClr val="C6DAEC"/>
-                </a:solidFill>
-                <a:latin typeface="Muli"/>
-                <a:ea typeface="Muli"/>
-                <a:cs typeface="Muli"/>
-                <a:sym typeface="Muli"/>
-              </a:rPr>
-              <a:t>Place your screenshot here</a:t>
-            </a:r>
-            <a:endParaRPr sz="1000">
-              <a:solidFill>
-                <a:srgbClr val="C6DAEC"/>
-              </a:solidFill>
-              <a:latin typeface="Muli"/>
-              <a:ea typeface="Muli"/>
-              <a:cs typeface="Muli"/>
-              <a:sym typeface="Muli"/>
-            </a:endParaRPr>
-          </a:p>
-        </p:txBody>
-      </p:sp>
-      <p:sp>
-        <p:nvSpPr>
-          <p:cNvPr id="534" name="Shape 534"/>
+          <p:cNvPr id="361" name="Shape 361"/>
           <p:cNvSpPr txBox="1">
             <a:spLocks noGrp="1"/>
           </p:cNvSpPr>
           <p:nvPr>
-            <p:ph type="body" idx="4294967295"/>
+            <p:ph type="title"/>
           </p:nvPr>
         </p:nvSpPr>
         <p:spPr>
           <a:xfrm>
-            <a:off x="457200" y="1476375"/>
-            <a:ext cx="2838300" cy="2718600"/>
+            <a:off x="1732701" y="683133"/>
+            <a:ext cx="4944300" cy="645300"/>
           </a:xfrm>
           <a:prstGeom prst="rect">
             <a:avLst/>
@@ -29480,9 +33324,9 @@
           </a:bodyPr>
           <a:lstStyle/>
           <a:p>
-            <a:pPr marL="0" lvl="0" indent="0" rtl="0">
+            <a:pPr marL="0" lvl="0" indent="0">
               <a:spcBef>
-                <a:spcPts val="600"/>
+                <a:spcPts val="0"/>
               </a:spcBef>
               <a:spcAft>
                 <a:spcPts val="0"/>
@@ -29490,325 +33334,135 @@
               <a:buNone/>
             </a:pPr>
             <a:r>
-              <a:rPr lang="en-GB" b="1" dirty="0">
-                <a:solidFill>
-                  <a:srgbClr val="19BBD5"/>
-                </a:solidFill>
-              </a:rPr>
-              <a:t>Node-Red</a:t>
+              <a:rPr lang="en-GB" dirty="0"/>
+              <a:t>Flows</a:t>
             </a:r>
-            <a:endParaRPr b="1" dirty="0">
-              <a:solidFill>
-                <a:srgbClr val="19BBD5"/>
-              </a:solidFill>
-            </a:endParaRPr>
-          </a:p>
-          <a:p>
-            <a:pPr marL="0" lvl="0" indent="0" rtl="0">
-              <a:spcBef>
-                <a:spcPts val="600"/>
-              </a:spcBef>
-              <a:spcAft>
-                <a:spcPts val="0"/>
-              </a:spcAft>
-              <a:buNone/>
-            </a:pPr>
-            <a:r>
-              <a:rPr lang="nl-NL" sz="1800" dirty="0"/>
-              <a:t>Node-red is een flow builder waarin je acties achterelkaar kan hangen om een flow op te bouwen</a:t>
-            </a:r>
-            <a:endParaRPr sz="1800" dirty="0"/>
+            <a:endParaRPr dirty="0"/>
           </a:p>
         </p:txBody>
       </p:sp>
-      <p:grpSp>
-        <p:nvGrpSpPr>
-          <p:cNvPr id="535" name="Shape 535"/>
-          <p:cNvGrpSpPr/>
-          <p:nvPr/>
-        </p:nvGrpSpPr>
-        <p:grpSpPr>
+      <p:sp>
+        <p:nvSpPr>
+          <p:cNvPr id="362" name="Shape 362"/>
+          <p:cNvSpPr txBox="1">
+            <a:spLocks noGrp="1"/>
+          </p:cNvSpPr>
+          <p:nvPr>
+            <p:ph type="body" idx="1"/>
+          </p:nvPr>
+        </p:nvSpPr>
+        <p:spPr>
           <a:xfrm>
-            <a:off x="707161" y="503826"/>
-            <a:ext cx="318996" cy="307211"/>
-            <a:chOff x="2583325" y="2972875"/>
-            <a:chExt cx="462850" cy="445750"/>
+            <a:off x="1732701" y="1328433"/>
+            <a:ext cx="2740063" cy="2198188"/>
           </a:xfrm>
-        </p:grpSpPr>
-        <p:sp>
-          <p:nvSpPr>
-            <p:cNvPr id="536" name="Shape 536"/>
-            <p:cNvSpPr/>
-            <p:nvPr/>
-          </p:nvSpPr>
-          <p:spPr>
-            <a:xfrm>
-              <a:off x="2701775" y="3323350"/>
-              <a:ext cx="225950" cy="95275"/>
-            </a:xfrm>
-            <a:custGeom>
-              <a:avLst/>
-              <a:gdLst/>
-              <a:ahLst/>
-              <a:cxnLst/>
-              <a:rect l="0" t="0" r="0" b="0"/>
-              <a:pathLst>
-                <a:path w="9038" h="3811" extrusionOk="0">
-                  <a:moveTo>
-                    <a:pt x="2956" y="1"/>
-                  </a:moveTo>
-                  <a:lnTo>
-                    <a:pt x="2956" y="2956"/>
-                  </a:lnTo>
-                  <a:lnTo>
-                    <a:pt x="685" y="2956"/>
-                  </a:lnTo>
-                  <a:lnTo>
-                    <a:pt x="514" y="3005"/>
-                  </a:lnTo>
-                  <a:lnTo>
-                    <a:pt x="367" y="3103"/>
-                  </a:lnTo>
-                  <a:lnTo>
-                    <a:pt x="245" y="3200"/>
-                  </a:lnTo>
-                  <a:lnTo>
-                    <a:pt x="147" y="3322"/>
-                  </a:lnTo>
-                  <a:lnTo>
-                    <a:pt x="50" y="3469"/>
-                  </a:lnTo>
-                  <a:lnTo>
-                    <a:pt x="1" y="3640"/>
-                  </a:lnTo>
-                  <a:lnTo>
-                    <a:pt x="1" y="3811"/>
-                  </a:lnTo>
-                  <a:lnTo>
-                    <a:pt x="9037" y="3811"/>
-                  </a:lnTo>
-                  <a:lnTo>
-                    <a:pt x="9037" y="3640"/>
-                  </a:lnTo>
-                  <a:lnTo>
-                    <a:pt x="8988" y="3469"/>
-                  </a:lnTo>
-                  <a:lnTo>
-                    <a:pt x="8891" y="3322"/>
-                  </a:lnTo>
-                  <a:lnTo>
-                    <a:pt x="8793" y="3200"/>
-                  </a:lnTo>
-                  <a:lnTo>
-                    <a:pt x="8671" y="3103"/>
-                  </a:lnTo>
-                  <a:lnTo>
-                    <a:pt x="8524" y="3005"/>
-                  </a:lnTo>
-                  <a:lnTo>
-                    <a:pt x="8353" y="2956"/>
-                  </a:lnTo>
-                  <a:lnTo>
-                    <a:pt x="6082" y="2956"/>
-                  </a:lnTo>
-                  <a:lnTo>
-                    <a:pt x="6082" y="1"/>
-                  </a:lnTo>
-                  <a:close/>
-                </a:path>
-              </a:pathLst>
-            </a:custGeom>
-            <a:solidFill>
-              <a:srgbClr val="FFFFFF"/>
-            </a:solidFill>
-            <a:ln>
-              <a:noFill/>
-            </a:ln>
-          </p:spPr>
-          <p:txBody>
-            <a:bodyPr spcFirstLastPara="1" wrap="square" lIns="91425" tIns="91425" rIns="91425" bIns="91425" anchor="ctr" anchorCtr="0">
-              <a:noAutofit/>
-            </a:bodyPr>
-            <a:lstStyle/>
-            <a:p>
-              <a:pPr marL="0" lvl="0" indent="0">
-                <a:spcBef>
-                  <a:spcPts val="0"/>
-                </a:spcBef>
-                <a:spcAft>
-                  <a:spcPts val="0"/>
-                </a:spcAft>
-                <a:buNone/>
-              </a:pPr>
-              <a:endParaRPr/>
-            </a:p>
-          </p:txBody>
-        </p:sp>
-        <p:sp>
-          <p:nvSpPr>
-            <p:cNvPr id="537" name="Shape 537"/>
-            <p:cNvSpPr/>
-            <p:nvPr/>
-          </p:nvSpPr>
-          <p:spPr>
-            <a:xfrm>
-              <a:off x="2583325" y="2972875"/>
-              <a:ext cx="462850" cy="337075"/>
-            </a:xfrm>
-            <a:custGeom>
-              <a:avLst/>
-              <a:gdLst/>
-              <a:ahLst/>
-              <a:cxnLst/>
-              <a:rect l="0" t="0" r="0" b="0"/>
-              <a:pathLst>
-                <a:path w="18514" h="13483" extrusionOk="0">
-                  <a:moveTo>
-                    <a:pt x="17048" y="1466"/>
-                  </a:moveTo>
-                  <a:lnTo>
-                    <a:pt x="17048" y="12017"/>
-                  </a:lnTo>
-                  <a:lnTo>
-                    <a:pt x="1466" y="12017"/>
-                  </a:lnTo>
-                  <a:lnTo>
-                    <a:pt x="1466" y="1466"/>
-                  </a:lnTo>
-                  <a:close/>
-                  <a:moveTo>
-                    <a:pt x="391" y="1"/>
-                  </a:moveTo>
-                  <a:lnTo>
-                    <a:pt x="318" y="50"/>
-                  </a:lnTo>
-                  <a:lnTo>
-                    <a:pt x="220" y="74"/>
-                  </a:lnTo>
-                  <a:lnTo>
-                    <a:pt x="147" y="148"/>
-                  </a:lnTo>
-                  <a:lnTo>
-                    <a:pt x="98" y="221"/>
-                  </a:lnTo>
-                  <a:lnTo>
-                    <a:pt x="49" y="294"/>
-                  </a:lnTo>
-                  <a:lnTo>
-                    <a:pt x="25" y="392"/>
-                  </a:lnTo>
-                  <a:lnTo>
-                    <a:pt x="1" y="489"/>
-                  </a:lnTo>
-                  <a:lnTo>
-                    <a:pt x="1" y="12994"/>
-                  </a:lnTo>
-                  <a:lnTo>
-                    <a:pt x="25" y="13092"/>
-                  </a:lnTo>
-                  <a:lnTo>
-                    <a:pt x="49" y="13189"/>
-                  </a:lnTo>
-                  <a:lnTo>
-                    <a:pt x="98" y="13263"/>
-                  </a:lnTo>
-                  <a:lnTo>
-                    <a:pt x="147" y="13336"/>
-                  </a:lnTo>
-                  <a:lnTo>
-                    <a:pt x="220" y="13409"/>
-                  </a:lnTo>
-                  <a:lnTo>
-                    <a:pt x="318" y="13434"/>
-                  </a:lnTo>
-                  <a:lnTo>
-                    <a:pt x="391" y="13483"/>
-                  </a:lnTo>
-                  <a:lnTo>
-                    <a:pt x="18123" y="13483"/>
-                  </a:lnTo>
-                  <a:lnTo>
-                    <a:pt x="18196" y="13434"/>
-                  </a:lnTo>
-                  <a:lnTo>
-                    <a:pt x="18293" y="13409"/>
-                  </a:lnTo>
-                  <a:lnTo>
-                    <a:pt x="18367" y="13336"/>
-                  </a:lnTo>
-                  <a:lnTo>
-                    <a:pt x="18416" y="13263"/>
-                  </a:lnTo>
-                  <a:lnTo>
-                    <a:pt x="18464" y="13189"/>
-                  </a:lnTo>
-                  <a:lnTo>
-                    <a:pt x="18489" y="13092"/>
-                  </a:lnTo>
-                  <a:lnTo>
-                    <a:pt x="18513" y="12994"/>
-                  </a:lnTo>
-                  <a:lnTo>
-                    <a:pt x="18513" y="489"/>
-                  </a:lnTo>
-                  <a:lnTo>
-                    <a:pt x="18489" y="392"/>
-                  </a:lnTo>
-                  <a:lnTo>
-                    <a:pt x="18464" y="294"/>
-                  </a:lnTo>
-                  <a:lnTo>
-                    <a:pt x="18416" y="221"/>
-                  </a:lnTo>
-                  <a:lnTo>
-                    <a:pt x="18367" y="148"/>
-                  </a:lnTo>
-                  <a:lnTo>
-                    <a:pt x="18293" y="74"/>
-                  </a:lnTo>
-                  <a:lnTo>
-                    <a:pt x="18196" y="50"/>
-                  </a:lnTo>
-                  <a:lnTo>
-                    <a:pt x="18123" y="1"/>
-                  </a:lnTo>
-                  <a:close/>
-                </a:path>
-              </a:pathLst>
-            </a:custGeom>
-            <a:solidFill>
-              <a:srgbClr val="FFFFFF"/>
-            </a:solidFill>
-            <a:ln>
-              <a:noFill/>
-            </a:ln>
-          </p:spPr>
-          <p:txBody>
-            <a:bodyPr spcFirstLastPara="1" wrap="square" lIns="91425" tIns="91425" rIns="91425" bIns="91425" anchor="ctr" anchorCtr="0">
-              <a:noAutofit/>
-            </a:bodyPr>
-            <a:lstStyle/>
-            <a:p>
-              <a:pPr marL="0" lvl="0" indent="0">
-                <a:spcBef>
-                  <a:spcPts val="0"/>
-                </a:spcBef>
-                <a:spcAft>
-                  <a:spcPts val="0"/>
-                </a:spcAft>
-                <a:buNone/>
-              </a:pPr>
-              <a:endParaRPr/>
-            </a:p>
-          </p:txBody>
-        </p:sp>
-      </p:grpSp>
+          <a:prstGeom prst="rect">
+            <a:avLst/>
+          </a:prstGeom>
+        </p:spPr>
+        <p:txBody>
+          <a:bodyPr spcFirstLastPara="1" wrap="square" lIns="91425" tIns="91425" rIns="91425" bIns="91425" anchor="t" anchorCtr="0">
+            <a:noAutofit/>
+          </a:bodyPr>
+          <a:lstStyle/>
+          <a:p>
+            <a:pPr lvl="0">
+              <a:spcBef>
+                <a:spcPts val="0"/>
+              </a:spcBef>
+            </a:pPr>
+            <a:r>
+              <a:rPr lang="nl-NL" dirty="0"/>
+              <a:t>Connector</a:t>
+            </a:r>
+          </a:p>
+          <a:p>
+            <a:pPr lvl="1">
+              <a:buChar char="◇"/>
+            </a:pPr>
+            <a:r>
+              <a:rPr lang="nl-NL" dirty="0"/>
+              <a:t>Triggers</a:t>
+            </a:r>
+          </a:p>
+          <a:p>
+            <a:pPr lvl="1">
+              <a:buChar char="◇"/>
+            </a:pPr>
+            <a:r>
+              <a:rPr lang="nl-NL" dirty="0"/>
+              <a:t>Acties</a:t>
+            </a:r>
+          </a:p>
+          <a:p>
+            <a:pPr lvl="1">
+              <a:buChar char="◇"/>
+            </a:pPr>
+            <a:endParaRPr lang="nl-NL" dirty="0"/>
+          </a:p>
+          <a:p>
+            <a:pPr lvl="0">
+              <a:spcBef>
+                <a:spcPts val="0"/>
+              </a:spcBef>
+            </a:pPr>
+            <a:r>
+              <a:rPr lang="nl-NL" dirty="0"/>
+              <a:t>Cm.com Acties</a:t>
+            </a:r>
+          </a:p>
+          <a:p>
+            <a:pPr lvl="1">
+              <a:buChar char="◇"/>
+            </a:pPr>
+            <a:r>
+              <a:rPr lang="nl-NL" dirty="0" err="1"/>
+              <a:t>SendSms</a:t>
+            </a:r>
+            <a:endParaRPr lang="nl-NL" dirty="0"/>
+          </a:p>
+          <a:p>
+            <a:pPr lvl="1">
+              <a:buChar char="◇"/>
+            </a:pPr>
+            <a:r>
+              <a:rPr lang="nl-NL" dirty="0" err="1"/>
+              <a:t>TextToSpeech</a:t>
+            </a:r>
+            <a:endParaRPr lang="nl-NL" dirty="0"/>
+          </a:p>
+          <a:p>
+            <a:pPr lvl="1">
+              <a:buChar char="◇"/>
+            </a:pPr>
+            <a:r>
+              <a:rPr lang="nl-NL" dirty="0" err="1"/>
+              <a:t>Number</a:t>
+            </a:r>
+            <a:r>
+              <a:rPr lang="nl-NL" dirty="0"/>
+              <a:t> </a:t>
+            </a:r>
+            <a:r>
+              <a:rPr lang="nl-NL" dirty="0" err="1"/>
+              <a:t>validation</a:t>
+            </a:r>
+            <a:endParaRPr lang="nl-NL" dirty="0"/>
+          </a:p>
+          <a:p>
+            <a:pPr lvl="1">
+              <a:buChar char="◇"/>
+            </a:pPr>
+            <a:endParaRPr lang="nl-NL" dirty="0"/>
+          </a:p>
+        </p:txBody>
+      </p:sp>
       <p:pic>
         <p:nvPicPr>
-          <p:cNvPr id="2" name="Picture 1">
+          <p:cNvPr id="3" name="Afbeelding 2">
             <a:extLst>
               <a:ext uri="{FF2B5EF4-FFF2-40B4-BE49-F238E27FC236}">
-                <a16:creationId xmlns:a16="http://schemas.microsoft.com/office/drawing/2014/main" id="{5894FE0F-7BEF-494D-AF79-27A257309881}"/>
+                <a16:creationId xmlns:a16="http://schemas.microsoft.com/office/drawing/2014/main" id="{8FDD4EFE-DC7F-48DA-BCA6-2D9379CED6AA}"/>
               </a:ext>
             </a:extLst>
           </p:cNvPr>
@@ -29825,18 +33479,122 @@
         </p:blipFill>
         <p:spPr>
           <a:xfrm>
-            <a:off x="3822749" y="562629"/>
-            <a:ext cx="4515000" cy="2921084"/>
+            <a:off x="5361873" y="296379"/>
+            <a:ext cx="1713702" cy="3852563"/>
           </a:xfrm>
           <a:prstGeom prst="rect">
             <a:avLst/>
           </a:prstGeom>
         </p:spPr>
       </p:pic>
+      <p:pic>
+        <p:nvPicPr>
+          <p:cNvPr id="5" name="Afbeelding 4">
+            <a:extLst>
+              <a:ext uri="{FF2B5EF4-FFF2-40B4-BE49-F238E27FC236}">
+                <a16:creationId xmlns:a16="http://schemas.microsoft.com/office/drawing/2014/main" id="{1AB1A9E0-2124-4A76-AE17-51F2B98CD9AF}"/>
+              </a:ext>
+            </a:extLst>
+          </p:cNvPr>
+          <p:cNvPicPr>
+            <a:picLocks noChangeAspect="1"/>
+          </p:cNvPicPr>
+          <p:nvPr/>
+        </p:nvPicPr>
+        <p:blipFill>
+          <a:blip r:embed="rId4"/>
+          <a:stretch>
+            <a:fillRect/>
+          </a:stretch>
+        </p:blipFill>
+        <p:spPr>
+          <a:xfrm>
+            <a:off x="648887" y="3786823"/>
+            <a:ext cx="1999854" cy="770196"/>
+          </a:xfrm>
+          <a:prstGeom prst="rect">
+            <a:avLst/>
+          </a:prstGeom>
+        </p:spPr>
+      </p:pic>
+      <p:pic>
+        <p:nvPicPr>
+          <p:cNvPr id="7" name="Afbeelding 6">
+            <a:extLst>
+              <a:ext uri="{FF2B5EF4-FFF2-40B4-BE49-F238E27FC236}">
+                <a16:creationId xmlns:a16="http://schemas.microsoft.com/office/drawing/2014/main" id="{53397D22-35BC-419A-A695-7819FFACA622}"/>
+              </a:ext>
+            </a:extLst>
+          </p:cNvPr>
+          <p:cNvPicPr>
+            <a:picLocks noChangeAspect="1"/>
+          </p:cNvPicPr>
+          <p:nvPr/>
+        </p:nvPicPr>
+        <p:blipFill>
+          <a:blip r:embed="rId5"/>
+          <a:stretch>
+            <a:fillRect/>
+          </a:stretch>
+        </p:blipFill>
+        <p:spPr>
+          <a:xfrm>
+            <a:off x="3277892" y="3627947"/>
+            <a:ext cx="2083981" cy="1041991"/>
+          </a:xfrm>
+          <a:prstGeom prst="rect">
+            <a:avLst/>
+          </a:prstGeom>
+        </p:spPr>
+      </p:pic>
+      <p:sp>
+        <p:nvSpPr>
+          <p:cNvPr id="8" name="Pijl: rechts 7">
+            <a:extLst>
+              <a:ext uri="{FF2B5EF4-FFF2-40B4-BE49-F238E27FC236}">
+                <a16:creationId xmlns:a16="http://schemas.microsoft.com/office/drawing/2014/main" id="{5243CC13-2593-42BE-B42E-7E892517224A}"/>
+              </a:ext>
+            </a:extLst>
+          </p:cNvPr>
+          <p:cNvSpPr/>
+          <p:nvPr/>
+        </p:nvSpPr>
+        <p:spPr>
+          <a:xfrm>
+            <a:off x="2824236" y="3897305"/>
+            <a:ext cx="907311" cy="503274"/>
+          </a:xfrm>
+          <a:prstGeom prst="rightArrow">
+            <a:avLst/>
+          </a:prstGeom>
+        </p:spPr>
+        <p:style>
+          <a:lnRef idx="2">
+            <a:schemeClr val="accent1"/>
+          </a:lnRef>
+          <a:fillRef idx="1">
+            <a:schemeClr val="lt1"/>
+          </a:fillRef>
+          <a:effectRef idx="0">
+            <a:schemeClr val="accent1"/>
+          </a:effectRef>
+          <a:fontRef idx="minor">
+            <a:schemeClr val="dk1"/>
+          </a:fontRef>
+        </p:style>
+        <p:txBody>
+          <a:bodyPr rtlCol="0" anchor="ctr"/>
+          <a:lstStyle/>
+          <a:p>
+            <a:pPr algn="ctr"/>
+            <a:endParaRPr lang="en-GB"/>
+          </a:p>
+        </p:txBody>
+      </p:sp>
     </p:spTree>
     <p:extLst>
       <p:ext uri="{BB962C8B-B14F-4D97-AF65-F5344CB8AC3E}">
-        <p14:creationId xmlns:p14="http://schemas.microsoft.com/office/powerpoint/2010/main" val="2721656667"/>
+        <p14:creationId xmlns:p14="http://schemas.microsoft.com/office/powerpoint/2010/main" val="3378659789"/>
       </p:ext>
     </p:extLst>
   </p:cSld>
@@ -29875,7 +33633,7 @@
         </p:nvSpPr>
         <p:spPr>
           <a:xfrm>
-            <a:off x="2099850" y="857500"/>
+            <a:off x="1732701" y="683133"/>
             <a:ext cx="4944300" cy="645300"/>
           </a:xfrm>
           <a:prstGeom prst="rect">
@@ -29898,19 +33656,623 @@
               <a:buNone/>
             </a:pPr>
             <a:r>
-              <a:rPr lang="nl-NL" dirty="0"/>
-              <a:t>Omgeving</a:t>
+              <a:rPr lang="en-GB" dirty="0"/>
+              <a:t>Custom Connector</a:t>
             </a:r>
             <a:endParaRPr dirty="0"/>
           </a:p>
         </p:txBody>
       </p:sp>
+      <p:sp>
+        <p:nvSpPr>
+          <p:cNvPr id="362" name="Shape 362"/>
+          <p:cNvSpPr txBox="1">
+            <a:spLocks noGrp="1"/>
+          </p:cNvSpPr>
+          <p:nvPr>
+            <p:ph type="body" idx="1"/>
+          </p:nvPr>
+        </p:nvSpPr>
+        <p:spPr>
+          <a:xfrm>
+            <a:off x="1130189" y="1243372"/>
+            <a:ext cx="3370927" cy="2867883"/>
+          </a:xfrm>
+          <a:prstGeom prst="rect">
+            <a:avLst/>
+          </a:prstGeom>
+        </p:spPr>
+        <p:txBody>
+          <a:bodyPr spcFirstLastPara="1" wrap="square" lIns="91425" tIns="91425" rIns="91425" bIns="91425" anchor="t" anchorCtr="0">
+            <a:noAutofit/>
+          </a:bodyPr>
+          <a:lstStyle/>
+          <a:p>
+            <a:pPr marL="596900" lvl="1" indent="0">
+              <a:buNone/>
+            </a:pPr>
+            <a:endParaRPr lang="nl-NL" dirty="0"/>
+          </a:p>
+          <a:p>
+            <a:pPr lvl="0">
+              <a:spcBef>
+                <a:spcPts val="0"/>
+              </a:spcBef>
+            </a:pPr>
+            <a:r>
+              <a:rPr lang="nl-NL" dirty="0"/>
+              <a:t>Cm.com </a:t>
+            </a:r>
+            <a:r>
+              <a:rPr lang="nl-NL" dirty="0" err="1"/>
+              <a:t>Custom</a:t>
+            </a:r>
+            <a:r>
+              <a:rPr lang="nl-NL" dirty="0"/>
+              <a:t> Connector</a:t>
+            </a:r>
+          </a:p>
+          <a:p>
+            <a:pPr lvl="1"/>
+            <a:r>
+              <a:rPr lang="nl-NL" dirty="0"/>
+              <a:t>Acties</a:t>
+            </a:r>
+          </a:p>
+          <a:p>
+            <a:pPr lvl="2">
+              <a:buChar char="◇"/>
+            </a:pPr>
+            <a:r>
+              <a:rPr lang="nl-NL" dirty="0" err="1"/>
+              <a:t>SendSms</a:t>
+            </a:r>
+            <a:endParaRPr lang="nl-NL" dirty="0"/>
+          </a:p>
+          <a:p>
+            <a:pPr lvl="2">
+              <a:buChar char="◇"/>
+            </a:pPr>
+            <a:r>
+              <a:rPr lang="nl-NL" dirty="0" err="1"/>
+              <a:t>TextToSpeech</a:t>
+            </a:r>
+            <a:endParaRPr lang="nl-NL" dirty="0"/>
+          </a:p>
+          <a:p>
+            <a:pPr lvl="2">
+              <a:buChar char="◇"/>
+            </a:pPr>
+            <a:r>
+              <a:rPr lang="nl-NL" dirty="0" err="1"/>
+              <a:t>Number</a:t>
+            </a:r>
+            <a:r>
+              <a:rPr lang="nl-NL" dirty="0"/>
+              <a:t> </a:t>
+            </a:r>
+            <a:r>
+              <a:rPr lang="nl-NL" dirty="0" err="1"/>
+              <a:t>validation</a:t>
+            </a:r>
+            <a:endParaRPr lang="nl-NL" dirty="0"/>
+          </a:p>
+          <a:p>
+            <a:pPr marL="1054100" lvl="2" indent="0">
+              <a:buNone/>
+            </a:pPr>
+            <a:endParaRPr lang="nl-NL" dirty="0"/>
+          </a:p>
+          <a:p>
+            <a:pPr marL="1054100" lvl="2" indent="0">
+              <a:buNone/>
+            </a:pPr>
+            <a:endParaRPr lang="nl-NL" dirty="0"/>
+          </a:p>
+          <a:p>
+            <a:pPr lvl="0">
+              <a:spcBef>
+                <a:spcPts val="0"/>
+              </a:spcBef>
+            </a:pPr>
+            <a:r>
+              <a:rPr lang="nl-NL" dirty="0" err="1"/>
+              <a:t>Publish</a:t>
+            </a:r>
+            <a:r>
+              <a:rPr lang="nl-NL" dirty="0"/>
+              <a:t> </a:t>
+            </a:r>
+            <a:r>
+              <a:rPr lang="nl-NL" dirty="0" err="1"/>
+              <a:t>Custom</a:t>
+            </a:r>
+            <a:r>
+              <a:rPr lang="nl-NL" dirty="0"/>
+              <a:t> Connector</a:t>
+            </a:r>
+          </a:p>
+          <a:p>
+            <a:pPr lvl="1"/>
+            <a:r>
+              <a:rPr lang="nl-NL" dirty="0"/>
+              <a:t>Authenticatie</a:t>
+            </a:r>
+          </a:p>
+          <a:p>
+            <a:pPr lvl="1"/>
+            <a:r>
+              <a:rPr lang="nl-NL" dirty="0"/>
+              <a:t>Testen</a:t>
+            </a:r>
+          </a:p>
+          <a:p>
+            <a:pPr lvl="1"/>
+            <a:endParaRPr lang="nl-NL" dirty="0"/>
+          </a:p>
+          <a:p>
+            <a:pPr lvl="2">
+              <a:buChar char="◇"/>
+            </a:pPr>
+            <a:endParaRPr lang="nl-NL" dirty="0"/>
+          </a:p>
+        </p:txBody>
+      </p:sp>
+      <p:sp>
+        <p:nvSpPr>
+          <p:cNvPr id="5" name="Shape 532">
+            <a:extLst>
+              <a:ext uri="{FF2B5EF4-FFF2-40B4-BE49-F238E27FC236}">
+                <a16:creationId xmlns:a16="http://schemas.microsoft.com/office/drawing/2014/main" id="{167BF67B-B68C-466D-BE08-F85FC514F669}"/>
+              </a:ext>
+            </a:extLst>
+          </p:cNvPr>
+          <p:cNvSpPr/>
+          <p:nvPr/>
+        </p:nvSpPr>
+        <p:spPr>
+          <a:xfrm>
+            <a:off x="4337856" y="1549489"/>
+            <a:ext cx="2920637" cy="2214437"/>
+          </a:xfrm>
+          <a:custGeom>
+            <a:avLst/>
+            <a:gdLst/>
+            <a:ahLst/>
+            <a:cxnLst/>
+            <a:rect l="0" t="0" r="0" b="0"/>
+            <a:pathLst>
+              <a:path w="143434" h="111665" extrusionOk="0">
+                <a:moveTo>
+                  <a:pt x="71751" y="2308"/>
+                </a:moveTo>
+                <a:lnTo>
+                  <a:pt x="71887" y="2376"/>
+                </a:lnTo>
+                <a:lnTo>
+                  <a:pt x="72091" y="2444"/>
+                </a:lnTo>
+                <a:lnTo>
+                  <a:pt x="72159" y="2647"/>
+                </a:lnTo>
+                <a:lnTo>
+                  <a:pt x="72226" y="2783"/>
+                </a:lnTo>
+                <a:lnTo>
+                  <a:pt x="72159" y="2987"/>
+                </a:lnTo>
+                <a:lnTo>
+                  <a:pt x="72091" y="3190"/>
+                </a:lnTo>
+                <a:lnTo>
+                  <a:pt x="71887" y="3258"/>
+                </a:lnTo>
+                <a:lnTo>
+                  <a:pt x="71751" y="3326"/>
+                </a:lnTo>
+                <a:lnTo>
+                  <a:pt x="71548" y="3258"/>
+                </a:lnTo>
+                <a:lnTo>
+                  <a:pt x="71344" y="3190"/>
+                </a:lnTo>
+                <a:lnTo>
+                  <a:pt x="71276" y="2987"/>
+                </a:lnTo>
+                <a:lnTo>
+                  <a:pt x="71208" y="2783"/>
+                </a:lnTo>
+                <a:lnTo>
+                  <a:pt x="71276" y="2647"/>
+                </a:lnTo>
+                <a:lnTo>
+                  <a:pt x="71344" y="2444"/>
+                </a:lnTo>
+                <a:lnTo>
+                  <a:pt x="71548" y="2376"/>
+                </a:lnTo>
+                <a:lnTo>
+                  <a:pt x="71751" y="2308"/>
+                </a:lnTo>
+                <a:close/>
+                <a:moveTo>
+                  <a:pt x="137528" y="5906"/>
+                </a:moveTo>
+                <a:lnTo>
+                  <a:pt x="137596" y="5974"/>
+                </a:lnTo>
+                <a:lnTo>
+                  <a:pt x="137596" y="89604"/>
+                </a:lnTo>
+                <a:lnTo>
+                  <a:pt x="5906" y="89604"/>
+                </a:lnTo>
+                <a:lnTo>
+                  <a:pt x="5906" y="5974"/>
+                </a:lnTo>
+                <a:lnTo>
+                  <a:pt x="5906" y="5906"/>
+                </a:lnTo>
+                <a:close/>
+                <a:moveTo>
+                  <a:pt x="3530" y="0"/>
+                </a:moveTo>
+                <a:lnTo>
+                  <a:pt x="3191" y="68"/>
+                </a:lnTo>
+                <a:lnTo>
+                  <a:pt x="2444" y="339"/>
+                </a:lnTo>
+                <a:lnTo>
+                  <a:pt x="1766" y="679"/>
+                </a:lnTo>
+                <a:lnTo>
+                  <a:pt x="1155" y="1154"/>
+                </a:lnTo>
+                <a:lnTo>
+                  <a:pt x="679" y="1765"/>
+                </a:lnTo>
+                <a:lnTo>
+                  <a:pt x="272" y="2444"/>
+                </a:lnTo>
+                <a:lnTo>
+                  <a:pt x="69" y="3190"/>
+                </a:lnTo>
+                <a:lnTo>
+                  <a:pt x="1" y="3598"/>
+                </a:lnTo>
+                <a:lnTo>
+                  <a:pt x="1" y="4005"/>
+                </a:lnTo>
+                <a:lnTo>
+                  <a:pt x="1" y="91572"/>
+                </a:lnTo>
+                <a:lnTo>
+                  <a:pt x="1" y="91979"/>
+                </a:lnTo>
+                <a:lnTo>
+                  <a:pt x="69" y="92319"/>
+                </a:lnTo>
+                <a:lnTo>
+                  <a:pt x="272" y="93065"/>
+                </a:lnTo>
+                <a:lnTo>
+                  <a:pt x="679" y="93744"/>
+                </a:lnTo>
+                <a:lnTo>
+                  <a:pt x="1155" y="94355"/>
+                </a:lnTo>
+                <a:lnTo>
+                  <a:pt x="1766" y="94830"/>
+                </a:lnTo>
+                <a:lnTo>
+                  <a:pt x="2444" y="95238"/>
+                </a:lnTo>
+                <a:lnTo>
+                  <a:pt x="3191" y="95441"/>
+                </a:lnTo>
+                <a:lnTo>
+                  <a:pt x="3530" y="95509"/>
+                </a:lnTo>
+                <a:lnTo>
+                  <a:pt x="139904" y="95509"/>
+                </a:lnTo>
+                <a:lnTo>
+                  <a:pt x="140311" y="95441"/>
+                </a:lnTo>
+                <a:lnTo>
+                  <a:pt x="141058" y="95238"/>
+                </a:lnTo>
+                <a:lnTo>
+                  <a:pt x="141737" y="94830"/>
+                </a:lnTo>
+                <a:lnTo>
+                  <a:pt x="142280" y="94355"/>
+                </a:lnTo>
+                <a:lnTo>
+                  <a:pt x="142755" y="93744"/>
+                </a:lnTo>
+                <a:lnTo>
+                  <a:pt x="143162" y="93065"/>
+                </a:lnTo>
+                <a:lnTo>
+                  <a:pt x="143366" y="92319"/>
+                </a:lnTo>
+                <a:lnTo>
+                  <a:pt x="143434" y="91979"/>
+                </a:lnTo>
+                <a:lnTo>
+                  <a:pt x="143434" y="91572"/>
+                </a:lnTo>
+                <a:lnTo>
+                  <a:pt x="143434" y="4005"/>
+                </a:lnTo>
+                <a:lnTo>
+                  <a:pt x="143434" y="3598"/>
+                </a:lnTo>
+                <a:lnTo>
+                  <a:pt x="143366" y="3190"/>
+                </a:lnTo>
+                <a:lnTo>
+                  <a:pt x="143162" y="2444"/>
+                </a:lnTo>
+                <a:lnTo>
+                  <a:pt x="142755" y="1765"/>
+                </a:lnTo>
+                <a:lnTo>
+                  <a:pt x="142280" y="1154"/>
+                </a:lnTo>
+                <a:lnTo>
+                  <a:pt x="141737" y="679"/>
+                </a:lnTo>
+                <a:lnTo>
+                  <a:pt x="141058" y="339"/>
+                </a:lnTo>
+                <a:lnTo>
+                  <a:pt x="140311" y="68"/>
+                </a:lnTo>
+                <a:lnTo>
+                  <a:pt x="139904" y="0"/>
+                </a:lnTo>
+                <a:close/>
+                <a:moveTo>
+                  <a:pt x="55324" y="95713"/>
+                </a:moveTo>
+                <a:lnTo>
+                  <a:pt x="55052" y="98971"/>
+                </a:lnTo>
+                <a:lnTo>
+                  <a:pt x="54713" y="102297"/>
+                </a:lnTo>
+                <a:lnTo>
+                  <a:pt x="54374" y="105284"/>
+                </a:lnTo>
+                <a:lnTo>
+                  <a:pt x="53966" y="107388"/>
+                </a:lnTo>
+                <a:lnTo>
+                  <a:pt x="53763" y="108203"/>
+                </a:lnTo>
+                <a:lnTo>
+                  <a:pt x="53627" y="108746"/>
+                </a:lnTo>
+                <a:lnTo>
+                  <a:pt x="53423" y="109153"/>
+                </a:lnTo>
+                <a:lnTo>
+                  <a:pt x="53220" y="109357"/>
+                </a:lnTo>
+                <a:lnTo>
+                  <a:pt x="52677" y="109493"/>
+                </a:lnTo>
+                <a:lnTo>
+                  <a:pt x="51794" y="109696"/>
+                </a:lnTo>
+                <a:lnTo>
+                  <a:pt x="49690" y="110036"/>
+                </a:lnTo>
+                <a:lnTo>
+                  <a:pt x="48061" y="110307"/>
+                </a:lnTo>
+                <a:lnTo>
+                  <a:pt x="47450" y="110443"/>
+                </a:lnTo>
+                <a:lnTo>
+                  <a:pt x="47110" y="110511"/>
+                </a:lnTo>
+                <a:lnTo>
+                  <a:pt x="47042" y="110579"/>
+                </a:lnTo>
+                <a:lnTo>
+                  <a:pt x="47042" y="110783"/>
+                </a:lnTo>
+                <a:lnTo>
+                  <a:pt x="47110" y="110850"/>
+                </a:lnTo>
+                <a:lnTo>
+                  <a:pt x="47585" y="110918"/>
+                </a:lnTo>
+                <a:lnTo>
+                  <a:pt x="48400" y="110986"/>
+                </a:lnTo>
+                <a:lnTo>
+                  <a:pt x="51387" y="111054"/>
+                </a:lnTo>
+                <a:lnTo>
+                  <a:pt x="56071" y="111122"/>
+                </a:lnTo>
+                <a:lnTo>
+                  <a:pt x="87092" y="111122"/>
+                </a:lnTo>
+                <a:lnTo>
+                  <a:pt x="91708" y="111054"/>
+                </a:lnTo>
+                <a:lnTo>
+                  <a:pt x="94695" y="110986"/>
+                </a:lnTo>
+                <a:lnTo>
+                  <a:pt x="95578" y="110918"/>
+                </a:lnTo>
+                <a:lnTo>
+                  <a:pt x="96053" y="110850"/>
+                </a:lnTo>
+                <a:lnTo>
+                  <a:pt x="96121" y="110783"/>
+                </a:lnTo>
+                <a:lnTo>
+                  <a:pt x="96121" y="110579"/>
+                </a:lnTo>
+                <a:lnTo>
+                  <a:pt x="96053" y="110511"/>
+                </a:lnTo>
+                <a:lnTo>
+                  <a:pt x="95713" y="110443"/>
+                </a:lnTo>
+                <a:lnTo>
+                  <a:pt x="95102" y="110307"/>
+                </a:lnTo>
+                <a:lnTo>
+                  <a:pt x="93473" y="110036"/>
+                </a:lnTo>
+                <a:lnTo>
+                  <a:pt x="91369" y="109696"/>
+                </a:lnTo>
+                <a:lnTo>
+                  <a:pt x="90487" y="109493"/>
+                </a:lnTo>
+                <a:lnTo>
+                  <a:pt x="89943" y="109357"/>
+                </a:lnTo>
+                <a:lnTo>
+                  <a:pt x="89740" y="109153"/>
+                </a:lnTo>
+                <a:lnTo>
+                  <a:pt x="89536" y="108746"/>
+                </a:lnTo>
+                <a:lnTo>
+                  <a:pt x="89333" y="108203"/>
+                </a:lnTo>
+                <a:lnTo>
+                  <a:pt x="89197" y="107388"/>
+                </a:lnTo>
+                <a:lnTo>
+                  <a:pt x="88789" y="105284"/>
+                </a:lnTo>
+                <a:lnTo>
+                  <a:pt x="88382" y="102297"/>
+                </a:lnTo>
+                <a:lnTo>
+                  <a:pt x="88043" y="98971"/>
+                </a:lnTo>
+                <a:lnTo>
+                  <a:pt x="87839" y="95713"/>
+                </a:lnTo>
+                <a:close/>
+                <a:moveTo>
+                  <a:pt x="47450" y="111054"/>
+                </a:moveTo>
+                <a:lnTo>
+                  <a:pt x="47450" y="111122"/>
+                </a:lnTo>
+                <a:lnTo>
+                  <a:pt x="47450" y="111393"/>
+                </a:lnTo>
+                <a:lnTo>
+                  <a:pt x="47518" y="111461"/>
+                </a:lnTo>
+                <a:lnTo>
+                  <a:pt x="48807" y="111529"/>
+                </a:lnTo>
+                <a:lnTo>
+                  <a:pt x="52473" y="111597"/>
+                </a:lnTo>
+                <a:lnTo>
+                  <a:pt x="62384" y="111665"/>
+                </a:lnTo>
+                <a:lnTo>
+                  <a:pt x="80779" y="111665"/>
+                </a:lnTo>
+                <a:lnTo>
+                  <a:pt x="90622" y="111597"/>
+                </a:lnTo>
+                <a:lnTo>
+                  <a:pt x="94356" y="111529"/>
+                </a:lnTo>
+                <a:lnTo>
+                  <a:pt x="95646" y="111461"/>
+                </a:lnTo>
+                <a:lnTo>
+                  <a:pt x="95713" y="111393"/>
+                </a:lnTo>
+                <a:lnTo>
+                  <a:pt x="95713" y="111122"/>
+                </a:lnTo>
+                <a:lnTo>
+                  <a:pt x="95646" y="111054"/>
+                </a:lnTo>
+                <a:lnTo>
+                  <a:pt x="94084" y="111122"/>
+                </a:lnTo>
+                <a:lnTo>
+                  <a:pt x="91233" y="111190"/>
+                </a:lnTo>
+                <a:lnTo>
+                  <a:pt x="80847" y="111258"/>
+                </a:lnTo>
+                <a:lnTo>
+                  <a:pt x="62316" y="111258"/>
+                </a:lnTo>
+                <a:lnTo>
+                  <a:pt x="51930" y="111190"/>
+                </a:lnTo>
+                <a:lnTo>
+                  <a:pt x="49079" y="111122"/>
+                </a:lnTo>
+                <a:lnTo>
+                  <a:pt x="47518" y="111054"/>
+                </a:lnTo>
+                <a:close/>
+              </a:path>
+            </a:pathLst>
+          </a:custGeom>
+          <a:solidFill>
+            <a:srgbClr val="184769"/>
+          </a:solidFill>
+          <a:ln w="19050" cap="flat" cmpd="sng">
+            <a:solidFill>
+              <a:srgbClr val="19BBD5"/>
+            </a:solidFill>
+            <a:prstDash val="solid"/>
+            <a:round/>
+            <a:headEnd type="none" w="sm" len="sm"/>
+            <a:tailEnd type="none" w="sm" len="sm"/>
+          </a:ln>
+        </p:spPr>
+        <p:txBody>
+          <a:bodyPr spcFirstLastPara="1" wrap="square" lIns="91425" tIns="91425" rIns="91425" bIns="91425" anchor="ctr" anchorCtr="0">
+            <a:noAutofit/>
+          </a:bodyPr>
+          <a:lstStyle/>
+          <a:p>
+            <a:pPr marL="0" lvl="0" indent="0">
+              <a:spcBef>
+                <a:spcPts val="0"/>
+              </a:spcBef>
+              <a:spcAft>
+                <a:spcPts val="0"/>
+              </a:spcAft>
+              <a:buNone/>
+            </a:pPr>
+            <a:endParaRPr/>
+          </a:p>
+        </p:txBody>
+      </p:sp>
       <p:pic>
         <p:nvPicPr>
-          <p:cNvPr id="12" name="Picture 11">
+          <p:cNvPr id="2" name="Afbeelding 1">
             <a:extLst>
               <a:ext uri="{FF2B5EF4-FFF2-40B4-BE49-F238E27FC236}">
-                <a16:creationId xmlns:a16="http://schemas.microsoft.com/office/drawing/2014/main" id="{5FF82C62-A6A1-4EDE-83B9-32496AE9D53B}"/>
+                <a16:creationId xmlns:a16="http://schemas.microsoft.com/office/drawing/2014/main" id="{BED88FEA-DD02-49B6-9E46-5B4BF4D0CC74}"/>
               </a:ext>
             </a:extLst>
           </p:cNvPr>
@@ -29927,8 +34289,8 @@
         </p:blipFill>
         <p:spPr>
           <a:xfrm>
-            <a:off x="3062080" y="1556312"/>
-            <a:ext cx="4152900" cy="3057525"/>
+            <a:off x="4464478" y="1687030"/>
+            <a:ext cx="2653207" cy="1630326"/>
           </a:xfrm>
           <a:prstGeom prst="rect">
             <a:avLst/>
@@ -29938,7 +34300,7 @@
     </p:spTree>
     <p:extLst>
       <p:ext uri="{BB962C8B-B14F-4D97-AF65-F5344CB8AC3E}">
-        <p14:creationId xmlns:p14="http://schemas.microsoft.com/office/powerpoint/2010/main" val="3132042510"/>
+        <p14:creationId xmlns:p14="http://schemas.microsoft.com/office/powerpoint/2010/main" val="2352005784"/>
       </p:ext>
     </p:extLst>
   </p:cSld>
@@ -29977,7 +34339,7 @@
         </p:nvSpPr>
         <p:spPr>
           <a:xfrm>
-            <a:off x="1732700" y="1735600"/>
+            <a:off x="1732701" y="683133"/>
             <a:ext cx="4944300" cy="645300"/>
           </a:xfrm>
           <a:prstGeom prst="rect">
@@ -30000,8 +34362,8 @@
               <a:buNone/>
             </a:pPr>
             <a:r>
-              <a:rPr lang="nl-NL" dirty="0"/>
-              <a:t>Stack</a:t>
+              <a:rPr lang="en-GB" dirty="0"/>
+              <a:t>Custom Connector</a:t>
             </a:r>
             <a:endParaRPr dirty="0"/>
           </a:p>
@@ -30019,8 +34381,8 @@
         </p:nvSpPr>
         <p:spPr>
           <a:xfrm>
-            <a:off x="1732700" y="2255125"/>
-            <a:ext cx="4944300" cy="1659900"/>
+            <a:off x="1201073" y="1346915"/>
+            <a:ext cx="3370927" cy="2449669"/>
           </a:xfrm>
           <a:prstGeom prst="rect">
             <a:avLst/>
@@ -30032,81 +34394,579 @@
           </a:bodyPr>
           <a:lstStyle/>
           <a:p>
-            <a:pPr marL="457200" lvl="0" indent="-317500" rtl="0">
+            <a:pPr marL="596900" lvl="1" indent="0">
+              <a:buNone/>
+            </a:pPr>
+            <a:endParaRPr lang="nl-NL" dirty="0"/>
+          </a:p>
+          <a:p>
+            <a:pPr lvl="0">
               <a:spcBef>
                 <a:spcPts val="0"/>
               </a:spcBef>
-              <a:spcAft>
-                <a:spcPts val="0"/>
-              </a:spcAft>
-              <a:buSzPts val="1400"/>
-              <a:buChar char="◇"/>
             </a:pPr>
             <a:r>
-              <a:rPr lang="en-GB" dirty="0"/>
-              <a:t>Back-end</a:t>
+              <a:rPr lang="nl-NL" dirty="0"/>
+              <a:t>Basic authentincation</a:t>
             </a:r>
           </a:p>
           <a:p>
-            <a:pPr lvl="1">
-              <a:buChar char="◇"/>
-            </a:pPr>
+            <a:pPr lvl="1"/>
             <a:r>
-              <a:rPr lang="en-GB" dirty="0"/>
-              <a:t>NodeJS</a:t>
+              <a:rPr lang="nl-NL" dirty="0"/>
+              <a:t>Gebruiker Gegevens</a:t>
             </a:r>
           </a:p>
           <a:p>
-            <a:pPr marL="457200" lvl="0" indent="-317500" rtl="0">
+            <a:pPr lvl="0">
               <a:spcBef>
                 <a:spcPts val="0"/>
               </a:spcBef>
-              <a:spcAft>
-                <a:spcPts val="0"/>
-              </a:spcAft>
-              <a:buSzPts val="1400"/>
-              <a:buChar char="◇"/>
             </a:pPr>
             <a:r>
-              <a:rPr lang="en-GB" dirty="0"/>
-              <a:t>Front-end</a:t>
+              <a:rPr lang="nl-NL" dirty="0" err="1"/>
+              <a:t>Api</a:t>
+            </a:r>
+            <a:r>
+              <a:rPr lang="nl-NL" dirty="0"/>
+              <a:t> </a:t>
+            </a:r>
+            <a:r>
+              <a:rPr lang="nl-NL" dirty="0" err="1"/>
+              <a:t>Key</a:t>
+            </a:r>
+            <a:endParaRPr lang="nl-NL" dirty="0"/>
+          </a:p>
+          <a:p>
+            <a:pPr lvl="1"/>
+            <a:r>
+              <a:rPr lang="nl-NL" dirty="0"/>
+              <a:t>Header</a:t>
             </a:r>
           </a:p>
           <a:p>
-            <a:pPr lvl="1">
-              <a:buChar char="◇"/>
+            <a:pPr lvl="0">
+              <a:spcBef>
+                <a:spcPts val="0"/>
+              </a:spcBef>
             </a:pPr>
             <a:r>
-              <a:rPr lang="en-GB" dirty="0"/>
-              <a:t>HTML/CSS/JS</a:t>
+              <a:rPr lang="nl-NL" dirty="0" err="1"/>
+              <a:t>Oauth</a:t>
+            </a:r>
+            <a:r>
+              <a:rPr lang="nl-NL" dirty="0"/>
+              <a:t> 2.0</a:t>
             </a:r>
           </a:p>
           <a:p>
-            <a:pPr lvl="1">
-              <a:buChar char="◇"/>
-            </a:pPr>
-            <a:endParaRPr dirty="0"/>
+            <a:pPr lvl="1"/>
+            <a:r>
+              <a:rPr lang="nl-NL" dirty="0"/>
+              <a:t>Client Gegevens</a:t>
+            </a:r>
           </a:p>
           <a:p>
-            <a:pPr marL="0" lvl="0" indent="0" rtl="0">
+            <a:pPr lvl="1"/>
+            <a:r>
+              <a:rPr lang="nl-NL" dirty="0" err="1"/>
+              <a:t>Authorization</a:t>
+            </a:r>
+            <a:r>
+              <a:rPr lang="nl-NL" dirty="0"/>
+              <a:t> </a:t>
+            </a:r>
+            <a:r>
+              <a:rPr lang="nl-NL" dirty="0" err="1"/>
+              <a:t>Url</a:t>
+            </a:r>
+            <a:endParaRPr lang="nl-NL" dirty="0"/>
+          </a:p>
+          <a:p>
+            <a:pPr lvl="1"/>
+            <a:r>
+              <a:rPr lang="nl-NL" dirty="0"/>
+              <a:t>Token </a:t>
+            </a:r>
+            <a:r>
+              <a:rPr lang="nl-NL" dirty="0" err="1"/>
+              <a:t>Url</a:t>
+            </a:r>
+            <a:endParaRPr lang="nl-NL" dirty="0"/>
+          </a:p>
+          <a:p>
+            <a:pPr lvl="1"/>
+            <a:r>
+              <a:rPr lang="nl-NL" dirty="0" err="1"/>
+              <a:t>Refresh</a:t>
+            </a:r>
+            <a:r>
+              <a:rPr lang="nl-NL" dirty="0"/>
+              <a:t> </a:t>
+            </a:r>
+            <a:r>
+              <a:rPr lang="nl-NL" dirty="0" err="1"/>
+              <a:t>Url</a:t>
+            </a:r>
+            <a:endParaRPr lang="nl-NL" dirty="0"/>
+          </a:p>
+        </p:txBody>
+      </p:sp>
+      <p:sp>
+        <p:nvSpPr>
+          <p:cNvPr id="5" name="Shape 532">
+            <a:extLst>
+              <a:ext uri="{FF2B5EF4-FFF2-40B4-BE49-F238E27FC236}">
+                <a16:creationId xmlns:a16="http://schemas.microsoft.com/office/drawing/2014/main" id="{7E121F35-DFC5-4366-9837-C1BA83900103}"/>
+              </a:ext>
+            </a:extLst>
+          </p:cNvPr>
+          <p:cNvSpPr/>
+          <p:nvPr/>
+        </p:nvSpPr>
+        <p:spPr>
+          <a:xfrm>
+            <a:off x="4274061" y="1382232"/>
+            <a:ext cx="3555452" cy="2145059"/>
+          </a:xfrm>
+          <a:custGeom>
+            <a:avLst/>
+            <a:gdLst/>
+            <a:ahLst/>
+            <a:cxnLst/>
+            <a:rect l="0" t="0" r="0" b="0"/>
+            <a:pathLst>
+              <a:path w="143434" h="111665" extrusionOk="0">
+                <a:moveTo>
+                  <a:pt x="71751" y="2308"/>
+                </a:moveTo>
+                <a:lnTo>
+                  <a:pt x="71887" y="2376"/>
+                </a:lnTo>
+                <a:lnTo>
+                  <a:pt x="72091" y="2444"/>
+                </a:lnTo>
+                <a:lnTo>
+                  <a:pt x="72159" y="2647"/>
+                </a:lnTo>
+                <a:lnTo>
+                  <a:pt x="72226" y="2783"/>
+                </a:lnTo>
+                <a:lnTo>
+                  <a:pt x="72159" y="2987"/>
+                </a:lnTo>
+                <a:lnTo>
+                  <a:pt x="72091" y="3190"/>
+                </a:lnTo>
+                <a:lnTo>
+                  <a:pt x="71887" y="3258"/>
+                </a:lnTo>
+                <a:lnTo>
+                  <a:pt x="71751" y="3326"/>
+                </a:lnTo>
+                <a:lnTo>
+                  <a:pt x="71548" y="3258"/>
+                </a:lnTo>
+                <a:lnTo>
+                  <a:pt x="71344" y="3190"/>
+                </a:lnTo>
+                <a:lnTo>
+                  <a:pt x="71276" y="2987"/>
+                </a:lnTo>
+                <a:lnTo>
+                  <a:pt x="71208" y="2783"/>
+                </a:lnTo>
+                <a:lnTo>
+                  <a:pt x="71276" y="2647"/>
+                </a:lnTo>
+                <a:lnTo>
+                  <a:pt x="71344" y="2444"/>
+                </a:lnTo>
+                <a:lnTo>
+                  <a:pt x="71548" y="2376"/>
+                </a:lnTo>
+                <a:lnTo>
+                  <a:pt x="71751" y="2308"/>
+                </a:lnTo>
+                <a:close/>
+                <a:moveTo>
+                  <a:pt x="137528" y="5906"/>
+                </a:moveTo>
+                <a:lnTo>
+                  <a:pt x="137596" y="5974"/>
+                </a:lnTo>
+                <a:lnTo>
+                  <a:pt x="137596" y="89604"/>
+                </a:lnTo>
+                <a:lnTo>
+                  <a:pt x="5906" y="89604"/>
+                </a:lnTo>
+                <a:lnTo>
+                  <a:pt x="5906" y="5974"/>
+                </a:lnTo>
+                <a:lnTo>
+                  <a:pt x="5906" y="5906"/>
+                </a:lnTo>
+                <a:close/>
+                <a:moveTo>
+                  <a:pt x="3530" y="0"/>
+                </a:moveTo>
+                <a:lnTo>
+                  <a:pt x="3191" y="68"/>
+                </a:lnTo>
+                <a:lnTo>
+                  <a:pt x="2444" y="339"/>
+                </a:lnTo>
+                <a:lnTo>
+                  <a:pt x="1766" y="679"/>
+                </a:lnTo>
+                <a:lnTo>
+                  <a:pt x="1155" y="1154"/>
+                </a:lnTo>
+                <a:lnTo>
+                  <a:pt x="679" y="1765"/>
+                </a:lnTo>
+                <a:lnTo>
+                  <a:pt x="272" y="2444"/>
+                </a:lnTo>
+                <a:lnTo>
+                  <a:pt x="69" y="3190"/>
+                </a:lnTo>
+                <a:lnTo>
+                  <a:pt x="1" y="3598"/>
+                </a:lnTo>
+                <a:lnTo>
+                  <a:pt x="1" y="4005"/>
+                </a:lnTo>
+                <a:lnTo>
+                  <a:pt x="1" y="91572"/>
+                </a:lnTo>
+                <a:lnTo>
+                  <a:pt x="1" y="91979"/>
+                </a:lnTo>
+                <a:lnTo>
+                  <a:pt x="69" y="92319"/>
+                </a:lnTo>
+                <a:lnTo>
+                  <a:pt x="272" y="93065"/>
+                </a:lnTo>
+                <a:lnTo>
+                  <a:pt x="679" y="93744"/>
+                </a:lnTo>
+                <a:lnTo>
+                  <a:pt x="1155" y="94355"/>
+                </a:lnTo>
+                <a:lnTo>
+                  <a:pt x="1766" y="94830"/>
+                </a:lnTo>
+                <a:lnTo>
+                  <a:pt x="2444" y="95238"/>
+                </a:lnTo>
+                <a:lnTo>
+                  <a:pt x="3191" y="95441"/>
+                </a:lnTo>
+                <a:lnTo>
+                  <a:pt x="3530" y="95509"/>
+                </a:lnTo>
+                <a:lnTo>
+                  <a:pt x="139904" y="95509"/>
+                </a:lnTo>
+                <a:lnTo>
+                  <a:pt x="140311" y="95441"/>
+                </a:lnTo>
+                <a:lnTo>
+                  <a:pt x="141058" y="95238"/>
+                </a:lnTo>
+                <a:lnTo>
+                  <a:pt x="141737" y="94830"/>
+                </a:lnTo>
+                <a:lnTo>
+                  <a:pt x="142280" y="94355"/>
+                </a:lnTo>
+                <a:lnTo>
+                  <a:pt x="142755" y="93744"/>
+                </a:lnTo>
+                <a:lnTo>
+                  <a:pt x="143162" y="93065"/>
+                </a:lnTo>
+                <a:lnTo>
+                  <a:pt x="143366" y="92319"/>
+                </a:lnTo>
+                <a:lnTo>
+                  <a:pt x="143434" y="91979"/>
+                </a:lnTo>
+                <a:lnTo>
+                  <a:pt x="143434" y="91572"/>
+                </a:lnTo>
+                <a:lnTo>
+                  <a:pt x="143434" y="4005"/>
+                </a:lnTo>
+                <a:lnTo>
+                  <a:pt x="143434" y="3598"/>
+                </a:lnTo>
+                <a:lnTo>
+                  <a:pt x="143366" y="3190"/>
+                </a:lnTo>
+                <a:lnTo>
+                  <a:pt x="143162" y="2444"/>
+                </a:lnTo>
+                <a:lnTo>
+                  <a:pt x="142755" y="1765"/>
+                </a:lnTo>
+                <a:lnTo>
+                  <a:pt x="142280" y="1154"/>
+                </a:lnTo>
+                <a:lnTo>
+                  <a:pt x="141737" y="679"/>
+                </a:lnTo>
+                <a:lnTo>
+                  <a:pt x="141058" y="339"/>
+                </a:lnTo>
+                <a:lnTo>
+                  <a:pt x="140311" y="68"/>
+                </a:lnTo>
+                <a:lnTo>
+                  <a:pt x="139904" y="0"/>
+                </a:lnTo>
+                <a:close/>
+                <a:moveTo>
+                  <a:pt x="55324" y="95713"/>
+                </a:moveTo>
+                <a:lnTo>
+                  <a:pt x="55052" y="98971"/>
+                </a:lnTo>
+                <a:lnTo>
+                  <a:pt x="54713" y="102297"/>
+                </a:lnTo>
+                <a:lnTo>
+                  <a:pt x="54374" y="105284"/>
+                </a:lnTo>
+                <a:lnTo>
+                  <a:pt x="53966" y="107388"/>
+                </a:lnTo>
+                <a:lnTo>
+                  <a:pt x="53763" y="108203"/>
+                </a:lnTo>
+                <a:lnTo>
+                  <a:pt x="53627" y="108746"/>
+                </a:lnTo>
+                <a:lnTo>
+                  <a:pt x="53423" y="109153"/>
+                </a:lnTo>
+                <a:lnTo>
+                  <a:pt x="53220" y="109357"/>
+                </a:lnTo>
+                <a:lnTo>
+                  <a:pt x="52677" y="109493"/>
+                </a:lnTo>
+                <a:lnTo>
+                  <a:pt x="51794" y="109696"/>
+                </a:lnTo>
+                <a:lnTo>
+                  <a:pt x="49690" y="110036"/>
+                </a:lnTo>
+                <a:lnTo>
+                  <a:pt x="48061" y="110307"/>
+                </a:lnTo>
+                <a:lnTo>
+                  <a:pt x="47450" y="110443"/>
+                </a:lnTo>
+                <a:lnTo>
+                  <a:pt x="47110" y="110511"/>
+                </a:lnTo>
+                <a:lnTo>
+                  <a:pt x="47042" y="110579"/>
+                </a:lnTo>
+                <a:lnTo>
+                  <a:pt x="47042" y="110783"/>
+                </a:lnTo>
+                <a:lnTo>
+                  <a:pt x="47110" y="110850"/>
+                </a:lnTo>
+                <a:lnTo>
+                  <a:pt x="47585" y="110918"/>
+                </a:lnTo>
+                <a:lnTo>
+                  <a:pt x="48400" y="110986"/>
+                </a:lnTo>
+                <a:lnTo>
+                  <a:pt x="51387" y="111054"/>
+                </a:lnTo>
+                <a:lnTo>
+                  <a:pt x="56071" y="111122"/>
+                </a:lnTo>
+                <a:lnTo>
+                  <a:pt x="87092" y="111122"/>
+                </a:lnTo>
+                <a:lnTo>
+                  <a:pt x="91708" y="111054"/>
+                </a:lnTo>
+                <a:lnTo>
+                  <a:pt x="94695" y="110986"/>
+                </a:lnTo>
+                <a:lnTo>
+                  <a:pt x="95578" y="110918"/>
+                </a:lnTo>
+                <a:lnTo>
+                  <a:pt x="96053" y="110850"/>
+                </a:lnTo>
+                <a:lnTo>
+                  <a:pt x="96121" y="110783"/>
+                </a:lnTo>
+                <a:lnTo>
+                  <a:pt x="96121" y="110579"/>
+                </a:lnTo>
+                <a:lnTo>
+                  <a:pt x="96053" y="110511"/>
+                </a:lnTo>
+                <a:lnTo>
+                  <a:pt x="95713" y="110443"/>
+                </a:lnTo>
+                <a:lnTo>
+                  <a:pt x="95102" y="110307"/>
+                </a:lnTo>
+                <a:lnTo>
+                  <a:pt x="93473" y="110036"/>
+                </a:lnTo>
+                <a:lnTo>
+                  <a:pt x="91369" y="109696"/>
+                </a:lnTo>
+                <a:lnTo>
+                  <a:pt x="90487" y="109493"/>
+                </a:lnTo>
+                <a:lnTo>
+                  <a:pt x="89943" y="109357"/>
+                </a:lnTo>
+                <a:lnTo>
+                  <a:pt x="89740" y="109153"/>
+                </a:lnTo>
+                <a:lnTo>
+                  <a:pt x="89536" y="108746"/>
+                </a:lnTo>
+                <a:lnTo>
+                  <a:pt x="89333" y="108203"/>
+                </a:lnTo>
+                <a:lnTo>
+                  <a:pt x="89197" y="107388"/>
+                </a:lnTo>
+                <a:lnTo>
+                  <a:pt x="88789" y="105284"/>
+                </a:lnTo>
+                <a:lnTo>
+                  <a:pt x="88382" y="102297"/>
+                </a:lnTo>
+                <a:lnTo>
+                  <a:pt x="88043" y="98971"/>
+                </a:lnTo>
+                <a:lnTo>
+                  <a:pt x="87839" y="95713"/>
+                </a:lnTo>
+                <a:close/>
+                <a:moveTo>
+                  <a:pt x="47450" y="111054"/>
+                </a:moveTo>
+                <a:lnTo>
+                  <a:pt x="47450" y="111122"/>
+                </a:lnTo>
+                <a:lnTo>
+                  <a:pt x="47450" y="111393"/>
+                </a:lnTo>
+                <a:lnTo>
+                  <a:pt x="47518" y="111461"/>
+                </a:lnTo>
+                <a:lnTo>
+                  <a:pt x="48807" y="111529"/>
+                </a:lnTo>
+                <a:lnTo>
+                  <a:pt x="52473" y="111597"/>
+                </a:lnTo>
+                <a:lnTo>
+                  <a:pt x="62384" y="111665"/>
+                </a:lnTo>
+                <a:lnTo>
+                  <a:pt x="80779" y="111665"/>
+                </a:lnTo>
+                <a:lnTo>
+                  <a:pt x="90622" y="111597"/>
+                </a:lnTo>
+                <a:lnTo>
+                  <a:pt x="94356" y="111529"/>
+                </a:lnTo>
+                <a:lnTo>
+                  <a:pt x="95646" y="111461"/>
+                </a:lnTo>
+                <a:lnTo>
+                  <a:pt x="95713" y="111393"/>
+                </a:lnTo>
+                <a:lnTo>
+                  <a:pt x="95713" y="111122"/>
+                </a:lnTo>
+                <a:lnTo>
+                  <a:pt x="95646" y="111054"/>
+                </a:lnTo>
+                <a:lnTo>
+                  <a:pt x="94084" y="111122"/>
+                </a:lnTo>
+                <a:lnTo>
+                  <a:pt x="91233" y="111190"/>
+                </a:lnTo>
+                <a:lnTo>
+                  <a:pt x="80847" y="111258"/>
+                </a:lnTo>
+                <a:lnTo>
+                  <a:pt x="62316" y="111258"/>
+                </a:lnTo>
+                <a:lnTo>
+                  <a:pt x="51930" y="111190"/>
+                </a:lnTo>
+                <a:lnTo>
+                  <a:pt x="49079" y="111122"/>
+                </a:lnTo>
+                <a:lnTo>
+                  <a:pt x="47518" y="111054"/>
+                </a:lnTo>
+                <a:close/>
+              </a:path>
+            </a:pathLst>
+          </a:custGeom>
+          <a:solidFill>
+            <a:srgbClr val="184769"/>
+          </a:solidFill>
+          <a:ln w="19050" cap="flat" cmpd="sng">
+            <a:solidFill>
+              <a:srgbClr val="19BBD5"/>
+            </a:solidFill>
+            <a:prstDash val="solid"/>
+            <a:round/>
+            <a:headEnd type="none" w="sm" len="sm"/>
+            <a:tailEnd type="none" w="sm" len="sm"/>
+          </a:ln>
+        </p:spPr>
+        <p:txBody>
+          <a:bodyPr spcFirstLastPara="1" wrap="square" lIns="91425" tIns="91425" rIns="91425" bIns="91425" anchor="ctr" anchorCtr="0">
+            <a:noAutofit/>
+          </a:bodyPr>
+          <a:lstStyle/>
+          <a:p>
+            <a:pPr marL="0" lvl="0" indent="0">
               <a:spcBef>
-                <a:spcPts val="600"/>
+                <a:spcPts val="0"/>
               </a:spcBef>
               <a:spcAft>
                 <a:spcPts val="0"/>
               </a:spcAft>
               <a:buNone/>
             </a:pPr>
-            <a:endParaRPr dirty="0"/>
+            <a:endParaRPr/>
           </a:p>
         </p:txBody>
       </p:sp>
       <p:pic>
         <p:nvPicPr>
-          <p:cNvPr id="2" name="Picture 1">
+          <p:cNvPr id="6" name="Afbeelding 5">
             <a:extLst>
               <a:ext uri="{FF2B5EF4-FFF2-40B4-BE49-F238E27FC236}">
-                <a16:creationId xmlns:a16="http://schemas.microsoft.com/office/drawing/2014/main" id="{DF3DFAA6-B043-4495-B1C5-1AF09DB88475}"/>
+                <a16:creationId xmlns:a16="http://schemas.microsoft.com/office/drawing/2014/main" id="{0E765A0A-4D8C-4737-AA29-967CC7470E71}"/>
               </a:ext>
             </a:extLst>
           </p:cNvPr>
@@ -30123,18 +34983,59 @@
         </p:blipFill>
         <p:spPr>
           <a:xfrm>
-            <a:off x="2639046" y="3442884"/>
-            <a:ext cx="1838325" cy="400050"/>
+            <a:off x="4387702" y="1501371"/>
+            <a:ext cx="3317359" cy="1610426"/>
           </a:xfrm>
           <a:prstGeom prst="rect">
             <a:avLst/>
           </a:prstGeom>
         </p:spPr>
       </p:pic>
+      <p:sp>
+        <p:nvSpPr>
+          <p:cNvPr id="3" name="Rechthoek 2">
+            <a:extLst>
+              <a:ext uri="{FF2B5EF4-FFF2-40B4-BE49-F238E27FC236}">
+                <a16:creationId xmlns:a16="http://schemas.microsoft.com/office/drawing/2014/main" id="{B626959B-FDF0-46B6-A2CB-A6D9FF4F291B}"/>
+              </a:ext>
+            </a:extLst>
+          </p:cNvPr>
+          <p:cNvSpPr/>
+          <p:nvPr/>
+        </p:nvSpPr>
+        <p:spPr>
+          <a:xfrm>
+            <a:off x="1782317" y="1228343"/>
+            <a:ext cx="1335622" cy="307777"/>
+          </a:xfrm>
+          <a:prstGeom prst="rect">
+            <a:avLst/>
+          </a:prstGeom>
+        </p:spPr>
+        <p:txBody>
+          <a:bodyPr wrap="square">
+            <a:spAutoFit/>
+          </a:bodyPr>
+          <a:lstStyle/>
+          <a:p>
+            <a:r>
+              <a:rPr lang="nl-NL" b="1" dirty="0">
+                <a:solidFill>
+                  <a:schemeClr val="bg1">
+                    <a:lumMod val="85000"/>
+                  </a:schemeClr>
+                </a:solidFill>
+                <a:latin typeface="Muli" panose="020B0604020202020204" charset="0"/>
+              </a:rPr>
+              <a:t>Authenticatie</a:t>
+            </a:r>
+          </a:p>
+        </p:txBody>
+      </p:sp>
     </p:spTree>
     <p:extLst>
       <p:ext uri="{BB962C8B-B14F-4D97-AF65-F5344CB8AC3E}">
-        <p14:creationId xmlns:p14="http://schemas.microsoft.com/office/powerpoint/2010/main" val="3065287128"/>
+        <p14:creationId xmlns:p14="http://schemas.microsoft.com/office/powerpoint/2010/main" val="2271629153"/>
       </p:ext>
     </p:extLst>
   </p:cSld>
@@ -30173,7 +35074,7 @@
         </p:nvSpPr>
         <p:spPr>
           <a:xfrm>
-            <a:off x="1732700" y="1735600"/>
+            <a:off x="1732701" y="683133"/>
             <a:ext cx="4944300" cy="645300"/>
           </a:xfrm>
           <a:prstGeom prst="rect">
@@ -30196,8 +35097,8 @@
               <a:buNone/>
             </a:pPr>
             <a:r>
-              <a:rPr lang="nl-NL" dirty="0"/>
-              <a:t>Deployment</a:t>
+              <a:rPr lang="en-GB" dirty="0"/>
+              <a:t>Custom Connector</a:t>
             </a:r>
             <a:endParaRPr dirty="0"/>
           </a:p>
@@ -30215,8 +35116,8 @@
         </p:nvSpPr>
         <p:spPr>
           <a:xfrm>
-            <a:off x="1732700" y="2255125"/>
-            <a:ext cx="4944300" cy="1659900"/>
+            <a:off x="1300196" y="1425555"/>
+            <a:ext cx="3370927" cy="2198188"/>
           </a:xfrm>
           <a:prstGeom prst="rect">
             <a:avLst/>
@@ -30231,95 +35132,564 @@
             <a:pPr marL="596900" lvl="1" indent="0">
               <a:buNone/>
             </a:pPr>
+            <a:endParaRPr lang="nl-NL" dirty="0"/>
+          </a:p>
+          <a:p>
+            <a:pPr lvl="0">
+              <a:spcBef>
+                <a:spcPts val="0"/>
+              </a:spcBef>
+            </a:pPr>
             <a:r>
               <a:rPr lang="nl-NL" dirty="0"/>
-              <a:t>Deployment instructies uitgebreid aanwezig op de website van node-red</a:t>
+              <a:t>Actions</a:t>
             </a:r>
           </a:p>
           <a:p>
-            <a:pPr marL="596900" lvl="1" indent="0">
-              <a:buNone/>
+            <a:pPr lvl="0">
+              <a:spcBef>
+                <a:spcPts val="0"/>
+              </a:spcBef>
             </a:pPr>
             <a:r>
-              <a:rPr lang="nl-NL" u="sng" dirty="0">
-                <a:hlinkClick r:id="rId3"/>
-              </a:rPr>
-              <a:t>https://nodered.org/docs/</a:t>
-            </a:r>
-            <a:endParaRPr lang="nl-NL" u="sng" dirty="0"/>
-          </a:p>
-          <a:p>
-            <a:pPr marL="596900" lvl="1" indent="0">
-              <a:buNone/>
-            </a:pPr>
-            <a:endParaRPr lang="nl-NL" u="sng" dirty="0"/>
-          </a:p>
-          <a:p>
-            <a:pPr marL="596900" lvl="1" indent="0">
-              <a:buNone/>
-            </a:pPr>
-            <a:r>
-              <a:rPr lang="en-GB" dirty="0"/>
-              <a:t>Supported </a:t>
-            </a:r>
-            <a:r>
               <a:rPr lang="nl-NL" dirty="0"/>
-              <a:t>platvormen</a:t>
-            </a:r>
-            <a:r>
-              <a:rPr lang="en-GB" dirty="0"/>
-              <a:t>:</a:t>
+              <a:t>Response</a:t>
             </a:r>
           </a:p>
           <a:p>
-            <a:pPr lvl="1">
-              <a:buFont typeface="Arial" panose="020B0604020202020204" pitchFamily="34" charset="0"/>
-              <a:buChar char="•"/>
+            <a:pPr lvl="0">
+              <a:spcBef>
+                <a:spcPts val="0"/>
+              </a:spcBef>
             </a:pPr>
-            <a:r>
-              <a:rPr lang="en-GB" dirty="0"/>
-              <a:t>Windows</a:t>
-            </a:r>
+            <a:endParaRPr lang="nl-NL" dirty="0"/>
           </a:p>
+        </p:txBody>
+      </p:sp>
+      <p:sp>
+        <p:nvSpPr>
+          <p:cNvPr id="5" name="Shape 532">
+            <a:extLst>
+              <a:ext uri="{FF2B5EF4-FFF2-40B4-BE49-F238E27FC236}">
+                <a16:creationId xmlns:a16="http://schemas.microsoft.com/office/drawing/2014/main" id="{7E121F35-DFC5-4366-9837-C1BA83900103}"/>
+              </a:ext>
+            </a:extLst>
+          </p:cNvPr>
+          <p:cNvSpPr/>
+          <p:nvPr/>
+        </p:nvSpPr>
+        <p:spPr>
+          <a:xfrm>
+            <a:off x="3742434" y="1438939"/>
+            <a:ext cx="3516060" cy="3218121"/>
+          </a:xfrm>
+          <a:custGeom>
+            <a:avLst/>
+            <a:gdLst/>
+            <a:ahLst/>
+            <a:cxnLst/>
+            <a:rect l="0" t="0" r="0" b="0"/>
+            <a:pathLst>
+              <a:path w="143434" h="111665" extrusionOk="0">
+                <a:moveTo>
+                  <a:pt x="71751" y="2308"/>
+                </a:moveTo>
+                <a:lnTo>
+                  <a:pt x="71887" y="2376"/>
+                </a:lnTo>
+                <a:lnTo>
+                  <a:pt x="72091" y="2444"/>
+                </a:lnTo>
+                <a:lnTo>
+                  <a:pt x="72159" y="2647"/>
+                </a:lnTo>
+                <a:lnTo>
+                  <a:pt x="72226" y="2783"/>
+                </a:lnTo>
+                <a:lnTo>
+                  <a:pt x="72159" y="2987"/>
+                </a:lnTo>
+                <a:lnTo>
+                  <a:pt x="72091" y="3190"/>
+                </a:lnTo>
+                <a:lnTo>
+                  <a:pt x="71887" y="3258"/>
+                </a:lnTo>
+                <a:lnTo>
+                  <a:pt x="71751" y="3326"/>
+                </a:lnTo>
+                <a:lnTo>
+                  <a:pt x="71548" y="3258"/>
+                </a:lnTo>
+                <a:lnTo>
+                  <a:pt x="71344" y="3190"/>
+                </a:lnTo>
+                <a:lnTo>
+                  <a:pt x="71276" y="2987"/>
+                </a:lnTo>
+                <a:lnTo>
+                  <a:pt x="71208" y="2783"/>
+                </a:lnTo>
+                <a:lnTo>
+                  <a:pt x="71276" y="2647"/>
+                </a:lnTo>
+                <a:lnTo>
+                  <a:pt x="71344" y="2444"/>
+                </a:lnTo>
+                <a:lnTo>
+                  <a:pt x="71548" y="2376"/>
+                </a:lnTo>
+                <a:lnTo>
+                  <a:pt x="71751" y="2308"/>
+                </a:lnTo>
+                <a:close/>
+                <a:moveTo>
+                  <a:pt x="137528" y="5906"/>
+                </a:moveTo>
+                <a:lnTo>
+                  <a:pt x="137596" y="5974"/>
+                </a:lnTo>
+                <a:lnTo>
+                  <a:pt x="137596" y="89604"/>
+                </a:lnTo>
+                <a:lnTo>
+                  <a:pt x="5906" y="89604"/>
+                </a:lnTo>
+                <a:lnTo>
+                  <a:pt x="5906" y="5974"/>
+                </a:lnTo>
+                <a:lnTo>
+                  <a:pt x="5906" y="5906"/>
+                </a:lnTo>
+                <a:close/>
+                <a:moveTo>
+                  <a:pt x="3530" y="0"/>
+                </a:moveTo>
+                <a:lnTo>
+                  <a:pt x="3191" y="68"/>
+                </a:lnTo>
+                <a:lnTo>
+                  <a:pt x="2444" y="339"/>
+                </a:lnTo>
+                <a:lnTo>
+                  <a:pt x="1766" y="679"/>
+                </a:lnTo>
+                <a:lnTo>
+                  <a:pt x="1155" y="1154"/>
+                </a:lnTo>
+                <a:lnTo>
+                  <a:pt x="679" y="1765"/>
+                </a:lnTo>
+                <a:lnTo>
+                  <a:pt x="272" y="2444"/>
+                </a:lnTo>
+                <a:lnTo>
+                  <a:pt x="69" y="3190"/>
+                </a:lnTo>
+                <a:lnTo>
+                  <a:pt x="1" y="3598"/>
+                </a:lnTo>
+                <a:lnTo>
+                  <a:pt x="1" y="4005"/>
+                </a:lnTo>
+                <a:lnTo>
+                  <a:pt x="1" y="91572"/>
+                </a:lnTo>
+                <a:lnTo>
+                  <a:pt x="1" y="91979"/>
+                </a:lnTo>
+                <a:lnTo>
+                  <a:pt x="69" y="92319"/>
+                </a:lnTo>
+                <a:lnTo>
+                  <a:pt x="272" y="93065"/>
+                </a:lnTo>
+                <a:lnTo>
+                  <a:pt x="679" y="93744"/>
+                </a:lnTo>
+                <a:lnTo>
+                  <a:pt x="1155" y="94355"/>
+                </a:lnTo>
+                <a:lnTo>
+                  <a:pt x="1766" y="94830"/>
+                </a:lnTo>
+                <a:lnTo>
+                  <a:pt x="2444" y="95238"/>
+                </a:lnTo>
+                <a:lnTo>
+                  <a:pt x="3191" y="95441"/>
+                </a:lnTo>
+                <a:lnTo>
+                  <a:pt x="3530" y="95509"/>
+                </a:lnTo>
+                <a:lnTo>
+                  <a:pt x="139904" y="95509"/>
+                </a:lnTo>
+                <a:lnTo>
+                  <a:pt x="140311" y="95441"/>
+                </a:lnTo>
+                <a:lnTo>
+                  <a:pt x="141058" y="95238"/>
+                </a:lnTo>
+                <a:lnTo>
+                  <a:pt x="141737" y="94830"/>
+                </a:lnTo>
+                <a:lnTo>
+                  <a:pt x="142280" y="94355"/>
+                </a:lnTo>
+                <a:lnTo>
+                  <a:pt x="142755" y="93744"/>
+                </a:lnTo>
+                <a:lnTo>
+                  <a:pt x="143162" y="93065"/>
+                </a:lnTo>
+                <a:lnTo>
+                  <a:pt x="143366" y="92319"/>
+                </a:lnTo>
+                <a:lnTo>
+                  <a:pt x="143434" y="91979"/>
+                </a:lnTo>
+                <a:lnTo>
+                  <a:pt x="143434" y="91572"/>
+                </a:lnTo>
+                <a:lnTo>
+                  <a:pt x="143434" y="4005"/>
+                </a:lnTo>
+                <a:lnTo>
+                  <a:pt x="143434" y="3598"/>
+                </a:lnTo>
+                <a:lnTo>
+                  <a:pt x="143366" y="3190"/>
+                </a:lnTo>
+                <a:lnTo>
+                  <a:pt x="143162" y="2444"/>
+                </a:lnTo>
+                <a:lnTo>
+                  <a:pt x="142755" y="1765"/>
+                </a:lnTo>
+                <a:lnTo>
+                  <a:pt x="142280" y="1154"/>
+                </a:lnTo>
+                <a:lnTo>
+                  <a:pt x="141737" y="679"/>
+                </a:lnTo>
+                <a:lnTo>
+                  <a:pt x="141058" y="339"/>
+                </a:lnTo>
+                <a:lnTo>
+                  <a:pt x="140311" y="68"/>
+                </a:lnTo>
+                <a:lnTo>
+                  <a:pt x="139904" y="0"/>
+                </a:lnTo>
+                <a:close/>
+                <a:moveTo>
+                  <a:pt x="55324" y="95713"/>
+                </a:moveTo>
+                <a:lnTo>
+                  <a:pt x="55052" y="98971"/>
+                </a:lnTo>
+                <a:lnTo>
+                  <a:pt x="54713" y="102297"/>
+                </a:lnTo>
+                <a:lnTo>
+                  <a:pt x="54374" y="105284"/>
+                </a:lnTo>
+                <a:lnTo>
+                  <a:pt x="53966" y="107388"/>
+                </a:lnTo>
+                <a:lnTo>
+                  <a:pt x="53763" y="108203"/>
+                </a:lnTo>
+                <a:lnTo>
+                  <a:pt x="53627" y="108746"/>
+                </a:lnTo>
+                <a:lnTo>
+                  <a:pt x="53423" y="109153"/>
+                </a:lnTo>
+                <a:lnTo>
+                  <a:pt x="53220" y="109357"/>
+                </a:lnTo>
+                <a:lnTo>
+                  <a:pt x="52677" y="109493"/>
+                </a:lnTo>
+                <a:lnTo>
+                  <a:pt x="51794" y="109696"/>
+                </a:lnTo>
+                <a:lnTo>
+                  <a:pt x="49690" y="110036"/>
+                </a:lnTo>
+                <a:lnTo>
+                  <a:pt x="48061" y="110307"/>
+                </a:lnTo>
+                <a:lnTo>
+                  <a:pt x="47450" y="110443"/>
+                </a:lnTo>
+                <a:lnTo>
+                  <a:pt x="47110" y="110511"/>
+                </a:lnTo>
+                <a:lnTo>
+                  <a:pt x="47042" y="110579"/>
+                </a:lnTo>
+                <a:lnTo>
+                  <a:pt x="47042" y="110783"/>
+                </a:lnTo>
+                <a:lnTo>
+                  <a:pt x="47110" y="110850"/>
+                </a:lnTo>
+                <a:lnTo>
+                  <a:pt x="47585" y="110918"/>
+                </a:lnTo>
+                <a:lnTo>
+                  <a:pt x="48400" y="110986"/>
+                </a:lnTo>
+                <a:lnTo>
+                  <a:pt x="51387" y="111054"/>
+                </a:lnTo>
+                <a:lnTo>
+                  <a:pt x="56071" y="111122"/>
+                </a:lnTo>
+                <a:lnTo>
+                  <a:pt x="87092" y="111122"/>
+                </a:lnTo>
+                <a:lnTo>
+                  <a:pt x="91708" y="111054"/>
+                </a:lnTo>
+                <a:lnTo>
+                  <a:pt x="94695" y="110986"/>
+                </a:lnTo>
+                <a:lnTo>
+                  <a:pt x="95578" y="110918"/>
+                </a:lnTo>
+                <a:lnTo>
+                  <a:pt x="96053" y="110850"/>
+                </a:lnTo>
+                <a:lnTo>
+                  <a:pt x="96121" y="110783"/>
+                </a:lnTo>
+                <a:lnTo>
+                  <a:pt x="96121" y="110579"/>
+                </a:lnTo>
+                <a:lnTo>
+                  <a:pt x="96053" y="110511"/>
+                </a:lnTo>
+                <a:lnTo>
+                  <a:pt x="95713" y="110443"/>
+                </a:lnTo>
+                <a:lnTo>
+                  <a:pt x="95102" y="110307"/>
+                </a:lnTo>
+                <a:lnTo>
+                  <a:pt x="93473" y="110036"/>
+                </a:lnTo>
+                <a:lnTo>
+                  <a:pt x="91369" y="109696"/>
+                </a:lnTo>
+                <a:lnTo>
+                  <a:pt x="90487" y="109493"/>
+                </a:lnTo>
+                <a:lnTo>
+                  <a:pt x="89943" y="109357"/>
+                </a:lnTo>
+                <a:lnTo>
+                  <a:pt x="89740" y="109153"/>
+                </a:lnTo>
+                <a:lnTo>
+                  <a:pt x="89536" y="108746"/>
+                </a:lnTo>
+                <a:lnTo>
+                  <a:pt x="89333" y="108203"/>
+                </a:lnTo>
+                <a:lnTo>
+                  <a:pt x="89197" y="107388"/>
+                </a:lnTo>
+                <a:lnTo>
+                  <a:pt x="88789" y="105284"/>
+                </a:lnTo>
+                <a:lnTo>
+                  <a:pt x="88382" y="102297"/>
+                </a:lnTo>
+                <a:lnTo>
+                  <a:pt x="88043" y="98971"/>
+                </a:lnTo>
+                <a:lnTo>
+                  <a:pt x="87839" y="95713"/>
+                </a:lnTo>
+                <a:close/>
+                <a:moveTo>
+                  <a:pt x="47450" y="111054"/>
+                </a:moveTo>
+                <a:lnTo>
+                  <a:pt x="47450" y="111122"/>
+                </a:lnTo>
+                <a:lnTo>
+                  <a:pt x="47450" y="111393"/>
+                </a:lnTo>
+                <a:lnTo>
+                  <a:pt x="47518" y="111461"/>
+                </a:lnTo>
+                <a:lnTo>
+                  <a:pt x="48807" y="111529"/>
+                </a:lnTo>
+                <a:lnTo>
+                  <a:pt x="52473" y="111597"/>
+                </a:lnTo>
+                <a:lnTo>
+                  <a:pt x="62384" y="111665"/>
+                </a:lnTo>
+                <a:lnTo>
+                  <a:pt x="80779" y="111665"/>
+                </a:lnTo>
+                <a:lnTo>
+                  <a:pt x="90622" y="111597"/>
+                </a:lnTo>
+                <a:lnTo>
+                  <a:pt x="94356" y="111529"/>
+                </a:lnTo>
+                <a:lnTo>
+                  <a:pt x="95646" y="111461"/>
+                </a:lnTo>
+                <a:lnTo>
+                  <a:pt x="95713" y="111393"/>
+                </a:lnTo>
+                <a:lnTo>
+                  <a:pt x="95713" y="111122"/>
+                </a:lnTo>
+                <a:lnTo>
+                  <a:pt x="95646" y="111054"/>
+                </a:lnTo>
+                <a:lnTo>
+                  <a:pt x="94084" y="111122"/>
+                </a:lnTo>
+                <a:lnTo>
+                  <a:pt x="91233" y="111190"/>
+                </a:lnTo>
+                <a:lnTo>
+                  <a:pt x="80847" y="111258"/>
+                </a:lnTo>
+                <a:lnTo>
+                  <a:pt x="62316" y="111258"/>
+                </a:lnTo>
+                <a:lnTo>
+                  <a:pt x="51930" y="111190"/>
+                </a:lnTo>
+                <a:lnTo>
+                  <a:pt x="49079" y="111122"/>
+                </a:lnTo>
+                <a:lnTo>
+                  <a:pt x="47518" y="111054"/>
+                </a:lnTo>
+                <a:close/>
+              </a:path>
+            </a:pathLst>
+          </a:custGeom>
+          <a:solidFill>
+            <a:srgbClr val="184769"/>
+          </a:solidFill>
+          <a:ln w="19050" cap="flat" cmpd="sng">
+            <a:solidFill>
+              <a:srgbClr val="19BBD5"/>
+            </a:solidFill>
+            <a:prstDash val="solid"/>
+            <a:round/>
+            <a:headEnd type="none" w="sm" len="sm"/>
+            <a:tailEnd type="none" w="sm" len="sm"/>
+          </a:ln>
+        </p:spPr>
+        <p:txBody>
+          <a:bodyPr spcFirstLastPara="1" wrap="square" lIns="91425" tIns="91425" rIns="91425" bIns="91425" anchor="ctr" anchorCtr="0">
+            <a:noAutofit/>
+          </a:bodyPr>
+          <a:lstStyle/>
           <a:p>
-            <a:pPr lvl="1">
-              <a:buFont typeface="Arial" panose="020B0604020202020204" pitchFamily="34" charset="0"/>
-              <a:buChar char="•"/>
-            </a:pPr>
-            <a:r>
-              <a:rPr lang="en-GB" dirty="0"/>
-              <a:t>Linux</a:t>
-            </a:r>
-          </a:p>
-          <a:p>
-            <a:pPr lvl="1">
-              <a:buFont typeface="Arial" panose="020B0604020202020204" pitchFamily="34" charset="0"/>
-              <a:buChar char="•"/>
-            </a:pPr>
-            <a:r>
-              <a:rPr lang="en-GB" dirty="0"/>
-              <a:t>Mac</a:t>
-            </a:r>
-            <a:endParaRPr dirty="0"/>
-          </a:p>
-          <a:p>
-            <a:pPr marL="0" lvl="0" indent="0" rtl="0">
+            <a:pPr marL="0" lvl="0" indent="0">
               <a:spcBef>
-                <a:spcPts val="600"/>
+                <a:spcPts val="0"/>
               </a:spcBef>
               <a:spcAft>
                 <a:spcPts val="0"/>
               </a:spcAft>
               <a:buNone/>
             </a:pPr>
-            <a:endParaRPr dirty="0"/>
+            <a:endParaRPr/>
           </a:p>
         </p:txBody>
       </p:sp>
+      <p:sp>
+        <p:nvSpPr>
+          <p:cNvPr id="3" name="Rechthoek 2">
+            <a:extLst>
+              <a:ext uri="{FF2B5EF4-FFF2-40B4-BE49-F238E27FC236}">
+                <a16:creationId xmlns:a16="http://schemas.microsoft.com/office/drawing/2014/main" id="{D2529204-00F6-40C1-95C2-C88A49B9ED84}"/>
+              </a:ext>
+            </a:extLst>
+          </p:cNvPr>
+          <p:cNvSpPr/>
+          <p:nvPr/>
+        </p:nvSpPr>
+        <p:spPr>
+          <a:xfrm>
+            <a:off x="1810413" y="1271667"/>
+            <a:ext cx="756938" cy="307777"/>
+          </a:xfrm>
+          <a:prstGeom prst="rect">
+            <a:avLst/>
+          </a:prstGeom>
+        </p:spPr>
+        <p:txBody>
+          <a:bodyPr wrap="none">
+            <a:spAutoFit/>
+          </a:bodyPr>
+          <a:lstStyle/>
+          <a:p>
+            <a:r>
+              <a:rPr lang="nl-NL" b="1" dirty="0">
+                <a:solidFill>
+                  <a:schemeClr val="bg1">
+                    <a:lumMod val="85000"/>
+                  </a:schemeClr>
+                </a:solidFill>
+                <a:latin typeface="Muli" panose="020B0604020202020204" charset="0"/>
+              </a:rPr>
+              <a:t>Testen</a:t>
+            </a:r>
+          </a:p>
+        </p:txBody>
+      </p:sp>
+      <p:pic>
+        <p:nvPicPr>
+          <p:cNvPr id="4" name="Afbeelding 3">
+            <a:extLst>
+              <a:ext uri="{FF2B5EF4-FFF2-40B4-BE49-F238E27FC236}">
+                <a16:creationId xmlns:a16="http://schemas.microsoft.com/office/drawing/2014/main" id="{A12093FF-A3A4-466A-BE54-2DBBCC14D2B3}"/>
+              </a:ext>
+            </a:extLst>
+          </p:cNvPr>
+          <p:cNvPicPr>
+            <a:picLocks noChangeAspect="1"/>
+          </p:cNvPicPr>
+          <p:nvPr/>
+        </p:nvPicPr>
+        <p:blipFill>
+          <a:blip r:embed="rId3"/>
+          <a:stretch>
+            <a:fillRect/>
+          </a:stretch>
+        </p:blipFill>
+        <p:spPr>
+          <a:xfrm>
+            <a:off x="3901098" y="1623238"/>
+            <a:ext cx="3198732" cy="2381948"/>
+          </a:xfrm>
+          <a:prstGeom prst="rect">
+            <a:avLst/>
+          </a:prstGeom>
+        </p:spPr>
+      </p:pic>
     </p:spTree>
     <p:extLst>
       <p:ext uri="{BB962C8B-B14F-4D97-AF65-F5344CB8AC3E}">
-        <p14:creationId xmlns:p14="http://schemas.microsoft.com/office/powerpoint/2010/main" val="730817438"/>
+        <p14:creationId xmlns:p14="http://schemas.microsoft.com/office/powerpoint/2010/main" val="2711504860"/>
       </p:ext>
     </p:extLst>
   </p:cSld>
@@ -30334,7 +35704,7 @@
   <p:cSld>
     <p:spTree>
       <p:nvGrpSpPr>
-        <p:cNvPr id="1" name="Shape 541"/>
+        <p:cNvPr id="1" name="Shape 348"/>
         <p:cNvGrpSpPr/>
         <p:nvPr/>
       </p:nvGrpSpPr>
@@ -30346,145 +35716,20 @@
           <a:chExt cx="0" cy="0"/>
         </a:xfrm>
       </p:grpSpPr>
-      <p:pic>
-        <p:nvPicPr>
-          <p:cNvPr id="12" name="Afbeelding 16" descr="Afbeelding met persoon, kleding, vrouw, binnen&#10;&#10;Beschrijving is gegenereerd met zeer hoge betrouwbaarheid">
-            <a:extLst>
-              <a:ext uri="{FF2B5EF4-FFF2-40B4-BE49-F238E27FC236}">
-                <a16:creationId xmlns:a16="http://schemas.microsoft.com/office/drawing/2014/main" id="{F3668783-284D-43A5-8689-EA319718E25D}"/>
-              </a:ext>
-            </a:extLst>
-          </p:cNvPr>
-          <p:cNvPicPr>
-            <a:picLocks noChangeAspect="1"/>
-          </p:cNvPicPr>
-          <p:nvPr/>
-        </p:nvPicPr>
-        <p:blipFill rotWithShape="1">
-          <a:blip r:embed="rId3"/>
-          <a:srcRect l="-543" t="35" r="543" b="24082"/>
-          <a:stretch/>
-        </p:blipFill>
-        <p:spPr>
-          <a:xfrm>
-            <a:off x="6874452" y="3384882"/>
-            <a:ext cx="863662" cy="873838"/>
-          </a:xfrm>
-          <a:prstGeom prst="hexagon">
-            <a:avLst/>
-          </a:prstGeom>
-          <a:effectLst>
-            <a:softEdge rad="12700"/>
-          </a:effectLst>
-        </p:spPr>
-      </p:pic>
       <p:sp>
         <p:nvSpPr>
-          <p:cNvPr id="542" name="Shape 542"/>
-          <p:cNvSpPr/>
-          <p:nvPr/>
-        </p:nvSpPr>
-        <p:spPr>
-          <a:xfrm rot="-5400000">
-            <a:off x="1053600" y="533300"/>
-            <a:ext cx="1855800" cy="2142900"/>
-          </a:xfrm>
-          <a:custGeom>
-            <a:avLst/>
-            <a:gdLst/>
-            <a:ahLst/>
-            <a:cxnLst/>
-            <a:rect l="0" t="0" r="0" b="0"/>
-            <a:pathLst>
-              <a:path w="120000" h="120000" extrusionOk="0">
-                <a:moveTo>
-                  <a:pt x="60000" y="0"/>
-                </a:moveTo>
-                <a:lnTo>
-                  <a:pt x="120000" y="30000"/>
-                </a:lnTo>
-                <a:lnTo>
-                  <a:pt x="120000" y="90000"/>
-                </a:lnTo>
-                <a:lnTo>
-                  <a:pt x="60000" y="120000"/>
-                </a:lnTo>
-                <a:lnTo>
-                  <a:pt x="0" y="90000"/>
-                </a:lnTo>
-                <a:lnTo>
-                  <a:pt x="0" y="30000"/>
-                </a:lnTo>
-                <a:close/>
-              </a:path>
-            </a:pathLst>
-          </a:custGeom>
-          <a:gradFill>
-            <a:gsLst>
-              <a:gs pos="0">
-                <a:srgbClr val="3393E2"/>
-              </a:gs>
-              <a:gs pos="100000">
-                <a:srgbClr val="00E2C7"/>
-              </a:gs>
-            </a:gsLst>
-            <a:path path="circle">
-              <a:fillToRect l="100000" b="100000"/>
-            </a:path>
-            <a:tileRect t="-100000" r="-100000"/>
-          </a:gradFill>
-          <a:ln>
-            <a:noFill/>
-          </a:ln>
-        </p:spPr>
-        <p:txBody>
-          <a:bodyPr spcFirstLastPara="1" wrap="square" lIns="50800" tIns="50800" rIns="50800" bIns="50800" anchor="ctr" anchorCtr="0">
-            <a:noAutofit/>
-          </a:bodyPr>
-          <a:lstStyle/>
-          <a:p>
-            <a:pPr marL="0" marR="0" lvl="0" indent="0" algn="ctr" rtl="0">
-              <a:lnSpc>
-                <a:spcPct val="100000"/>
-              </a:lnSpc>
-              <a:spcBef>
-                <a:spcPts val="0"/>
-              </a:spcBef>
-              <a:spcAft>
-                <a:spcPts val="0"/>
-              </a:spcAft>
-              <a:buClr>
-                <a:srgbClr val="FFFFFF"/>
-              </a:buClr>
-              <a:buFont typeface="Helvetica Neue"/>
-              <a:buNone/>
-            </a:pPr>
-            <a:endParaRPr sz="3200" b="0" i="0" u="none" strike="noStrike" cap="none">
-              <a:solidFill>
-                <a:srgbClr val="FFFFFF"/>
-              </a:solidFill>
-              <a:latin typeface="Helvetica Neue"/>
-              <a:ea typeface="Helvetica Neue"/>
-              <a:cs typeface="Helvetica Neue"/>
-              <a:sym typeface="Helvetica Neue"/>
-            </a:endParaRPr>
-          </a:p>
-        </p:txBody>
-      </p:sp>
-      <p:sp>
-        <p:nvSpPr>
-          <p:cNvPr id="543" name="Shape 543"/>
+          <p:cNvPr id="349" name="Shape 349"/>
           <p:cNvSpPr txBox="1">
             <a:spLocks noGrp="1"/>
           </p:cNvSpPr>
           <p:nvPr>
-            <p:ph type="ctrTitle" idx="4294967295"/>
+            <p:ph type="ctrTitle"/>
           </p:nvPr>
         </p:nvSpPr>
         <p:spPr>
           <a:xfrm>
-            <a:off x="3152775" y="1354750"/>
-            <a:ext cx="4562100" cy="1159800"/>
+            <a:off x="2743200" y="1735750"/>
+            <a:ext cx="5638800" cy="1159800"/>
           </a:xfrm>
           <a:prstGeom prst="rect">
             <a:avLst/>
@@ -30506,27 +35751,31 @@
               <a:buNone/>
             </a:pPr>
             <a:r>
-              <a:rPr lang="nl-NL" sz="5000" dirty="0"/>
-              <a:t>Bedankt voor jullie tijd</a:t>
+              <a:rPr lang="nl-NL" dirty="0" err="1"/>
+              <a:t>Avans</a:t>
             </a:r>
-            <a:endParaRPr sz="5000" dirty="0"/>
+            <a:r>
+              <a:rPr lang="nl-NL" dirty="0"/>
+              <a:t> API</a:t>
+            </a:r>
+            <a:endParaRPr dirty="0"/>
           </a:p>
         </p:txBody>
       </p:sp>
       <p:sp>
         <p:nvSpPr>
-          <p:cNvPr id="544" name="Shape 544"/>
+          <p:cNvPr id="350" name="Shape 350"/>
           <p:cNvSpPr txBox="1">
             <a:spLocks noGrp="1"/>
           </p:cNvSpPr>
           <p:nvPr>
-            <p:ph type="body" idx="4294967295"/>
+            <p:ph type="subTitle" idx="1"/>
           </p:nvPr>
         </p:nvSpPr>
         <p:spPr>
           <a:xfrm>
-            <a:off x="3286468" y="2400250"/>
-            <a:ext cx="4562100" cy="2461500"/>
+            <a:off x="2743200" y="2821004"/>
+            <a:ext cx="5696100" cy="784800"/>
           </a:xfrm>
           <a:prstGeom prst="rect">
             <a:avLst/>
@@ -30540,7 +35789,7 @@
           <a:p>
             <a:pPr marL="0" lvl="0" indent="0" rtl="0">
               <a:spcBef>
-                <a:spcPts val="600"/>
+                <a:spcPts val="0"/>
               </a:spcBef>
               <a:spcAft>
                 <a:spcPts val="0"/>
@@ -30548,894 +35797,32 @@
               <a:buNone/>
             </a:pPr>
             <a:r>
-              <a:rPr lang="nl-NL" sz="3600" b="1" dirty="0"/>
-              <a:t>Vragen?</a:t>
-            </a:r>
-            <a:endParaRPr dirty="0"/>
-          </a:p>
-          <a:p>
-            <a:pPr marL="0" lvl="0" indent="0" rtl="0">
-              <a:spcBef>
-                <a:spcPts val="600"/>
-              </a:spcBef>
-              <a:spcAft>
-                <a:spcPts val="0"/>
-              </a:spcAft>
-              <a:buClr>
-                <a:schemeClr val="dk1"/>
-              </a:buClr>
-              <a:buSzPts val="1100"/>
-              <a:buFont typeface="Arial"/>
-              <a:buNone/>
-            </a:pPr>
-            <a:r>
-              <a:rPr lang="nl-NL" dirty="0"/>
-              <a:t>   Contact informatie</a:t>
-            </a:r>
-            <a:r>
-              <a:rPr lang="en" dirty="0"/>
-              <a:t>:</a:t>
-            </a:r>
-          </a:p>
-          <a:p>
-            <a:pPr lvl="0"/>
-            <a:r>
-              <a:rPr lang="nl-NL" dirty="0">
-                <a:hlinkClick r:id="rId4"/>
-              </a:rPr>
-              <a:t>t.aarts1@student.avans.nl</a:t>
-            </a:r>
-            <a:endParaRPr lang="nl-NL" dirty="0"/>
-          </a:p>
-          <a:p>
-            <a:pPr lvl="0"/>
-            <a:r>
-              <a:rPr lang="nl-NL" dirty="0">
-                <a:hlinkClick r:id="rId5"/>
-              </a:rPr>
-              <a:t>raberg1@avans.nl</a:t>
-            </a:r>
-            <a:endParaRPr lang="nl-NL" dirty="0"/>
-          </a:p>
-          <a:p>
-            <a:pPr marL="139700" lvl="0" indent="0">
-              <a:buNone/>
-            </a:pPr>
-            <a:endParaRPr lang="nl-NL" dirty="0"/>
-          </a:p>
-          <a:p>
-            <a:pPr marL="139700" lvl="0" indent="0">
-              <a:buNone/>
-            </a:pPr>
-            <a:r>
               <a:rPr lang="nl-NL" dirty="0" err="1"/>
-              <a:t>Github</a:t>
+              <a:t>Avans</a:t>
             </a:r>
             <a:r>
               <a:rPr lang="nl-NL" dirty="0"/>
-              <a:t>:</a:t>
+              <a:t> API opzetten en integreren in het Microsoft Flow Platform</a:t>
             </a:r>
-          </a:p>
-          <a:p>
-            <a:pPr marL="139700" lvl="0" indent="0">
-              <a:buNone/>
-            </a:pPr>
-            <a:r>
-              <a:rPr lang="nl-NL" dirty="0">
-                <a:hlinkClick r:id="rId6"/>
-              </a:rPr>
-              <a:t>https://github.com/Teunimli/cm_project</a:t>
-            </a:r>
-            <a:endParaRPr lang="nl-NL" dirty="0"/>
-          </a:p>
-          <a:p>
-            <a:pPr marL="139700" lvl="0" indent="0">
-              <a:buNone/>
-            </a:pPr>
-            <a:endParaRPr lang="nl-NL" dirty="0"/>
+            <a:endParaRPr dirty="0"/>
           </a:p>
         </p:txBody>
       </p:sp>
       <p:sp>
         <p:nvSpPr>
-          <p:cNvPr id="545" name="Shape 545"/>
-          <p:cNvSpPr/>
+          <p:cNvPr id="351" name="Shape 351"/>
+          <p:cNvSpPr txBox="1"/>
           <p:nvPr/>
         </p:nvSpPr>
         <p:spPr>
           <a:xfrm>
-            <a:off x="1591719" y="1212580"/>
-            <a:ext cx="779561" cy="779561"/>
+            <a:off x="409575" y="1676400"/>
+            <a:ext cx="2067000" cy="1771800"/>
           </a:xfrm>
-          <a:custGeom>
+          <a:prstGeom prst="rect">
             <a:avLst/>
-            <a:gdLst/>
-            <a:ahLst/>
-            <a:cxnLst/>
-            <a:rect l="0" t="0" r="0" b="0"/>
-            <a:pathLst>
-              <a:path w="15290" h="15290" extrusionOk="0">
-                <a:moveTo>
-                  <a:pt x="4519" y="6815"/>
-                </a:moveTo>
-                <a:lnTo>
-                  <a:pt x="4690" y="6839"/>
-                </a:lnTo>
-                <a:lnTo>
-                  <a:pt x="4861" y="6888"/>
-                </a:lnTo>
-                <a:lnTo>
-                  <a:pt x="5007" y="6986"/>
-                </a:lnTo>
-                <a:lnTo>
-                  <a:pt x="5154" y="7084"/>
-                </a:lnTo>
-                <a:lnTo>
-                  <a:pt x="5251" y="7230"/>
-                </a:lnTo>
-                <a:lnTo>
-                  <a:pt x="5325" y="7401"/>
-                </a:lnTo>
-                <a:lnTo>
-                  <a:pt x="5374" y="7572"/>
-                </a:lnTo>
-                <a:lnTo>
-                  <a:pt x="5398" y="7767"/>
-                </a:lnTo>
-                <a:lnTo>
-                  <a:pt x="5374" y="7963"/>
-                </a:lnTo>
-                <a:lnTo>
-                  <a:pt x="5325" y="8134"/>
-                </a:lnTo>
-                <a:lnTo>
-                  <a:pt x="5251" y="8305"/>
-                </a:lnTo>
-                <a:lnTo>
-                  <a:pt x="5154" y="8451"/>
-                </a:lnTo>
-                <a:lnTo>
-                  <a:pt x="5007" y="8549"/>
-                </a:lnTo>
-                <a:lnTo>
-                  <a:pt x="4861" y="8647"/>
-                </a:lnTo>
-                <a:lnTo>
-                  <a:pt x="4690" y="8696"/>
-                </a:lnTo>
-                <a:lnTo>
-                  <a:pt x="4519" y="8720"/>
-                </a:lnTo>
-                <a:lnTo>
-                  <a:pt x="4348" y="8696"/>
-                </a:lnTo>
-                <a:lnTo>
-                  <a:pt x="4177" y="8647"/>
-                </a:lnTo>
-                <a:lnTo>
-                  <a:pt x="4030" y="8549"/>
-                </a:lnTo>
-                <a:lnTo>
-                  <a:pt x="3884" y="8451"/>
-                </a:lnTo>
-                <a:lnTo>
-                  <a:pt x="3786" y="8305"/>
-                </a:lnTo>
-                <a:lnTo>
-                  <a:pt x="3713" y="8134"/>
-                </a:lnTo>
-                <a:lnTo>
-                  <a:pt x="3664" y="7963"/>
-                </a:lnTo>
-                <a:lnTo>
-                  <a:pt x="3640" y="7767"/>
-                </a:lnTo>
-                <a:lnTo>
-                  <a:pt x="3664" y="7572"/>
-                </a:lnTo>
-                <a:lnTo>
-                  <a:pt x="3713" y="7401"/>
-                </a:lnTo>
-                <a:lnTo>
-                  <a:pt x="3786" y="7230"/>
-                </a:lnTo>
-                <a:lnTo>
-                  <a:pt x="3884" y="7084"/>
-                </a:lnTo>
-                <a:lnTo>
-                  <a:pt x="4030" y="6986"/>
-                </a:lnTo>
-                <a:lnTo>
-                  <a:pt x="4177" y="6888"/>
-                </a:lnTo>
-                <a:lnTo>
-                  <a:pt x="4348" y="6839"/>
-                </a:lnTo>
-                <a:lnTo>
-                  <a:pt x="4519" y="6815"/>
-                </a:lnTo>
-                <a:close/>
-                <a:moveTo>
-                  <a:pt x="10771" y="6815"/>
-                </a:moveTo>
-                <a:lnTo>
-                  <a:pt x="10942" y="6839"/>
-                </a:lnTo>
-                <a:lnTo>
-                  <a:pt x="11113" y="6888"/>
-                </a:lnTo>
-                <a:lnTo>
-                  <a:pt x="11260" y="6986"/>
-                </a:lnTo>
-                <a:lnTo>
-                  <a:pt x="11406" y="7084"/>
-                </a:lnTo>
-                <a:lnTo>
-                  <a:pt x="11504" y="7230"/>
-                </a:lnTo>
-                <a:lnTo>
-                  <a:pt x="11577" y="7401"/>
-                </a:lnTo>
-                <a:lnTo>
-                  <a:pt x="11626" y="7572"/>
-                </a:lnTo>
-                <a:lnTo>
-                  <a:pt x="11650" y="7767"/>
-                </a:lnTo>
-                <a:lnTo>
-                  <a:pt x="11626" y="7963"/>
-                </a:lnTo>
-                <a:lnTo>
-                  <a:pt x="11577" y="8134"/>
-                </a:lnTo>
-                <a:lnTo>
-                  <a:pt x="11504" y="8305"/>
-                </a:lnTo>
-                <a:lnTo>
-                  <a:pt x="11406" y="8451"/>
-                </a:lnTo>
-                <a:lnTo>
-                  <a:pt x="11260" y="8549"/>
-                </a:lnTo>
-                <a:lnTo>
-                  <a:pt x="11113" y="8647"/>
-                </a:lnTo>
-                <a:lnTo>
-                  <a:pt x="10942" y="8696"/>
-                </a:lnTo>
-                <a:lnTo>
-                  <a:pt x="10771" y="8720"/>
-                </a:lnTo>
-                <a:lnTo>
-                  <a:pt x="10600" y="8696"/>
-                </a:lnTo>
-                <a:lnTo>
-                  <a:pt x="10429" y="8647"/>
-                </a:lnTo>
-                <a:lnTo>
-                  <a:pt x="10283" y="8549"/>
-                </a:lnTo>
-                <a:lnTo>
-                  <a:pt x="10136" y="8451"/>
-                </a:lnTo>
-                <a:lnTo>
-                  <a:pt x="10038" y="8305"/>
-                </a:lnTo>
-                <a:lnTo>
-                  <a:pt x="9965" y="8134"/>
-                </a:lnTo>
-                <a:lnTo>
-                  <a:pt x="9916" y="7963"/>
-                </a:lnTo>
-                <a:lnTo>
-                  <a:pt x="9892" y="7767"/>
-                </a:lnTo>
-                <a:lnTo>
-                  <a:pt x="9916" y="7572"/>
-                </a:lnTo>
-                <a:lnTo>
-                  <a:pt x="9965" y="7401"/>
-                </a:lnTo>
-                <a:lnTo>
-                  <a:pt x="10038" y="7230"/>
-                </a:lnTo>
-                <a:lnTo>
-                  <a:pt x="10136" y="7084"/>
-                </a:lnTo>
-                <a:lnTo>
-                  <a:pt x="10283" y="6986"/>
-                </a:lnTo>
-                <a:lnTo>
-                  <a:pt x="10429" y="6888"/>
-                </a:lnTo>
-                <a:lnTo>
-                  <a:pt x="10600" y="6839"/>
-                </a:lnTo>
-                <a:lnTo>
-                  <a:pt x="10771" y="6815"/>
-                </a:lnTo>
-                <a:close/>
-                <a:moveTo>
-                  <a:pt x="11308" y="10210"/>
-                </a:moveTo>
-                <a:lnTo>
-                  <a:pt x="11406" y="10234"/>
-                </a:lnTo>
-                <a:lnTo>
-                  <a:pt x="11479" y="10259"/>
-                </a:lnTo>
-                <a:lnTo>
-                  <a:pt x="11577" y="10307"/>
-                </a:lnTo>
-                <a:lnTo>
-                  <a:pt x="11650" y="10356"/>
-                </a:lnTo>
-                <a:lnTo>
-                  <a:pt x="11699" y="10430"/>
-                </a:lnTo>
-                <a:lnTo>
-                  <a:pt x="11748" y="10527"/>
-                </a:lnTo>
-                <a:lnTo>
-                  <a:pt x="11772" y="10625"/>
-                </a:lnTo>
-                <a:lnTo>
-                  <a:pt x="11797" y="10698"/>
-                </a:lnTo>
-                <a:lnTo>
-                  <a:pt x="11772" y="10796"/>
-                </a:lnTo>
-                <a:lnTo>
-                  <a:pt x="11748" y="10894"/>
-                </a:lnTo>
-                <a:lnTo>
-                  <a:pt x="11699" y="10967"/>
-                </a:lnTo>
-                <a:lnTo>
-                  <a:pt x="11650" y="11065"/>
-                </a:lnTo>
-                <a:lnTo>
-                  <a:pt x="11235" y="11431"/>
-                </a:lnTo>
-                <a:lnTo>
-                  <a:pt x="10795" y="11773"/>
-                </a:lnTo>
-                <a:lnTo>
-                  <a:pt x="10307" y="12041"/>
-                </a:lnTo>
-                <a:lnTo>
-                  <a:pt x="9819" y="12286"/>
-                </a:lnTo>
-                <a:lnTo>
-                  <a:pt x="9281" y="12457"/>
-                </a:lnTo>
-                <a:lnTo>
-                  <a:pt x="8768" y="12603"/>
-                </a:lnTo>
-                <a:lnTo>
-                  <a:pt x="8207" y="12676"/>
-                </a:lnTo>
-                <a:lnTo>
-                  <a:pt x="7645" y="12701"/>
-                </a:lnTo>
-                <a:lnTo>
-                  <a:pt x="7083" y="12676"/>
-                </a:lnTo>
-                <a:lnTo>
-                  <a:pt x="6521" y="12603"/>
-                </a:lnTo>
-                <a:lnTo>
-                  <a:pt x="6009" y="12457"/>
-                </a:lnTo>
-                <a:lnTo>
-                  <a:pt x="5471" y="12286"/>
-                </a:lnTo>
-                <a:lnTo>
-                  <a:pt x="4983" y="12041"/>
-                </a:lnTo>
-                <a:lnTo>
-                  <a:pt x="4494" y="11773"/>
-                </a:lnTo>
-                <a:lnTo>
-                  <a:pt x="4055" y="11431"/>
-                </a:lnTo>
-                <a:lnTo>
-                  <a:pt x="3640" y="11065"/>
-                </a:lnTo>
-                <a:lnTo>
-                  <a:pt x="3591" y="10967"/>
-                </a:lnTo>
-                <a:lnTo>
-                  <a:pt x="3542" y="10894"/>
-                </a:lnTo>
-                <a:lnTo>
-                  <a:pt x="3517" y="10796"/>
-                </a:lnTo>
-                <a:lnTo>
-                  <a:pt x="3493" y="10698"/>
-                </a:lnTo>
-                <a:lnTo>
-                  <a:pt x="3517" y="10625"/>
-                </a:lnTo>
-                <a:lnTo>
-                  <a:pt x="3542" y="10527"/>
-                </a:lnTo>
-                <a:lnTo>
-                  <a:pt x="3591" y="10430"/>
-                </a:lnTo>
-                <a:lnTo>
-                  <a:pt x="3640" y="10356"/>
-                </a:lnTo>
-                <a:lnTo>
-                  <a:pt x="3713" y="10307"/>
-                </a:lnTo>
-                <a:lnTo>
-                  <a:pt x="3811" y="10259"/>
-                </a:lnTo>
-                <a:lnTo>
-                  <a:pt x="3884" y="10234"/>
-                </a:lnTo>
-                <a:lnTo>
-                  <a:pt x="3981" y="10210"/>
-                </a:lnTo>
-                <a:lnTo>
-                  <a:pt x="4079" y="10234"/>
-                </a:lnTo>
-                <a:lnTo>
-                  <a:pt x="4177" y="10259"/>
-                </a:lnTo>
-                <a:lnTo>
-                  <a:pt x="4250" y="10307"/>
-                </a:lnTo>
-                <a:lnTo>
-                  <a:pt x="4323" y="10356"/>
-                </a:lnTo>
-                <a:lnTo>
-                  <a:pt x="4690" y="10674"/>
-                </a:lnTo>
-                <a:lnTo>
-                  <a:pt x="5056" y="10942"/>
-                </a:lnTo>
-                <a:lnTo>
-                  <a:pt x="5447" y="11187"/>
-                </a:lnTo>
-                <a:lnTo>
-                  <a:pt x="5862" y="11382"/>
-                </a:lnTo>
-                <a:lnTo>
-                  <a:pt x="6277" y="11529"/>
-                </a:lnTo>
-                <a:lnTo>
-                  <a:pt x="6717" y="11651"/>
-                </a:lnTo>
-                <a:lnTo>
-                  <a:pt x="7181" y="11700"/>
-                </a:lnTo>
-                <a:lnTo>
-                  <a:pt x="7645" y="11724"/>
-                </a:lnTo>
-                <a:lnTo>
-                  <a:pt x="8109" y="11700"/>
-                </a:lnTo>
-                <a:lnTo>
-                  <a:pt x="8573" y="11651"/>
-                </a:lnTo>
-                <a:lnTo>
-                  <a:pt x="9013" y="11529"/>
-                </a:lnTo>
-                <a:lnTo>
-                  <a:pt x="9428" y="11382"/>
-                </a:lnTo>
-                <a:lnTo>
-                  <a:pt x="9843" y="11187"/>
-                </a:lnTo>
-                <a:lnTo>
-                  <a:pt x="10234" y="10942"/>
-                </a:lnTo>
-                <a:lnTo>
-                  <a:pt x="10600" y="10674"/>
-                </a:lnTo>
-                <a:lnTo>
-                  <a:pt x="10966" y="10356"/>
-                </a:lnTo>
-                <a:lnTo>
-                  <a:pt x="11040" y="10307"/>
-                </a:lnTo>
-                <a:lnTo>
-                  <a:pt x="11113" y="10259"/>
-                </a:lnTo>
-                <a:lnTo>
-                  <a:pt x="11211" y="10234"/>
-                </a:lnTo>
-                <a:lnTo>
-                  <a:pt x="11308" y="10210"/>
-                </a:lnTo>
-                <a:close/>
-                <a:moveTo>
-                  <a:pt x="7254" y="1"/>
-                </a:moveTo>
-                <a:lnTo>
-                  <a:pt x="6863" y="50"/>
-                </a:lnTo>
-                <a:lnTo>
-                  <a:pt x="6473" y="99"/>
-                </a:lnTo>
-                <a:lnTo>
-                  <a:pt x="6106" y="147"/>
-                </a:lnTo>
-                <a:lnTo>
-                  <a:pt x="5740" y="245"/>
-                </a:lnTo>
-                <a:lnTo>
-                  <a:pt x="5374" y="343"/>
-                </a:lnTo>
-                <a:lnTo>
-                  <a:pt x="5007" y="465"/>
-                </a:lnTo>
-                <a:lnTo>
-                  <a:pt x="4665" y="611"/>
-                </a:lnTo>
-                <a:lnTo>
-                  <a:pt x="4323" y="758"/>
-                </a:lnTo>
-                <a:lnTo>
-                  <a:pt x="4006" y="929"/>
-                </a:lnTo>
-                <a:lnTo>
-                  <a:pt x="3688" y="1100"/>
-                </a:lnTo>
-                <a:lnTo>
-                  <a:pt x="3371" y="1295"/>
-                </a:lnTo>
-                <a:lnTo>
-                  <a:pt x="3078" y="1515"/>
-                </a:lnTo>
-                <a:lnTo>
-                  <a:pt x="2785" y="1735"/>
-                </a:lnTo>
-                <a:lnTo>
-                  <a:pt x="2516" y="1979"/>
-                </a:lnTo>
-                <a:lnTo>
-                  <a:pt x="2247" y="2248"/>
-                </a:lnTo>
-                <a:lnTo>
-                  <a:pt x="1979" y="2516"/>
-                </a:lnTo>
-                <a:lnTo>
-                  <a:pt x="1735" y="2785"/>
-                </a:lnTo>
-                <a:lnTo>
-                  <a:pt x="1515" y="3078"/>
-                </a:lnTo>
-                <a:lnTo>
-                  <a:pt x="1295" y="3371"/>
-                </a:lnTo>
-                <a:lnTo>
-                  <a:pt x="1100" y="3689"/>
-                </a:lnTo>
-                <a:lnTo>
-                  <a:pt x="929" y="4006"/>
-                </a:lnTo>
-                <a:lnTo>
-                  <a:pt x="758" y="4324"/>
-                </a:lnTo>
-                <a:lnTo>
-                  <a:pt x="611" y="4666"/>
-                </a:lnTo>
-                <a:lnTo>
-                  <a:pt x="465" y="5008"/>
-                </a:lnTo>
-                <a:lnTo>
-                  <a:pt x="342" y="5374"/>
-                </a:lnTo>
-                <a:lnTo>
-                  <a:pt x="245" y="5740"/>
-                </a:lnTo>
-                <a:lnTo>
-                  <a:pt x="147" y="6107"/>
-                </a:lnTo>
-                <a:lnTo>
-                  <a:pt x="98" y="6473"/>
-                </a:lnTo>
-                <a:lnTo>
-                  <a:pt x="49" y="6864"/>
-                </a:lnTo>
-                <a:lnTo>
-                  <a:pt x="1" y="7255"/>
-                </a:lnTo>
-                <a:lnTo>
-                  <a:pt x="1" y="7645"/>
-                </a:lnTo>
-                <a:lnTo>
-                  <a:pt x="1" y="8036"/>
-                </a:lnTo>
-                <a:lnTo>
-                  <a:pt x="49" y="8427"/>
-                </a:lnTo>
-                <a:lnTo>
-                  <a:pt x="98" y="8818"/>
-                </a:lnTo>
-                <a:lnTo>
-                  <a:pt x="147" y="9184"/>
-                </a:lnTo>
-                <a:lnTo>
-                  <a:pt x="245" y="9550"/>
-                </a:lnTo>
-                <a:lnTo>
-                  <a:pt x="342" y="9917"/>
-                </a:lnTo>
-                <a:lnTo>
-                  <a:pt x="465" y="10283"/>
-                </a:lnTo>
-                <a:lnTo>
-                  <a:pt x="611" y="10625"/>
-                </a:lnTo>
-                <a:lnTo>
-                  <a:pt x="758" y="10967"/>
-                </a:lnTo>
-                <a:lnTo>
-                  <a:pt x="929" y="11284"/>
-                </a:lnTo>
-                <a:lnTo>
-                  <a:pt x="1100" y="11602"/>
-                </a:lnTo>
-                <a:lnTo>
-                  <a:pt x="1295" y="11919"/>
-                </a:lnTo>
-                <a:lnTo>
-                  <a:pt x="1515" y="12212"/>
-                </a:lnTo>
-                <a:lnTo>
-                  <a:pt x="1735" y="12506"/>
-                </a:lnTo>
-                <a:lnTo>
-                  <a:pt x="1979" y="12774"/>
-                </a:lnTo>
-                <a:lnTo>
-                  <a:pt x="2247" y="13043"/>
-                </a:lnTo>
-                <a:lnTo>
-                  <a:pt x="2516" y="13311"/>
-                </a:lnTo>
-                <a:lnTo>
-                  <a:pt x="2785" y="13556"/>
-                </a:lnTo>
-                <a:lnTo>
-                  <a:pt x="3078" y="13776"/>
-                </a:lnTo>
-                <a:lnTo>
-                  <a:pt x="3371" y="13995"/>
-                </a:lnTo>
-                <a:lnTo>
-                  <a:pt x="3688" y="14191"/>
-                </a:lnTo>
-                <a:lnTo>
-                  <a:pt x="4006" y="14362"/>
-                </a:lnTo>
-                <a:lnTo>
-                  <a:pt x="4323" y="14533"/>
-                </a:lnTo>
-                <a:lnTo>
-                  <a:pt x="4665" y="14679"/>
-                </a:lnTo>
-                <a:lnTo>
-                  <a:pt x="5007" y="14826"/>
-                </a:lnTo>
-                <a:lnTo>
-                  <a:pt x="5374" y="14948"/>
-                </a:lnTo>
-                <a:lnTo>
-                  <a:pt x="5740" y="15046"/>
-                </a:lnTo>
-                <a:lnTo>
-                  <a:pt x="6106" y="15143"/>
-                </a:lnTo>
-                <a:lnTo>
-                  <a:pt x="6473" y="15192"/>
-                </a:lnTo>
-                <a:lnTo>
-                  <a:pt x="6863" y="15241"/>
-                </a:lnTo>
-                <a:lnTo>
-                  <a:pt x="7254" y="15290"/>
-                </a:lnTo>
-                <a:lnTo>
-                  <a:pt x="8036" y="15290"/>
-                </a:lnTo>
-                <a:lnTo>
-                  <a:pt x="8426" y="15241"/>
-                </a:lnTo>
-                <a:lnTo>
-                  <a:pt x="8817" y="15192"/>
-                </a:lnTo>
-                <a:lnTo>
-                  <a:pt x="9184" y="15143"/>
-                </a:lnTo>
-                <a:lnTo>
-                  <a:pt x="9550" y="15046"/>
-                </a:lnTo>
-                <a:lnTo>
-                  <a:pt x="9916" y="14948"/>
-                </a:lnTo>
-                <a:lnTo>
-                  <a:pt x="10283" y="14826"/>
-                </a:lnTo>
-                <a:lnTo>
-                  <a:pt x="10625" y="14679"/>
-                </a:lnTo>
-                <a:lnTo>
-                  <a:pt x="10966" y="14533"/>
-                </a:lnTo>
-                <a:lnTo>
-                  <a:pt x="11284" y="14362"/>
-                </a:lnTo>
-                <a:lnTo>
-                  <a:pt x="11601" y="14191"/>
-                </a:lnTo>
-                <a:lnTo>
-                  <a:pt x="11919" y="13995"/>
-                </a:lnTo>
-                <a:lnTo>
-                  <a:pt x="12212" y="13776"/>
-                </a:lnTo>
-                <a:lnTo>
-                  <a:pt x="12505" y="13556"/>
-                </a:lnTo>
-                <a:lnTo>
-                  <a:pt x="12774" y="13311"/>
-                </a:lnTo>
-                <a:lnTo>
-                  <a:pt x="13042" y="13043"/>
-                </a:lnTo>
-                <a:lnTo>
-                  <a:pt x="13311" y="12774"/>
-                </a:lnTo>
-                <a:lnTo>
-                  <a:pt x="13555" y="12506"/>
-                </a:lnTo>
-                <a:lnTo>
-                  <a:pt x="13775" y="12212"/>
-                </a:lnTo>
-                <a:lnTo>
-                  <a:pt x="13995" y="11919"/>
-                </a:lnTo>
-                <a:lnTo>
-                  <a:pt x="14190" y="11602"/>
-                </a:lnTo>
-                <a:lnTo>
-                  <a:pt x="14361" y="11284"/>
-                </a:lnTo>
-                <a:lnTo>
-                  <a:pt x="14532" y="10967"/>
-                </a:lnTo>
-                <a:lnTo>
-                  <a:pt x="14679" y="10625"/>
-                </a:lnTo>
-                <a:lnTo>
-                  <a:pt x="14825" y="10283"/>
-                </a:lnTo>
-                <a:lnTo>
-                  <a:pt x="14947" y="9917"/>
-                </a:lnTo>
-                <a:lnTo>
-                  <a:pt x="15045" y="9550"/>
-                </a:lnTo>
-                <a:lnTo>
-                  <a:pt x="15143" y="9184"/>
-                </a:lnTo>
-                <a:lnTo>
-                  <a:pt x="15192" y="8818"/>
-                </a:lnTo>
-                <a:lnTo>
-                  <a:pt x="15240" y="8427"/>
-                </a:lnTo>
-                <a:lnTo>
-                  <a:pt x="15289" y="8036"/>
-                </a:lnTo>
-                <a:lnTo>
-                  <a:pt x="15289" y="7645"/>
-                </a:lnTo>
-                <a:lnTo>
-                  <a:pt x="15289" y="7255"/>
-                </a:lnTo>
-                <a:lnTo>
-                  <a:pt x="15240" y="6864"/>
-                </a:lnTo>
-                <a:lnTo>
-                  <a:pt x="15192" y="6473"/>
-                </a:lnTo>
-                <a:lnTo>
-                  <a:pt x="15143" y="6107"/>
-                </a:lnTo>
-                <a:lnTo>
-                  <a:pt x="15045" y="5740"/>
-                </a:lnTo>
-                <a:lnTo>
-                  <a:pt x="14947" y="5374"/>
-                </a:lnTo>
-                <a:lnTo>
-                  <a:pt x="14825" y="5008"/>
-                </a:lnTo>
-                <a:lnTo>
-                  <a:pt x="14679" y="4666"/>
-                </a:lnTo>
-                <a:lnTo>
-                  <a:pt x="14532" y="4324"/>
-                </a:lnTo>
-                <a:lnTo>
-                  <a:pt x="14361" y="4006"/>
-                </a:lnTo>
-                <a:lnTo>
-                  <a:pt x="14190" y="3689"/>
-                </a:lnTo>
-                <a:lnTo>
-                  <a:pt x="13995" y="3371"/>
-                </a:lnTo>
-                <a:lnTo>
-                  <a:pt x="13775" y="3078"/>
-                </a:lnTo>
-                <a:lnTo>
-                  <a:pt x="13555" y="2785"/>
-                </a:lnTo>
-                <a:lnTo>
-                  <a:pt x="13311" y="2516"/>
-                </a:lnTo>
-                <a:lnTo>
-                  <a:pt x="13042" y="2248"/>
-                </a:lnTo>
-                <a:lnTo>
-                  <a:pt x="12774" y="1979"/>
-                </a:lnTo>
-                <a:lnTo>
-                  <a:pt x="12505" y="1735"/>
-                </a:lnTo>
-                <a:lnTo>
-                  <a:pt x="12212" y="1515"/>
-                </a:lnTo>
-                <a:lnTo>
-                  <a:pt x="11919" y="1295"/>
-                </a:lnTo>
-                <a:lnTo>
-                  <a:pt x="11601" y="1100"/>
-                </a:lnTo>
-                <a:lnTo>
-                  <a:pt x="11284" y="929"/>
-                </a:lnTo>
-                <a:lnTo>
-                  <a:pt x="10966" y="758"/>
-                </a:lnTo>
-                <a:lnTo>
-                  <a:pt x="10625" y="611"/>
-                </a:lnTo>
-                <a:lnTo>
-                  <a:pt x="10283" y="465"/>
-                </a:lnTo>
-                <a:lnTo>
-                  <a:pt x="9916" y="343"/>
-                </a:lnTo>
-                <a:lnTo>
-                  <a:pt x="9550" y="245"/>
-                </a:lnTo>
-                <a:lnTo>
-                  <a:pt x="9184" y="147"/>
-                </a:lnTo>
-                <a:lnTo>
-                  <a:pt x="8817" y="99"/>
-                </a:lnTo>
-                <a:lnTo>
-                  <a:pt x="8426" y="50"/>
-                </a:lnTo>
-                <a:lnTo>
-                  <a:pt x="8036" y="1"/>
-                </a:lnTo>
-                <a:close/>
-              </a:path>
-            </a:pathLst>
-          </a:custGeom>
-          <a:solidFill>
-            <a:srgbClr val="FFFFFF"/>
-          </a:solidFill>
+          </a:prstGeom>
+          <a:noFill/>
           <a:ln>
             <a:noFill/>
           </a:ln>
@@ -31446,7 +35833,7 @@
           </a:bodyPr>
           <a:lstStyle/>
           <a:p>
-            <a:pPr marL="0" lvl="0" indent="0">
+            <a:pPr marL="0" lvl="0" indent="0" algn="ctr">
               <a:spcBef>
                 <a:spcPts val="0"/>
               </a:spcBef>
@@ -31455,236 +35842,28 @@
               </a:spcAft>
               <a:buNone/>
             </a:pPr>
-            <a:endParaRPr/>
+            <a:r>
+              <a:rPr lang="en" sz="4800" b="1" dirty="0">
+                <a:solidFill>
+                  <a:srgbClr val="FFFFFF"/>
+                </a:solidFill>
+                <a:latin typeface="Nixie One"/>
+                <a:sym typeface="Nixie One"/>
+              </a:rPr>
+              <a:t>2</a:t>
+            </a:r>
+            <a:endParaRPr b="1" dirty="0">
+              <a:solidFill>
+                <a:srgbClr val="FFFFFF"/>
+              </a:solidFill>
+            </a:endParaRPr>
           </a:p>
         </p:txBody>
       </p:sp>
-      <p:pic>
-        <p:nvPicPr>
-          <p:cNvPr id="6" name="Shape 402">
-            <a:extLst>
-              <a:ext uri="{FF2B5EF4-FFF2-40B4-BE49-F238E27FC236}">
-                <a16:creationId xmlns:a16="http://schemas.microsoft.com/office/drawing/2014/main" id="{B1DE4C56-DCC6-45DD-B503-0459463671AC}"/>
-              </a:ext>
-            </a:extLst>
-          </p:cNvPr>
-          <p:cNvPicPr preferRelativeResize="0"/>
-          <p:nvPr/>
-        </p:nvPicPr>
-        <p:blipFill>
-          <a:blip r:embed="rId7"/>
-          <a:stretch>
-            <a:fillRect/>
-          </a:stretch>
-        </p:blipFill>
-        <p:spPr>
-          <a:xfrm>
-            <a:off x="7479050" y="2930467"/>
-            <a:ext cx="902331" cy="902331"/>
-          </a:xfrm>
-          <a:prstGeom prst="hexagon">
-            <a:avLst>
-              <a:gd name="adj" fmla="val 28504"/>
-              <a:gd name="vf" fmla="val 115470"/>
-            </a:avLst>
-          </a:prstGeom>
-          <a:noFill/>
-          <a:ln>
-            <a:noFill/>
-          </a:ln>
-          <a:effectLst>
-            <a:outerShdw blurRad="57150" dist="19050" dir="5400000" algn="bl" rotWithShape="0">
-              <a:srgbClr val="000000">
-                <a:alpha val="50000"/>
-              </a:srgbClr>
-            </a:outerShdw>
-          </a:effectLst>
-        </p:spPr>
-      </p:pic>
-      <p:pic>
-        <p:nvPicPr>
-          <p:cNvPr id="7" name="Shape 402">
-            <a:extLst>
-              <a:ext uri="{FF2B5EF4-FFF2-40B4-BE49-F238E27FC236}">
-                <a16:creationId xmlns:a16="http://schemas.microsoft.com/office/drawing/2014/main" id="{A0845828-6F03-4AF6-B57C-A7FE6A9D455A}"/>
-              </a:ext>
-            </a:extLst>
-          </p:cNvPr>
-          <p:cNvPicPr preferRelativeResize="0"/>
-          <p:nvPr/>
-        </p:nvPicPr>
-        <p:blipFill>
-          <a:blip r:embed="rId8"/>
-          <a:stretch>
-            <a:fillRect/>
-          </a:stretch>
-        </p:blipFill>
-        <p:spPr>
-          <a:xfrm>
-            <a:off x="6244514" y="2925659"/>
-            <a:ext cx="902331" cy="902331"/>
-          </a:xfrm>
-          <a:prstGeom prst="hexagon">
-            <a:avLst>
-              <a:gd name="adj" fmla="val 28504"/>
-              <a:gd name="vf" fmla="val 115470"/>
-            </a:avLst>
-          </a:prstGeom>
-          <a:noFill/>
-          <a:ln>
-            <a:noFill/>
-          </a:ln>
-          <a:effectLst>
-            <a:outerShdw blurRad="57150" dist="19050" dir="5400000" algn="bl" rotWithShape="0">
-              <a:srgbClr val="000000">
-                <a:alpha val="50000"/>
-              </a:srgbClr>
-            </a:outerShdw>
-          </a:effectLst>
-        </p:spPr>
-      </p:pic>
-      <p:pic>
-        <p:nvPicPr>
-          <p:cNvPr id="8" name="Shape 402">
-            <a:extLst>
-              <a:ext uri="{FF2B5EF4-FFF2-40B4-BE49-F238E27FC236}">
-                <a16:creationId xmlns:a16="http://schemas.microsoft.com/office/drawing/2014/main" id="{724DD41D-BD2F-4BAD-9380-6E3900EA9F3E}"/>
-              </a:ext>
-            </a:extLst>
-          </p:cNvPr>
-          <p:cNvPicPr preferRelativeResize="0"/>
-          <p:nvPr/>
-        </p:nvPicPr>
-        <p:blipFill>
-          <a:blip r:embed="rId9"/>
-          <a:stretch>
-            <a:fillRect/>
-          </a:stretch>
-        </p:blipFill>
-        <p:spPr>
-          <a:xfrm>
-            <a:off x="6209297" y="2120584"/>
-            <a:ext cx="902331" cy="902331"/>
-          </a:xfrm>
-          <a:prstGeom prst="hexagon">
-            <a:avLst>
-              <a:gd name="adj" fmla="val 28504"/>
-              <a:gd name="vf" fmla="val 115470"/>
-            </a:avLst>
-          </a:prstGeom>
-          <a:noFill/>
-          <a:ln>
-            <a:noFill/>
-          </a:ln>
-          <a:effectLst>
-            <a:outerShdw blurRad="57150" dist="19050" dir="5400000" algn="bl" rotWithShape="0">
-              <a:srgbClr val="000000">
-                <a:alpha val="50000"/>
-              </a:srgbClr>
-            </a:outerShdw>
-          </a:effectLst>
-        </p:spPr>
-      </p:pic>
-      <p:pic>
-        <p:nvPicPr>
-          <p:cNvPr id="9" name="Afbeelding 10" descr="Afbeelding met persoon, binnen, muur&#10;&#10;Beschrijving is gegenereerd met zeer hoge betrouwbaarheid">
-            <a:extLst>
-              <a:ext uri="{FF2B5EF4-FFF2-40B4-BE49-F238E27FC236}">
-                <a16:creationId xmlns:a16="http://schemas.microsoft.com/office/drawing/2014/main" id="{FBBE6CE8-8A09-4C8E-ADF1-BB1670F1904C}"/>
-              </a:ext>
-            </a:extLst>
-          </p:cNvPr>
-          <p:cNvPicPr>
-            <a:picLocks noChangeAspect="1"/>
-          </p:cNvPicPr>
-          <p:nvPr/>
-        </p:nvPicPr>
-        <p:blipFill rotWithShape="1">
-          <a:blip r:embed="rId10"/>
-          <a:srcRect t="10633" b="17221"/>
-          <a:stretch/>
-        </p:blipFill>
-        <p:spPr>
-          <a:xfrm>
-            <a:off x="7479049" y="2181759"/>
-            <a:ext cx="972766" cy="935758"/>
-          </a:xfrm>
-          <a:prstGeom prst="hexagon">
-            <a:avLst/>
-          </a:prstGeom>
-          <a:effectLst>
-            <a:softEdge rad="12700"/>
-          </a:effectLst>
-        </p:spPr>
-      </p:pic>
-      <p:pic>
-        <p:nvPicPr>
-          <p:cNvPr id="10" name="Afbeelding 12" descr="Afbeelding met persoon, muur, man, binnen&#10;&#10;Beschrijving is gegenereerd met zeer hoge betrouwbaarheid">
-            <a:extLst>
-              <a:ext uri="{FF2B5EF4-FFF2-40B4-BE49-F238E27FC236}">
-                <a16:creationId xmlns:a16="http://schemas.microsoft.com/office/drawing/2014/main" id="{6856DEFF-4497-4671-A00B-FDF494A4C778}"/>
-              </a:ext>
-            </a:extLst>
-          </p:cNvPr>
-          <p:cNvPicPr>
-            <a:picLocks noChangeAspect="1"/>
-          </p:cNvPicPr>
-          <p:nvPr/>
-        </p:nvPicPr>
-        <p:blipFill rotWithShape="1">
-          <a:blip r:embed="rId11"/>
-          <a:srcRect t="5017" b="22836"/>
-          <a:stretch/>
-        </p:blipFill>
-        <p:spPr>
-          <a:xfrm>
-            <a:off x="6855117" y="2542690"/>
-            <a:ext cx="902332" cy="868002"/>
-          </a:xfrm>
-          <a:prstGeom prst="hexagon">
-            <a:avLst/>
-          </a:prstGeom>
-          <a:effectLst>
-            <a:softEdge rad="12700"/>
-          </a:effectLst>
-        </p:spPr>
-      </p:pic>
-      <p:pic>
-        <p:nvPicPr>
-          <p:cNvPr id="11" name="Afbeelding 14" descr="Afbeelding met persoon, muur, man, binnen&#10;&#10;Beschrijving is gegenereerd met zeer hoge betrouwbaarheid">
-            <a:extLst>
-              <a:ext uri="{FF2B5EF4-FFF2-40B4-BE49-F238E27FC236}">
-                <a16:creationId xmlns:a16="http://schemas.microsoft.com/office/drawing/2014/main" id="{2C19152B-8621-415D-9519-60DB2ECD4D0F}"/>
-              </a:ext>
-            </a:extLst>
-          </p:cNvPr>
-          <p:cNvPicPr>
-            <a:picLocks noChangeAspect="1"/>
-          </p:cNvPicPr>
-          <p:nvPr/>
-        </p:nvPicPr>
-        <p:blipFill rotWithShape="1">
-          <a:blip r:embed="rId12"/>
-          <a:srcRect t="9674" b="18179"/>
-          <a:stretch/>
-        </p:blipFill>
-        <p:spPr>
-          <a:xfrm>
-            <a:off x="6829019" y="1724230"/>
-            <a:ext cx="910780" cy="876130"/>
-          </a:xfrm>
-          <a:prstGeom prst="hexagon">
-            <a:avLst/>
-          </a:prstGeom>
-          <a:effectLst>
-            <a:softEdge rad="12700"/>
-          </a:effectLst>
-        </p:spPr>
-      </p:pic>
     </p:spTree>
     <p:extLst>
       <p:ext uri="{BB962C8B-B14F-4D97-AF65-F5344CB8AC3E}">
-        <p14:creationId xmlns:p14="http://schemas.microsoft.com/office/powerpoint/2010/main" val="2374763266"/>
+        <p14:creationId xmlns:p14="http://schemas.microsoft.com/office/powerpoint/2010/main" val="4149787569"/>
       </p:ext>
     </p:extLst>
   </p:cSld>
